--- a/DOCS/Materials [Autosaved].pptx
+++ b/DOCS/Materials [Autosaved].pptx
@@ -5,7 +5,8 @@
     <p:sldMasterId id="2147483648" r:id="rId1"/>
   </p:sldMasterIdLst>
   <p:sldIdLst>
-    <p:sldId id="256" r:id="rId2"/>
+    <p:sldId id="257" r:id="rId2"/>
+    <p:sldId id="256" r:id="rId3"/>
   </p:sldIdLst>
   <p:sldSz cx="12192000" cy="6858000"/>
   <p:notesSz cx="6858000" cy="9144000"/>
@@ -112,6 +113,1346 @@
 </p:presentation>
 </file>
 
+<file path=ppt/changesInfos/changesInfo1.xml><?xml version="1.0" encoding="utf-8"?>
+<pc:chgInfo xmlns:a="http://schemas.openxmlformats.org/drawingml/2006/main" xmlns:r="http://schemas.openxmlformats.org/officeDocument/2006/relationships" xmlns:ac="http://schemas.microsoft.com/office/drawing/2013/main/command" xmlns:pc="http://schemas.microsoft.com/office/powerpoint/2013/main/command">
+  <pc:docChgLst>
+    <pc:chgData name="Ivan Rubinov" userId="5a4744fe-eb10-4d5d-85e2-0c367af3d7e8" providerId="ADAL" clId="{5C319BB6-5A6E-483B-9BF8-5785471A2581}"/>
+    <pc:docChg chg="undo custSel addSld modSld sldOrd">
+      <pc:chgData name="Ivan Rubinov" userId="5a4744fe-eb10-4d5d-85e2-0c367af3d7e8" providerId="ADAL" clId="{5C319BB6-5A6E-483B-9BF8-5785471A2581}" dt="2024-01-02T19:36:30.851" v="851" actId="20577"/>
+      <pc:docMkLst>
+        <pc:docMk/>
+      </pc:docMkLst>
+      <pc:sldChg chg="addSp delSp modSp mod">
+        <pc:chgData name="Ivan Rubinov" userId="5a4744fe-eb10-4d5d-85e2-0c367af3d7e8" providerId="ADAL" clId="{5C319BB6-5A6E-483B-9BF8-5785471A2581}" dt="2024-01-02T19:36:30.851" v="851" actId="20577"/>
+        <pc:sldMkLst>
+          <pc:docMk/>
+          <pc:sldMk cId="3221126859" sldId="256"/>
+        </pc:sldMkLst>
+        <pc:spChg chg="add del mod">
+          <ac:chgData name="Ivan Rubinov" userId="5a4744fe-eb10-4d5d-85e2-0c367af3d7e8" providerId="ADAL" clId="{5C319BB6-5A6E-483B-9BF8-5785471A2581}" dt="2023-12-24T21:08:58.334" v="100" actId="478"/>
+          <ac:spMkLst>
+            <pc:docMk/>
+            <pc:sldMk cId="3221126859" sldId="256"/>
+            <ac:spMk id="2" creationId="{4DFBBE71-1751-BEA9-4713-1B742B5BA007}"/>
+          </ac:spMkLst>
+        </pc:spChg>
+        <pc:spChg chg="mod">
+          <ac:chgData name="Ivan Rubinov" userId="5a4744fe-eb10-4d5d-85e2-0c367af3d7e8" providerId="ADAL" clId="{5C319BB6-5A6E-483B-9BF8-5785471A2581}" dt="2023-12-24T21:37:32.324" v="696" actId="1076"/>
+          <ac:spMkLst>
+            <pc:docMk/>
+            <pc:sldMk cId="3221126859" sldId="256"/>
+            <ac:spMk id="3" creationId="{6DA4EACE-B5A7-F6C1-F986-12CFF6920964}"/>
+          </ac:spMkLst>
+        </pc:spChg>
+        <pc:spChg chg="add mod">
+          <ac:chgData name="Ivan Rubinov" userId="5a4744fe-eb10-4d5d-85e2-0c367af3d7e8" providerId="ADAL" clId="{5C319BB6-5A6E-483B-9BF8-5785471A2581}" dt="2023-12-24T21:40:52.431" v="730" actId="1076"/>
+          <ac:spMkLst>
+            <pc:docMk/>
+            <pc:sldMk cId="3221126859" sldId="256"/>
+            <ac:spMk id="4" creationId="{A4DBCA25-B3F2-043A-259E-F87EA7D9DF7A}"/>
+          </ac:spMkLst>
+        </pc:spChg>
+        <pc:spChg chg="mod">
+          <ac:chgData name="Ivan Rubinov" userId="5a4744fe-eb10-4d5d-85e2-0c367af3d7e8" providerId="ADAL" clId="{5C319BB6-5A6E-483B-9BF8-5785471A2581}" dt="2023-12-24T21:41:31.832" v="734" actId="1076"/>
+          <ac:spMkLst>
+            <pc:docMk/>
+            <pc:sldMk cId="3221126859" sldId="256"/>
+            <ac:spMk id="5" creationId="{D81F9074-81A5-52B9-F636-520AAD24A069}"/>
+          </ac:spMkLst>
+        </pc:spChg>
+        <pc:spChg chg="mod">
+          <ac:chgData name="Ivan Rubinov" userId="5a4744fe-eb10-4d5d-85e2-0c367af3d7e8" providerId="ADAL" clId="{5C319BB6-5A6E-483B-9BF8-5785471A2581}" dt="2023-12-24T21:40:24.087" v="727" actId="1076"/>
+          <ac:spMkLst>
+            <pc:docMk/>
+            <pc:sldMk cId="3221126859" sldId="256"/>
+            <ac:spMk id="6" creationId="{54A02FD1-9314-8E51-F24B-C2953F11D52A}"/>
+          </ac:spMkLst>
+        </pc:spChg>
+        <pc:spChg chg="mod">
+          <ac:chgData name="Ivan Rubinov" userId="5a4744fe-eb10-4d5d-85e2-0c367af3d7e8" providerId="ADAL" clId="{5C319BB6-5A6E-483B-9BF8-5785471A2581}" dt="2023-12-24T21:46:49.233" v="741" actId="1076"/>
+          <ac:spMkLst>
+            <pc:docMk/>
+            <pc:sldMk cId="3221126859" sldId="256"/>
+            <ac:spMk id="7" creationId="{D7EA5122-7E94-5F9A-5A18-C3385050FF3E}"/>
+          </ac:spMkLst>
+        </pc:spChg>
+        <pc:spChg chg="add mod">
+          <ac:chgData name="Ivan Rubinov" userId="5a4744fe-eb10-4d5d-85e2-0c367af3d7e8" providerId="ADAL" clId="{5C319BB6-5A6E-483B-9BF8-5785471A2581}" dt="2023-12-24T21:48:01.245" v="753" actId="1076"/>
+          <ac:spMkLst>
+            <pc:docMk/>
+            <pc:sldMk cId="3221126859" sldId="256"/>
+            <ac:spMk id="8" creationId="{F7EB8CA5-E84C-E137-9A17-48513D55598D}"/>
+          </ac:spMkLst>
+        </pc:spChg>
+        <pc:spChg chg="del">
+          <ac:chgData name="Ivan Rubinov" userId="5a4744fe-eb10-4d5d-85e2-0c367af3d7e8" providerId="ADAL" clId="{5C319BB6-5A6E-483B-9BF8-5785471A2581}" dt="2023-12-24T21:03:17.027" v="32" actId="478"/>
+          <ac:spMkLst>
+            <pc:docMk/>
+            <pc:sldMk cId="3221126859" sldId="256"/>
+            <ac:spMk id="9" creationId="{27C65C3D-2AE8-8303-E75F-A70F6A8263C3}"/>
+          </ac:spMkLst>
+        </pc:spChg>
+        <pc:spChg chg="add mod">
+          <ac:chgData name="Ivan Rubinov" userId="5a4744fe-eb10-4d5d-85e2-0c367af3d7e8" providerId="ADAL" clId="{5C319BB6-5A6E-483B-9BF8-5785471A2581}" dt="2023-12-24T21:47:33.206" v="749" actId="1076"/>
+          <ac:spMkLst>
+            <pc:docMk/>
+            <pc:sldMk cId="3221126859" sldId="256"/>
+            <ac:spMk id="10" creationId="{70E5B98B-36CA-F4DC-5E12-AD57F08F18FB}"/>
+          </ac:spMkLst>
+        </pc:spChg>
+        <pc:spChg chg="del">
+          <ac:chgData name="Ivan Rubinov" userId="5a4744fe-eb10-4d5d-85e2-0c367af3d7e8" providerId="ADAL" clId="{5C319BB6-5A6E-483B-9BF8-5785471A2581}" dt="2023-12-24T21:03:17.027" v="32" actId="478"/>
+          <ac:spMkLst>
+            <pc:docMk/>
+            <pc:sldMk cId="3221126859" sldId="256"/>
+            <ac:spMk id="11" creationId="{DB441486-1ED7-8022-F6DC-50017442D7EB}"/>
+          </ac:spMkLst>
+        </pc:spChg>
+        <pc:spChg chg="add mod">
+          <ac:chgData name="Ivan Rubinov" userId="5a4744fe-eb10-4d5d-85e2-0c367af3d7e8" providerId="ADAL" clId="{5C319BB6-5A6E-483B-9BF8-5785471A2581}" dt="2023-12-24T21:47:24.692" v="748" actId="1076"/>
+          <ac:spMkLst>
+            <pc:docMk/>
+            <pc:sldMk cId="3221126859" sldId="256"/>
+            <ac:spMk id="12" creationId="{84A8CB01-804B-B60A-B6E3-3F536FD01210}"/>
+          </ac:spMkLst>
+        </pc:spChg>
+        <pc:spChg chg="add del mod">
+          <ac:chgData name="Ivan Rubinov" userId="5a4744fe-eb10-4d5d-85e2-0c367af3d7e8" providerId="ADAL" clId="{5C319BB6-5A6E-483B-9BF8-5785471A2581}" dt="2023-12-24T21:08:59.551" v="101" actId="478"/>
+          <ac:spMkLst>
+            <pc:docMk/>
+            <pc:sldMk cId="3221126859" sldId="256"/>
+            <ac:spMk id="15" creationId="{3FE48062-FE0D-DEDB-DB85-B1C080324FB1}"/>
+          </ac:spMkLst>
+        </pc:spChg>
+        <pc:spChg chg="add del">
+          <ac:chgData name="Ivan Rubinov" userId="5a4744fe-eb10-4d5d-85e2-0c367af3d7e8" providerId="ADAL" clId="{5C319BB6-5A6E-483B-9BF8-5785471A2581}" dt="2023-12-24T21:03:09.003" v="29" actId="478"/>
+          <ac:spMkLst>
+            <pc:docMk/>
+            <pc:sldMk cId="3221126859" sldId="256"/>
+            <ac:spMk id="19" creationId="{A55994E1-2051-984A-40AB-1E720B16CC3D}"/>
+          </ac:spMkLst>
+        </pc:spChg>
+        <pc:spChg chg="del">
+          <ac:chgData name="Ivan Rubinov" userId="5a4744fe-eb10-4d5d-85e2-0c367af3d7e8" providerId="ADAL" clId="{5C319BB6-5A6E-483B-9BF8-5785471A2581}" dt="2023-12-24T21:03:09.003" v="29" actId="478"/>
+          <ac:spMkLst>
+            <pc:docMk/>
+            <pc:sldMk cId="3221126859" sldId="256"/>
+            <ac:spMk id="20" creationId="{60C223DF-C088-6CAF-DE91-7799FD2824FC}"/>
+          </ac:spMkLst>
+        </pc:spChg>
+        <pc:spChg chg="del">
+          <ac:chgData name="Ivan Rubinov" userId="5a4744fe-eb10-4d5d-85e2-0c367af3d7e8" providerId="ADAL" clId="{5C319BB6-5A6E-483B-9BF8-5785471A2581}" dt="2023-12-24T21:03:14.434" v="31" actId="478"/>
+          <ac:spMkLst>
+            <pc:docMk/>
+            <pc:sldMk cId="3221126859" sldId="256"/>
+            <ac:spMk id="21" creationId="{D5388A20-6CAD-D556-8C15-418044B7E9C9}"/>
+          </ac:spMkLst>
+        </pc:spChg>
+        <pc:spChg chg="del mod">
+          <ac:chgData name="Ivan Rubinov" userId="5a4744fe-eb10-4d5d-85e2-0c367af3d7e8" providerId="ADAL" clId="{5C319BB6-5A6E-483B-9BF8-5785471A2581}" dt="2023-12-24T21:08:55.007" v="99" actId="478"/>
+          <ac:spMkLst>
+            <pc:docMk/>
+            <pc:sldMk cId="3221126859" sldId="256"/>
+            <ac:spMk id="22" creationId="{586E7F1F-A11A-1B5E-FBC8-3A6F7F94004F}"/>
+          </ac:spMkLst>
+        </pc:spChg>
+        <pc:spChg chg="del">
+          <ac:chgData name="Ivan Rubinov" userId="5a4744fe-eb10-4d5d-85e2-0c367af3d7e8" providerId="ADAL" clId="{5C319BB6-5A6E-483B-9BF8-5785471A2581}" dt="2023-12-24T21:03:17.027" v="32" actId="478"/>
+          <ac:spMkLst>
+            <pc:docMk/>
+            <pc:sldMk cId="3221126859" sldId="256"/>
+            <ac:spMk id="23" creationId="{CB9755AD-918D-89F3-AACB-3ACC824FF88A}"/>
+          </ac:spMkLst>
+        </pc:spChg>
+        <pc:spChg chg="del">
+          <ac:chgData name="Ivan Rubinov" userId="5a4744fe-eb10-4d5d-85e2-0c367af3d7e8" providerId="ADAL" clId="{5C319BB6-5A6E-483B-9BF8-5785471A2581}" dt="2023-12-24T21:03:09.003" v="29" actId="478"/>
+          <ac:spMkLst>
+            <pc:docMk/>
+            <pc:sldMk cId="3221126859" sldId="256"/>
+            <ac:spMk id="24" creationId="{ECAD6374-E3BB-FD92-B128-17C1B9E27964}"/>
+          </ac:spMkLst>
+        </pc:spChg>
+        <pc:spChg chg="del">
+          <ac:chgData name="Ivan Rubinov" userId="5a4744fe-eb10-4d5d-85e2-0c367af3d7e8" providerId="ADAL" clId="{5C319BB6-5A6E-483B-9BF8-5785471A2581}" dt="2023-12-24T21:03:09.003" v="29" actId="478"/>
+          <ac:spMkLst>
+            <pc:docMk/>
+            <pc:sldMk cId="3221126859" sldId="256"/>
+            <ac:spMk id="25" creationId="{D3C7AF69-DFE5-E76B-3F03-FC600DC3CF1C}"/>
+          </ac:spMkLst>
+        </pc:spChg>
+        <pc:spChg chg="del">
+          <ac:chgData name="Ivan Rubinov" userId="5a4744fe-eb10-4d5d-85e2-0c367af3d7e8" providerId="ADAL" clId="{5C319BB6-5A6E-483B-9BF8-5785471A2581}" dt="2023-12-24T21:03:09.003" v="29" actId="478"/>
+          <ac:spMkLst>
+            <pc:docMk/>
+            <pc:sldMk cId="3221126859" sldId="256"/>
+            <ac:spMk id="26" creationId="{C6761690-C077-9403-6C8E-1A220AC1DB2D}"/>
+          </ac:spMkLst>
+        </pc:spChg>
+        <pc:spChg chg="del">
+          <ac:chgData name="Ivan Rubinov" userId="5a4744fe-eb10-4d5d-85e2-0c367af3d7e8" providerId="ADAL" clId="{5C319BB6-5A6E-483B-9BF8-5785471A2581}" dt="2023-12-24T21:03:09.003" v="29" actId="478"/>
+          <ac:spMkLst>
+            <pc:docMk/>
+            <pc:sldMk cId="3221126859" sldId="256"/>
+            <ac:spMk id="27" creationId="{661179BA-B5DD-C550-F05E-CEFE9A113EC5}"/>
+          </ac:spMkLst>
+        </pc:spChg>
+        <pc:spChg chg="del">
+          <ac:chgData name="Ivan Rubinov" userId="5a4744fe-eb10-4d5d-85e2-0c367af3d7e8" providerId="ADAL" clId="{5C319BB6-5A6E-483B-9BF8-5785471A2581}" dt="2023-12-24T21:03:09.003" v="29" actId="478"/>
+          <ac:spMkLst>
+            <pc:docMk/>
+            <pc:sldMk cId="3221126859" sldId="256"/>
+            <ac:spMk id="28" creationId="{CA5C396C-ED37-62A4-70D4-32DAD59BBE82}"/>
+          </ac:spMkLst>
+        </pc:spChg>
+        <pc:spChg chg="del">
+          <ac:chgData name="Ivan Rubinov" userId="5a4744fe-eb10-4d5d-85e2-0c367af3d7e8" providerId="ADAL" clId="{5C319BB6-5A6E-483B-9BF8-5785471A2581}" dt="2023-12-24T21:03:09.003" v="29" actId="478"/>
+          <ac:spMkLst>
+            <pc:docMk/>
+            <pc:sldMk cId="3221126859" sldId="256"/>
+            <ac:spMk id="29" creationId="{A658F230-C21F-B9F8-98E5-235E3C56EAE5}"/>
+          </ac:spMkLst>
+        </pc:spChg>
+        <pc:spChg chg="del">
+          <ac:chgData name="Ivan Rubinov" userId="5a4744fe-eb10-4d5d-85e2-0c367af3d7e8" providerId="ADAL" clId="{5C319BB6-5A6E-483B-9BF8-5785471A2581}" dt="2023-12-24T21:03:14.434" v="31" actId="478"/>
+          <ac:spMkLst>
+            <pc:docMk/>
+            <pc:sldMk cId="3221126859" sldId="256"/>
+            <ac:spMk id="30" creationId="{E0F48F2A-D5D8-CE7F-E05B-9563DE2CFA7E}"/>
+          </ac:spMkLst>
+        </pc:spChg>
+        <pc:spChg chg="mod">
+          <ac:chgData name="Ivan Rubinov" userId="5a4744fe-eb10-4d5d-85e2-0c367af3d7e8" providerId="ADAL" clId="{5C319BB6-5A6E-483B-9BF8-5785471A2581}" dt="2023-12-24T21:38:22.909" v="704" actId="1076"/>
+          <ac:spMkLst>
+            <pc:docMk/>
+            <pc:sldMk cId="3221126859" sldId="256"/>
+            <ac:spMk id="31" creationId="{855EB15A-702E-CEAF-5724-0EFA2249A6A2}"/>
+          </ac:spMkLst>
+        </pc:spChg>
+        <pc:spChg chg="del">
+          <ac:chgData name="Ivan Rubinov" userId="5a4744fe-eb10-4d5d-85e2-0c367af3d7e8" providerId="ADAL" clId="{5C319BB6-5A6E-483B-9BF8-5785471A2581}" dt="2023-12-24T21:03:09.003" v="29" actId="478"/>
+          <ac:spMkLst>
+            <pc:docMk/>
+            <pc:sldMk cId="3221126859" sldId="256"/>
+            <ac:spMk id="32" creationId="{D7CCBA19-BC96-BCB1-222E-839000CB4456}"/>
+          </ac:spMkLst>
+        </pc:spChg>
+        <pc:spChg chg="del">
+          <ac:chgData name="Ivan Rubinov" userId="5a4744fe-eb10-4d5d-85e2-0c367af3d7e8" providerId="ADAL" clId="{5C319BB6-5A6E-483B-9BF8-5785471A2581}" dt="2023-12-24T21:03:14.434" v="31" actId="478"/>
+          <ac:spMkLst>
+            <pc:docMk/>
+            <pc:sldMk cId="3221126859" sldId="256"/>
+            <ac:spMk id="33" creationId="{A9AFE7D0-D2D4-542C-114B-7357BE3754DD}"/>
+          </ac:spMkLst>
+        </pc:spChg>
+        <pc:spChg chg="del">
+          <ac:chgData name="Ivan Rubinov" userId="5a4744fe-eb10-4d5d-85e2-0c367af3d7e8" providerId="ADAL" clId="{5C319BB6-5A6E-483B-9BF8-5785471A2581}" dt="2023-12-24T21:03:17.027" v="32" actId="478"/>
+          <ac:spMkLst>
+            <pc:docMk/>
+            <pc:sldMk cId="3221126859" sldId="256"/>
+            <ac:spMk id="35" creationId="{658AB2DF-2A47-F5CF-DF84-5068DAA3DC55}"/>
+          </ac:spMkLst>
+        </pc:spChg>
+        <pc:spChg chg="del">
+          <ac:chgData name="Ivan Rubinov" userId="5a4744fe-eb10-4d5d-85e2-0c367af3d7e8" providerId="ADAL" clId="{5C319BB6-5A6E-483B-9BF8-5785471A2581}" dt="2023-12-24T21:03:17.027" v="32" actId="478"/>
+          <ac:spMkLst>
+            <pc:docMk/>
+            <pc:sldMk cId="3221126859" sldId="256"/>
+            <ac:spMk id="36" creationId="{D6BAF204-6365-8449-7E8E-577CCDBDE257}"/>
+          </ac:spMkLst>
+        </pc:spChg>
+        <pc:spChg chg="del">
+          <ac:chgData name="Ivan Rubinov" userId="5a4744fe-eb10-4d5d-85e2-0c367af3d7e8" providerId="ADAL" clId="{5C319BB6-5A6E-483B-9BF8-5785471A2581}" dt="2023-12-24T21:03:11.372" v="30" actId="478"/>
+          <ac:spMkLst>
+            <pc:docMk/>
+            <pc:sldMk cId="3221126859" sldId="256"/>
+            <ac:spMk id="37" creationId="{98385ECB-707B-7647-1C3B-59C4AF98B54D}"/>
+          </ac:spMkLst>
+        </pc:spChg>
+        <pc:spChg chg="del">
+          <ac:chgData name="Ivan Rubinov" userId="5a4744fe-eb10-4d5d-85e2-0c367af3d7e8" providerId="ADAL" clId="{5C319BB6-5A6E-483B-9BF8-5785471A2581}" dt="2023-12-24T21:03:14.434" v="31" actId="478"/>
+          <ac:spMkLst>
+            <pc:docMk/>
+            <pc:sldMk cId="3221126859" sldId="256"/>
+            <ac:spMk id="38" creationId="{890282FE-20F1-4026-D063-0C2B108E828A}"/>
+          </ac:spMkLst>
+        </pc:spChg>
+        <pc:spChg chg="del">
+          <ac:chgData name="Ivan Rubinov" userId="5a4744fe-eb10-4d5d-85e2-0c367af3d7e8" providerId="ADAL" clId="{5C319BB6-5A6E-483B-9BF8-5785471A2581}" dt="2023-12-24T21:03:17.027" v="32" actId="478"/>
+          <ac:spMkLst>
+            <pc:docMk/>
+            <pc:sldMk cId="3221126859" sldId="256"/>
+            <ac:spMk id="39" creationId="{3D07E7D6-84C5-09F7-1136-A28789BE201B}"/>
+          </ac:spMkLst>
+        </pc:spChg>
+        <pc:spChg chg="del mod">
+          <ac:chgData name="Ivan Rubinov" userId="5a4744fe-eb10-4d5d-85e2-0c367af3d7e8" providerId="ADAL" clId="{5C319BB6-5A6E-483B-9BF8-5785471A2581}" dt="2023-12-24T21:10:38.181" v="111" actId="478"/>
+          <ac:spMkLst>
+            <pc:docMk/>
+            <pc:sldMk cId="3221126859" sldId="256"/>
+            <ac:spMk id="40" creationId="{8168342E-DEFA-CEA8-13A3-E2F328567EB4}"/>
+          </ac:spMkLst>
+        </pc:spChg>
+        <pc:spChg chg="add mod">
+          <ac:chgData name="Ivan Rubinov" userId="5a4744fe-eb10-4d5d-85e2-0c367af3d7e8" providerId="ADAL" clId="{5C319BB6-5A6E-483B-9BF8-5785471A2581}" dt="2024-01-02T19:36:12.115" v="841"/>
+          <ac:spMkLst>
+            <pc:docMk/>
+            <pc:sldMk cId="3221126859" sldId="256"/>
+            <ac:spMk id="65" creationId="{9D09AD06-FD1E-E1C5-DDE9-A3C31050D484}"/>
+          </ac:spMkLst>
+        </pc:spChg>
+        <pc:spChg chg="add mod">
+          <ac:chgData name="Ivan Rubinov" userId="5a4744fe-eb10-4d5d-85e2-0c367af3d7e8" providerId="ADAL" clId="{5C319BB6-5A6E-483B-9BF8-5785471A2581}" dt="2024-01-02T19:36:17.306" v="843" actId="20577"/>
+          <ac:spMkLst>
+            <pc:docMk/>
+            <pc:sldMk cId="3221126859" sldId="256"/>
+            <ac:spMk id="70" creationId="{F36C9B0E-30C6-BAF6-E549-6E59689EED12}"/>
+          </ac:spMkLst>
+        </pc:spChg>
+        <pc:spChg chg="add mod">
+          <ac:chgData name="Ivan Rubinov" userId="5a4744fe-eb10-4d5d-85e2-0c367af3d7e8" providerId="ADAL" clId="{5C319BB6-5A6E-483B-9BF8-5785471A2581}" dt="2023-12-24T21:47:37.266" v="750" actId="1076"/>
+          <ac:spMkLst>
+            <pc:docMk/>
+            <pc:sldMk cId="3221126859" sldId="256"/>
+            <ac:spMk id="86" creationId="{FC7F7532-FAD3-7E08-B077-705F28545591}"/>
+          </ac:spMkLst>
+        </pc:spChg>
+        <pc:spChg chg="mod">
+          <ac:chgData name="Ivan Rubinov" userId="5a4744fe-eb10-4d5d-85e2-0c367af3d7e8" providerId="ADAL" clId="{5C319BB6-5A6E-483B-9BF8-5785471A2581}" dt="2023-12-24T21:48:44.312" v="757" actId="1076"/>
+          <ac:spMkLst>
+            <pc:docMk/>
+            <pc:sldMk cId="3221126859" sldId="256"/>
+            <ac:spMk id="87" creationId="{F8564B36-ABDA-4F3F-28B9-BEB735B3E158}"/>
+          </ac:spMkLst>
+        </pc:spChg>
+        <pc:spChg chg="mod">
+          <ac:chgData name="Ivan Rubinov" userId="5a4744fe-eb10-4d5d-85e2-0c367af3d7e8" providerId="ADAL" clId="{5C319BB6-5A6E-483B-9BF8-5785471A2581}" dt="2024-01-02T19:35:40.935" v="831" actId="14100"/>
+          <ac:spMkLst>
+            <pc:docMk/>
+            <pc:sldMk cId="3221126859" sldId="256"/>
+            <ac:spMk id="88" creationId="{85CBA6EE-2D3A-A0D0-822E-10E3DB3C3458}"/>
+          </ac:spMkLst>
+        </pc:spChg>
+        <pc:spChg chg="mod">
+          <ac:chgData name="Ivan Rubinov" userId="5a4744fe-eb10-4d5d-85e2-0c367af3d7e8" providerId="ADAL" clId="{5C319BB6-5A6E-483B-9BF8-5785471A2581}" dt="2024-01-02T19:35:49.662" v="835" actId="20577"/>
+          <ac:spMkLst>
+            <pc:docMk/>
+            <pc:sldMk cId="3221126859" sldId="256"/>
+            <ac:spMk id="89" creationId="{5E3674EB-45FC-D668-1AB1-DAF803BBB5DB}"/>
+          </ac:spMkLst>
+        </pc:spChg>
+        <pc:spChg chg="mod">
+          <ac:chgData name="Ivan Rubinov" userId="5a4744fe-eb10-4d5d-85e2-0c367af3d7e8" providerId="ADAL" clId="{5C319BB6-5A6E-483B-9BF8-5785471A2581}" dt="2024-01-02T19:35:55.558" v="839" actId="20577"/>
+          <ac:spMkLst>
+            <pc:docMk/>
+            <pc:sldMk cId="3221126859" sldId="256"/>
+            <ac:spMk id="90" creationId="{E5CC1828-FDA4-1FA7-FB82-7A534B26203B}"/>
+          </ac:spMkLst>
+        </pc:spChg>
+        <pc:spChg chg="add mod">
+          <ac:chgData name="Ivan Rubinov" userId="5a4744fe-eb10-4d5d-85e2-0c367af3d7e8" providerId="ADAL" clId="{5C319BB6-5A6E-483B-9BF8-5785471A2581}" dt="2024-01-02T19:36:30.851" v="851" actId="20577"/>
+          <ac:spMkLst>
+            <pc:docMk/>
+            <pc:sldMk cId="3221126859" sldId="256"/>
+            <ac:spMk id="91" creationId="{99DD780D-A772-A11E-4041-BD907023CCA2}"/>
+          </ac:spMkLst>
+        </pc:spChg>
+        <pc:spChg chg="add del mod">
+          <ac:chgData name="Ivan Rubinov" userId="5a4744fe-eb10-4d5d-85e2-0c367af3d7e8" providerId="ADAL" clId="{5C319BB6-5A6E-483B-9BF8-5785471A2581}" dt="2023-12-24T21:36:08.073" v="686" actId="478"/>
+          <ac:spMkLst>
+            <pc:docMk/>
+            <pc:sldMk cId="3221126859" sldId="256"/>
+            <ac:spMk id="92" creationId="{3B62FFE2-858E-2265-CD88-46DF460C788C}"/>
+          </ac:spMkLst>
+        </pc:spChg>
+        <pc:spChg chg="add del mod">
+          <ac:chgData name="Ivan Rubinov" userId="5a4744fe-eb10-4d5d-85e2-0c367af3d7e8" providerId="ADAL" clId="{5C319BB6-5A6E-483B-9BF8-5785471A2581}" dt="2023-12-24T21:36:09.596" v="687" actId="478"/>
+          <ac:spMkLst>
+            <pc:docMk/>
+            <pc:sldMk cId="3221126859" sldId="256"/>
+            <ac:spMk id="97" creationId="{D7247DFE-98A0-20B1-66B0-339F1D64C749}"/>
+          </ac:spMkLst>
+        </pc:spChg>
+        <pc:spChg chg="add del">
+          <ac:chgData name="Ivan Rubinov" userId="5a4744fe-eb10-4d5d-85e2-0c367af3d7e8" providerId="ADAL" clId="{5C319BB6-5A6E-483B-9BF8-5785471A2581}" dt="2023-12-24T21:24:30.805" v="302"/>
+          <ac:spMkLst>
+            <pc:docMk/>
+            <pc:sldMk cId="3221126859" sldId="256"/>
+            <ac:spMk id="105" creationId="{EFBAA96B-42CB-A269-FB87-CBD7A31783B7}"/>
+          </ac:spMkLst>
+        </pc:spChg>
+        <pc:spChg chg="mod">
+          <ac:chgData name="Ivan Rubinov" userId="5a4744fe-eb10-4d5d-85e2-0c367af3d7e8" providerId="ADAL" clId="{5C319BB6-5A6E-483B-9BF8-5785471A2581}" dt="2023-12-24T21:46:30.509" v="738" actId="1076"/>
+          <ac:spMkLst>
+            <pc:docMk/>
+            <pc:sldMk cId="3221126859" sldId="256"/>
+            <ac:spMk id="106" creationId="{E4EAF0A8-4321-FDA8-D244-63AE91A0F821}"/>
+          </ac:spMkLst>
+        </pc:spChg>
+        <pc:spChg chg="mod">
+          <ac:chgData name="Ivan Rubinov" userId="5a4744fe-eb10-4d5d-85e2-0c367af3d7e8" providerId="ADAL" clId="{5C319BB6-5A6E-483B-9BF8-5785471A2581}" dt="2024-01-02T19:34:37.528" v="814" actId="20577"/>
+          <ac:spMkLst>
+            <pc:docMk/>
+            <pc:sldMk cId="3221126859" sldId="256"/>
+            <ac:spMk id="109" creationId="{2D4323F5-D160-E580-5B3E-C87996603365}"/>
+          </ac:spMkLst>
+        </pc:spChg>
+        <pc:spChg chg="add mod">
+          <ac:chgData name="Ivan Rubinov" userId="5a4744fe-eb10-4d5d-85e2-0c367af3d7e8" providerId="ADAL" clId="{5C319BB6-5A6E-483B-9BF8-5785471A2581}" dt="2023-12-24T21:49:49.359" v="762" actId="14100"/>
+          <ac:spMkLst>
+            <pc:docMk/>
+            <pc:sldMk cId="3221126859" sldId="256"/>
+            <ac:spMk id="128" creationId="{325D86B5-A822-FE8C-723F-7084CF5F547B}"/>
+          </ac:spMkLst>
+        </pc:spChg>
+        <pc:cxnChg chg="del">
+          <ac:chgData name="Ivan Rubinov" userId="5a4744fe-eb10-4d5d-85e2-0c367af3d7e8" providerId="ADAL" clId="{5C319BB6-5A6E-483B-9BF8-5785471A2581}" dt="2023-12-24T21:03:09.003" v="29" actId="478"/>
+          <ac:cxnSpMkLst>
+            <pc:docMk/>
+            <pc:sldMk cId="3221126859" sldId="256"/>
+            <ac:cxnSpMk id="13" creationId="{7DA66BB5-DB4D-CEB1-F1CB-51F8CE8D99D5}"/>
+          </ac:cxnSpMkLst>
+        </pc:cxnChg>
+        <pc:cxnChg chg="add del mod">
+          <ac:chgData name="Ivan Rubinov" userId="5a4744fe-eb10-4d5d-85e2-0c367af3d7e8" providerId="ADAL" clId="{5C319BB6-5A6E-483B-9BF8-5785471A2581}" dt="2023-12-24T21:37:41.295" v="698" actId="478"/>
+          <ac:cxnSpMkLst>
+            <pc:docMk/>
+            <pc:sldMk cId="3221126859" sldId="256"/>
+            <ac:cxnSpMk id="14" creationId="{1CCEE0E4-CD8A-6341-CED6-11619217BA95}"/>
+          </ac:cxnSpMkLst>
+        </pc:cxnChg>
+        <pc:cxnChg chg="add mod">
+          <ac:chgData name="Ivan Rubinov" userId="5a4744fe-eb10-4d5d-85e2-0c367af3d7e8" providerId="ADAL" clId="{5C319BB6-5A6E-483B-9BF8-5785471A2581}" dt="2023-12-24T21:47:14.260" v="746" actId="14100"/>
+          <ac:cxnSpMkLst>
+            <pc:docMk/>
+            <pc:sldMk cId="3221126859" sldId="256"/>
+            <ac:cxnSpMk id="16" creationId="{EBC422D5-9FC9-4637-EEDA-4D6CB104F075}"/>
+          </ac:cxnSpMkLst>
+        </pc:cxnChg>
+        <pc:cxnChg chg="add mod">
+          <ac:chgData name="Ivan Rubinov" userId="5a4744fe-eb10-4d5d-85e2-0c367af3d7e8" providerId="ADAL" clId="{5C319BB6-5A6E-483B-9BF8-5785471A2581}" dt="2023-12-24T21:40:52.431" v="730" actId="1076"/>
+          <ac:cxnSpMkLst>
+            <pc:docMk/>
+            <pc:sldMk cId="3221126859" sldId="256"/>
+            <ac:cxnSpMk id="17" creationId="{88F46305-A2D9-0A72-E735-896AFCCABDDE}"/>
+          </ac:cxnSpMkLst>
+        </pc:cxnChg>
+        <pc:cxnChg chg="del">
+          <ac:chgData name="Ivan Rubinov" userId="5a4744fe-eb10-4d5d-85e2-0c367af3d7e8" providerId="ADAL" clId="{5C319BB6-5A6E-483B-9BF8-5785471A2581}" dt="2023-12-24T21:03:09.003" v="29" actId="478"/>
+          <ac:cxnSpMkLst>
+            <pc:docMk/>
+            <pc:sldMk cId="3221126859" sldId="256"/>
+            <ac:cxnSpMk id="18" creationId="{8AE34943-6DBF-3598-6FFE-82B536EDFE21}"/>
+          </ac:cxnSpMkLst>
+        </pc:cxnChg>
+        <pc:cxnChg chg="add mod">
+          <ac:chgData name="Ivan Rubinov" userId="5a4744fe-eb10-4d5d-85e2-0c367af3d7e8" providerId="ADAL" clId="{5C319BB6-5A6E-483B-9BF8-5785471A2581}" dt="2023-12-24T21:48:01.245" v="753" actId="1076"/>
+          <ac:cxnSpMkLst>
+            <pc:docMk/>
+            <pc:sldMk cId="3221126859" sldId="256"/>
+            <ac:cxnSpMk id="34" creationId="{A49DE91C-5F9C-111C-C89B-5782118F1C6E}"/>
+          </ac:cxnSpMkLst>
+        </pc:cxnChg>
+        <pc:cxnChg chg="add mod">
+          <ac:chgData name="Ivan Rubinov" userId="5a4744fe-eb10-4d5d-85e2-0c367af3d7e8" providerId="ADAL" clId="{5C319BB6-5A6E-483B-9BF8-5785471A2581}" dt="2023-12-24T21:47:33.206" v="749" actId="1076"/>
+          <ac:cxnSpMkLst>
+            <pc:docMk/>
+            <pc:sldMk cId="3221126859" sldId="256"/>
+            <ac:cxnSpMk id="41" creationId="{AF806F3E-1132-BCAF-C2F3-61E16AE5107E}"/>
+          </ac:cxnSpMkLst>
+        </pc:cxnChg>
+        <pc:cxnChg chg="add mod">
+          <ac:chgData name="Ivan Rubinov" userId="5a4744fe-eb10-4d5d-85e2-0c367af3d7e8" providerId="ADAL" clId="{5C319BB6-5A6E-483B-9BF8-5785471A2581}" dt="2023-12-24T21:40:52.431" v="730" actId="1076"/>
+          <ac:cxnSpMkLst>
+            <pc:docMk/>
+            <pc:sldMk cId="3221126859" sldId="256"/>
+            <ac:cxnSpMk id="42" creationId="{2EE20D2C-0FDB-8A8C-88F8-BE4EBBD19E96}"/>
+          </ac:cxnSpMkLst>
+        </pc:cxnChg>
+        <pc:cxnChg chg="add mod">
+          <ac:chgData name="Ivan Rubinov" userId="5a4744fe-eb10-4d5d-85e2-0c367af3d7e8" providerId="ADAL" clId="{5C319BB6-5A6E-483B-9BF8-5785471A2581}" dt="2023-12-24T21:48:01.245" v="753" actId="1076"/>
+          <ac:cxnSpMkLst>
+            <pc:docMk/>
+            <pc:sldMk cId="3221126859" sldId="256"/>
+            <ac:cxnSpMk id="43" creationId="{69C3266E-6BE3-E561-A962-8ED2F014111B}"/>
+          </ac:cxnSpMkLst>
+        </pc:cxnChg>
+        <pc:cxnChg chg="add mod">
+          <ac:chgData name="Ivan Rubinov" userId="5a4744fe-eb10-4d5d-85e2-0c367af3d7e8" providerId="ADAL" clId="{5C319BB6-5A6E-483B-9BF8-5785471A2581}" dt="2023-12-24T21:48:01.245" v="753" actId="1076"/>
+          <ac:cxnSpMkLst>
+            <pc:docMk/>
+            <pc:sldMk cId="3221126859" sldId="256"/>
+            <ac:cxnSpMk id="44" creationId="{5FAD715D-CD31-89FF-B1D5-476CA37F2048}"/>
+          </ac:cxnSpMkLst>
+        </pc:cxnChg>
+        <pc:cxnChg chg="add mod">
+          <ac:chgData name="Ivan Rubinov" userId="5a4744fe-eb10-4d5d-85e2-0c367af3d7e8" providerId="ADAL" clId="{5C319BB6-5A6E-483B-9BF8-5785471A2581}" dt="2023-12-24T21:47:33.206" v="749" actId="1076"/>
+          <ac:cxnSpMkLst>
+            <pc:docMk/>
+            <pc:sldMk cId="3221126859" sldId="256"/>
+            <ac:cxnSpMk id="45" creationId="{8C09FABC-79DC-B0BF-1DDB-99E6911F215F}"/>
+          </ac:cxnSpMkLst>
+        </pc:cxnChg>
+        <pc:cxnChg chg="add mod">
+          <ac:chgData name="Ivan Rubinov" userId="5a4744fe-eb10-4d5d-85e2-0c367af3d7e8" providerId="ADAL" clId="{5C319BB6-5A6E-483B-9BF8-5785471A2581}" dt="2023-12-24T21:47:33.206" v="749" actId="1076"/>
+          <ac:cxnSpMkLst>
+            <pc:docMk/>
+            <pc:sldMk cId="3221126859" sldId="256"/>
+            <ac:cxnSpMk id="46" creationId="{39015E14-3BA0-C844-8210-FA6D399CB979}"/>
+          </ac:cxnSpMkLst>
+        </pc:cxnChg>
+        <pc:cxnChg chg="del">
+          <ac:chgData name="Ivan Rubinov" userId="5a4744fe-eb10-4d5d-85e2-0c367af3d7e8" providerId="ADAL" clId="{5C319BB6-5A6E-483B-9BF8-5785471A2581}" dt="2023-12-24T21:03:09.003" v="29" actId="478"/>
+          <ac:cxnSpMkLst>
+            <pc:docMk/>
+            <pc:sldMk cId="3221126859" sldId="256"/>
+            <ac:cxnSpMk id="47" creationId="{566322BE-B944-F329-CFB2-544BB17EC4BD}"/>
+          </ac:cxnSpMkLst>
+        </pc:cxnChg>
+        <pc:cxnChg chg="del">
+          <ac:chgData name="Ivan Rubinov" userId="5a4744fe-eb10-4d5d-85e2-0c367af3d7e8" providerId="ADAL" clId="{5C319BB6-5A6E-483B-9BF8-5785471A2581}" dt="2023-12-24T21:03:09.003" v="29" actId="478"/>
+          <ac:cxnSpMkLst>
+            <pc:docMk/>
+            <pc:sldMk cId="3221126859" sldId="256"/>
+            <ac:cxnSpMk id="48" creationId="{0E2230A1-D56E-6EE8-318B-2D3C76AC1BC2}"/>
+          </ac:cxnSpMkLst>
+        </pc:cxnChg>
+        <pc:cxnChg chg="del">
+          <ac:chgData name="Ivan Rubinov" userId="5a4744fe-eb10-4d5d-85e2-0c367af3d7e8" providerId="ADAL" clId="{5C319BB6-5A6E-483B-9BF8-5785471A2581}" dt="2023-12-24T21:03:09.003" v="29" actId="478"/>
+          <ac:cxnSpMkLst>
+            <pc:docMk/>
+            <pc:sldMk cId="3221126859" sldId="256"/>
+            <ac:cxnSpMk id="49" creationId="{1E482BC4-D460-F10A-C4B8-884B41846AED}"/>
+          </ac:cxnSpMkLst>
+        </pc:cxnChg>
+        <pc:cxnChg chg="add mod">
+          <ac:chgData name="Ivan Rubinov" userId="5a4744fe-eb10-4d5d-85e2-0c367af3d7e8" providerId="ADAL" clId="{5C319BB6-5A6E-483B-9BF8-5785471A2581}" dt="2023-12-24T21:47:24.692" v="748" actId="1076"/>
+          <ac:cxnSpMkLst>
+            <pc:docMk/>
+            <pc:sldMk cId="3221126859" sldId="256"/>
+            <ac:cxnSpMk id="50" creationId="{87F3B26F-112D-3D53-7BDF-C4D7DC5A1090}"/>
+          </ac:cxnSpMkLst>
+        </pc:cxnChg>
+        <pc:cxnChg chg="del">
+          <ac:chgData name="Ivan Rubinov" userId="5a4744fe-eb10-4d5d-85e2-0c367af3d7e8" providerId="ADAL" clId="{5C319BB6-5A6E-483B-9BF8-5785471A2581}" dt="2023-12-24T21:03:09.003" v="29" actId="478"/>
+          <ac:cxnSpMkLst>
+            <pc:docMk/>
+            <pc:sldMk cId="3221126859" sldId="256"/>
+            <ac:cxnSpMk id="51" creationId="{08D7C439-C293-CEB8-AABE-5C0A3B6C15FB}"/>
+          </ac:cxnSpMkLst>
+        </pc:cxnChg>
+        <pc:cxnChg chg="del">
+          <ac:chgData name="Ivan Rubinov" userId="5a4744fe-eb10-4d5d-85e2-0c367af3d7e8" providerId="ADAL" clId="{5C319BB6-5A6E-483B-9BF8-5785471A2581}" dt="2023-12-24T21:03:09.003" v="29" actId="478"/>
+          <ac:cxnSpMkLst>
+            <pc:docMk/>
+            <pc:sldMk cId="3221126859" sldId="256"/>
+            <ac:cxnSpMk id="52" creationId="{5F7D20D9-BCF6-1FBF-716B-88086972CC3F}"/>
+          </ac:cxnSpMkLst>
+        </pc:cxnChg>
+        <pc:cxnChg chg="del">
+          <ac:chgData name="Ivan Rubinov" userId="5a4744fe-eb10-4d5d-85e2-0c367af3d7e8" providerId="ADAL" clId="{5C319BB6-5A6E-483B-9BF8-5785471A2581}" dt="2023-12-24T21:03:09.003" v="29" actId="478"/>
+          <ac:cxnSpMkLst>
+            <pc:docMk/>
+            <pc:sldMk cId="3221126859" sldId="256"/>
+            <ac:cxnSpMk id="53" creationId="{BF025F72-C480-549E-DF76-209E2F0711BB}"/>
+          </ac:cxnSpMkLst>
+        </pc:cxnChg>
+        <pc:cxnChg chg="del">
+          <ac:chgData name="Ivan Rubinov" userId="5a4744fe-eb10-4d5d-85e2-0c367af3d7e8" providerId="ADAL" clId="{5C319BB6-5A6E-483B-9BF8-5785471A2581}" dt="2023-12-24T21:03:09.003" v="29" actId="478"/>
+          <ac:cxnSpMkLst>
+            <pc:docMk/>
+            <pc:sldMk cId="3221126859" sldId="256"/>
+            <ac:cxnSpMk id="54" creationId="{48D71D07-FD55-451B-3534-AA45BF5C300C}"/>
+          </ac:cxnSpMkLst>
+        </pc:cxnChg>
+        <pc:cxnChg chg="del">
+          <ac:chgData name="Ivan Rubinov" userId="5a4744fe-eb10-4d5d-85e2-0c367af3d7e8" providerId="ADAL" clId="{5C319BB6-5A6E-483B-9BF8-5785471A2581}" dt="2023-12-24T21:03:09.003" v="29" actId="478"/>
+          <ac:cxnSpMkLst>
+            <pc:docMk/>
+            <pc:sldMk cId="3221126859" sldId="256"/>
+            <ac:cxnSpMk id="55" creationId="{C247E312-4EBF-F2EF-839E-E10F77CA348D}"/>
+          </ac:cxnSpMkLst>
+        </pc:cxnChg>
+        <pc:cxnChg chg="del">
+          <ac:chgData name="Ivan Rubinov" userId="5a4744fe-eb10-4d5d-85e2-0c367af3d7e8" providerId="ADAL" clId="{5C319BB6-5A6E-483B-9BF8-5785471A2581}" dt="2023-12-24T21:03:09.003" v="29" actId="478"/>
+          <ac:cxnSpMkLst>
+            <pc:docMk/>
+            <pc:sldMk cId="3221126859" sldId="256"/>
+            <ac:cxnSpMk id="56" creationId="{D053B387-8401-A4D5-0D2B-BDF24F0C32B8}"/>
+          </ac:cxnSpMkLst>
+        </pc:cxnChg>
+        <pc:cxnChg chg="del">
+          <ac:chgData name="Ivan Rubinov" userId="5a4744fe-eb10-4d5d-85e2-0c367af3d7e8" providerId="ADAL" clId="{5C319BB6-5A6E-483B-9BF8-5785471A2581}" dt="2023-12-24T21:03:09.003" v="29" actId="478"/>
+          <ac:cxnSpMkLst>
+            <pc:docMk/>
+            <pc:sldMk cId="3221126859" sldId="256"/>
+            <ac:cxnSpMk id="57" creationId="{54105FB8-65B6-42D3-283F-5A9BDA4317B0}"/>
+          </ac:cxnSpMkLst>
+        </pc:cxnChg>
+        <pc:cxnChg chg="add mod">
+          <ac:chgData name="Ivan Rubinov" userId="5a4744fe-eb10-4d5d-85e2-0c367af3d7e8" providerId="ADAL" clId="{5C319BB6-5A6E-483B-9BF8-5785471A2581}" dt="2023-12-24T21:47:24.692" v="748" actId="1076"/>
+          <ac:cxnSpMkLst>
+            <pc:docMk/>
+            <pc:sldMk cId="3221126859" sldId="256"/>
+            <ac:cxnSpMk id="58" creationId="{E524B8DB-D54A-8716-E428-BAE47D279369}"/>
+          </ac:cxnSpMkLst>
+        </pc:cxnChg>
+        <pc:cxnChg chg="del">
+          <ac:chgData name="Ivan Rubinov" userId="5a4744fe-eb10-4d5d-85e2-0c367af3d7e8" providerId="ADAL" clId="{5C319BB6-5A6E-483B-9BF8-5785471A2581}" dt="2023-12-24T21:03:09.003" v="29" actId="478"/>
+          <ac:cxnSpMkLst>
+            <pc:docMk/>
+            <pc:sldMk cId="3221126859" sldId="256"/>
+            <ac:cxnSpMk id="59" creationId="{F94BD614-7F83-4ADE-25F2-12AA9F9A453B}"/>
+          </ac:cxnSpMkLst>
+        </pc:cxnChg>
+        <pc:cxnChg chg="del">
+          <ac:chgData name="Ivan Rubinov" userId="5a4744fe-eb10-4d5d-85e2-0c367af3d7e8" providerId="ADAL" clId="{5C319BB6-5A6E-483B-9BF8-5785471A2581}" dt="2023-12-24T21:03:14.434" v="31" actId="478"/>
+          <ac:cxnSpMkLst>
+            <pc:docMk/>
+            <pc:sldMk cId="3221126859" sldId="256"/>
+            <ac:cxnSpMk id="60" creationId="{49FDE94B-DE54-A8AA-AE95-09D36935AA1E}"/>
+          </ac:cxnSpMkLst>
+        </pc:cxnChg>
+        <pc:cxnChg chg="del">
+          <ac:chgData name="Ivan Rubinov" userId="5a4744fe-eb10-4d5d-85e2-0c367af3d7e8" providerId="ADAL" clId="{5C319BB6-5A6E-483B-9BF8-5785471A2581}" dt="2023-12-24T21:03:14.434" v="31" actId="478"/>
+          <ac:cxnSpMkLst>
+            <pc:docMk/>
+            <pc:sldMk cId="3221126859" sldId="256"/>
+            <ac:cxnSpMk id="61" creationId="{5545FBDF-BC11-5D6E-8BC8-1129FC0260AB}"/>
+          </ac:cxnSpMkLst>
+        </pc:cxnChg>
+        <pc:cxnChg chg="del">
+          <ac:chgData name="Ivan Rubinov" userId="5a4744fe-eb10-4d5d-85e2-0c367af3d7e8" providerId="ADAL" clId="{5C319BB6-5A6E-483B-9BF8-5785471A2581}" dt="2023-12-24T21:03:14.434" v="31" actId="478"/>
+          <ac:cxnSpMkLst>
+            <pc:docMk/>
+            <pc:sldMk cId="3221126859" sldId="256"/>
+            <ac:cxnSpMk id="62" creationId="{3EC4D791-79D5-816C-B463-7CE11AEA1A7D}"/>
+          </ac:cxnSpMkLst>
+        </pc:cxnChg>
+        <pc:cxnChg chg="del">
+          <ac:chgData name="Ivan Rubinov" userId="5a4744fe-eb10-4d5d-85e2-0c367af3d7e8" providerId="ADAL" clId="{5C319BB6-5A6E-483B-9BF8-5785471A2581}" dt="2023-12-24T21:03:14.434" v="31" actId="478"/>
+          <ac:cxnSpMkLst>
+            <pc:docMk/>
+            <pc:sldMk cId="3221126859" sldId="256"/>
+            <ac:cxnSpMk id="63" creationId="{684414F8-FD59-F36C-2021-FE2F1B32A6A2}"/>
+          </ac:cxnSpMkLst>
+        </pc:cxnChg>
+        <pc:cxnChg chg="add mod">
+          <ac:chgData name="Ivan Rubinov" userId="5a4744fe-eb10-4d5d-85e2-0c367af3d7e8" providerId="ADAL" clId="{5C319BB6-5A6E-483B-9BF8-5785471A2581}" dt="2023-12-24T21:40:52.431" v="730" actId="1076"/>
+          <ac:cxnSpMkLst>
+            <pc:docMk/>
+            <pc:sldMk cId="3221126859" sldId="256"/>
+            <ac:cxnSpMk id="64" creationId="{4909F23C-3FF9-E200-AE47-CA5ED33D2D68}"/>
+          </ac:cxnSpMkLst>
+        </pc:cxnChg>
+        <pc:cxnChg chg="del">
+          <ac:chgData name="Ivan Rubinov" userId="5a4744fe-eb10-4d5d-85e2-0c367af3d7e8" providerId="ADAL" clId="{5C319BB6-5A6E-483B-9BF8-5785471A2581}" dt="2023-12-24T21:03:17.027" v="32" actId="478"/>
+          <ac:cxnSpMkLst>
+            <pc:docMk/>
+            <pc:sldMk cId="3221126859" sldId="256"/>
+            <ac:cxnSpMk id="66" creationId="{96F6F04D-D5DC-68CA-6D5D-97B9F342DE95}"/>
+          </ac:cxnSpMkLst>
+        </pc:cxnChg>
+        <pc:cxnChg chg="del">
+          <ac:chgData name="Ivan Rubinov" userId="5a4744fe-eb10-4d5d-85e2-0c367af3d7e8" providerId="ADAL" clId="{5C319BB6-5A6E-483B-9BF8-5785471A2581}" dt="2023-12-24T21:03:17.027" v="32" actId="478"/>
+          <ac:cxnSpMkLst>
+            <pc:docMk/>
+            <pc:sldMk cId="3221126859" sldId="256"/>
+            <ac:cxnSpMk id="67" creationId="{0A5EE755-C9D3-909A-C0E4-D61FF9594579}"/>
+          </ac:cxnSpMkLst>
+        </pc:cxnChg>
+        <pc:cxnChg chg="del">
+          <ac:chgData name="Ivan Rubinov" userId="5a4744fe-eb10-4d5d-85e2-0c367af3d7e8" providerId="ADAL" clId="{5C319BB6-5A6E-483B-9BF8-5785471A2581}" dt="2023-12-24T21:03:17.027" v="32" actId="478"/>
+          <ac:cxnSpMkLst>
+            <pc:docMk/>
+            <pc:sldMk cId="3221126859" sldId="256"/>
+            <ac:cxnSpMk id="68" creationId="{9CC6F342-D54D-AE26-26D8-6599524CA7D7}"/>
+          </ac:cxnSpMkLst>
+        </pc:cxnChg>
+        <pc:cxnChg chg="del">
+          <ac:chgData name="Ivan Rubinov" userId="5a4744fe-eb10-4d5d-85e2-0c367af3d7e8" providerId="ADAL" clId="{5C319BB6-5A6E-483B-9BF8-5785471A2581}" dt="2023-12-24T21:03:17.027" v="32" actId="478"/>
+          <ac:cxnSpMkLst>
+            <pc:docMk/>
+            <pc:sldMk cId="3221126859" sldId="256"/>
+            <ac:cxnSpMk id="69" creationId="{71187D40-E179-0D04-3BA3-FD29755D7BC0}"/>
+          </ac:cxnSpMkLst>
+        </pc:cxnChg>
+        <pc:cxnChg chg="del">
+          <ac:chgData name="Ivan Rubinov" userId="5a4744fe-eb10-4d5d-85e2-0c367af3d7e8" providerId="ADAL" clId="{5C319BB6-5A6E-483B-9BF8-5785471A2581}" dt="2023-12-24T21:03:17.027" v="32" actId="478"/>
+          <ac:cxnSpMkLst>
+            <pc:docMk/>
+            <pc:sldMk cId="3221126859" sldId="256"/>
+            <ac:cxnSpMk id="71" creationId="{C0EF3316-8D1B-5744-01EA-87F921362045}"/>
+          </ac:cxnSpMkLst>
+        </pc:cxnChg>
+        <pc:cxnChg chg="del">
+          <ac:chgData name="Ivan Rubinov" userId="5a4744fe-eb10-4d5d-85e2-0c367af3d7e8" providerId="ADAL" clId="{5C319BB6-5A6E-483B-9BF8-5785471A2581}" dt="2023-12-24T21:03:17.027" v="32" actId="478"/>
+          <ac:cxnSpMkLst>
+            <pc:docMk/>
+            <pc:sldMk cId="3221126859" sldId="256"/>
+            <ac:cxnSpMk id="72" creationId="{031D88B1-98AF-553E-4002-BDDE431E7766}"/>
+          </ac:cxnSpMkLst>
+        </pc:cxnChg>
+        <pc:cxnChg chg="del">
+          <ac:chgData name="Ivan Rubinov" userId="5a4744fe-eb10-4d5d-85e2-0c367af3d7e8" providerId="ADAL" clId="{5C319BB6-5A6E-483B-9BF8-5785471A2581}" dt="2023-12-24T21:03:17.027" v="32" actId="478"/>
+          <ac:cxnSpMkLst>
+            <pc:docMk/>
+            <pc:sldMk cId="3221126859" sldId="256"/>
+            <ac:cxnSpMk id="73" creationId="{D6064227-A090-2ADD-75AC-706436F60682}"/>
+          </ac:cxnSpMkLst>
+        </pc:cxnChg>
+        <pc:cxnChg chg="mod">
+          <ac:chgData name="Ivan Rubinov" userId="5a4744fe-eb10-4d5d-85e2-0c367af3d7e8" providerId="ADAL" clId="{5C319BB6-5A6E-483B-9BF8-5785471A2581}" dt="2023-12-24T21:48:28.809" v="755" actId="14100"/>
+          <ac:cxnSpMkLst>
+            <pc:docMk/>
+            <pc:sldMk cId="3221126859" sldId="256"/>
+            <ac:cxnSpMk id="74" creationId="{D05F1D6E-A7E2-270F-5C41-7EF5DE00A77A}"/>
+          </ac:cxnSpMkLst>
+        </pc:cxnChg>
+        <pc:cxnChg chg="mod">
+          <ac:chgData name="Ivan Rubinov" userId="5a4744fe-eb10-4d5d-85e2-0c367af3d7e8" providerId="ADAL" clId="{5C319BB6-5A6E-483B-9BF8-5785471A2581}" dt="2023-12-24T21:41:16.895" v="733" actId="14100"/>
+          <ac:cxnSpMkLst>
+            <pc:docMk/>
+            <pc:sldMk cId="3221126859" sldId="256"/>
+            <ac:cxnSpMk id="75" creationId="{4FC9EF2C-C611-89CF-5CA5-EE01528F06A2}"/>
+          </ac:cxnSpMkLst>
+        </pc:cxnChg>
+        <pc:cxnChg chg="mod">
+          <ac:chgData name="Ivan Rubinov" userId="5a4744fe-eb10-4d5d-85e2-0c367af3d7e8" providerId="ADAL" clId="{5C319BB6-5A6E-483B-9BF8-5785471A2581}" dt="2023-12-24T21:41:31.832" v="734" actId="1076"/>
+          <ac:cxnSpMkLst>
+            <pc:docMk/>
+            <pc:sldMk cId="3221126859" sldId="256"/>
+            <ac:cxnSpMk id="76" creationId="{B3CDB687-0419-214F-72B8-828304FA8A5A}"/>
+          </ac:cxnSpMkLst>
+        </pc:cxnChg>
+        <pc:cxnChg chg="mod">
+          <ac:chgData name="Ivan Rubinov" userId="5a4744fe-eb10-4d5d-85e2-0c367af3d7e8" providerId="ADAL" clId="{5C319BB6-5A6E-483B-9BF8-5785471A2581}" dt="2023-12-24T21:40:24.087" v="727" actId="1076"/>
+          <ac:cxnSpMkLst>
+            <pc:docMk/>
+            <pc:sldMk cId="3221126859" sldId="256"/>
+            <ac:cxnSpMk id="77" creationId="{2C979B31-2612-33B7-3F13-E013FD518BD7}"/>
+          </ac:cxnSpMkLst>
+        </pc:cxnChg>
+        <pc:cxnChg chg="mod">
+          <ac:chgData name="Ivan Rubinov" userId="5a4744fe-eb10-4d5d-85e2-0c367af3d7e8" providerId="ADAL" clId="{5C319BB6-5A6E-483B-9BF8-5785471A2581}" dt="2023-12-24T21:48:39.511" v="756" actId="1076"/>
+          <ac:cxnSpMkLst>
+            <pc:docMk/>
+            <pc:sldMk cId="3221126859" sldId="256"/>
+            <ac:cxnSpMk id="78" creationId="{45BB57D0-710F-71CB-3950-186D89C44C78}"/>
+          </ac:cxnSpMkLst>
+        </pc:cxnChg>
+        <pc:cxnChg chg="mod">
+          <ac:chgData name="Ivan Rubinov" userId="5a4744fe-eb10-4d5d-85e2-0c367af3d7e8" providerId="ADAL" clId="{5C319BB6-5A6E-483B-9BF8-5785471A2581}" dt="2023-12-24T21:41:31.832" v="734" actId="1076"/>
+          <ac:cxnSpMkLst>
+            <pc:docMk/>
+            <pc:sldMk cId="3221126859" sldId="256"/>
+            <ac:cxnSpMk id="79" creationId="{579152B3-7385-9F1D-EF5F-8AC894D3ADF9}"/>
+          </ac:cxnSpMkLst>
+        </pc:cxnChg>
+        <pc:cxnChg chg="mod">
+          <ac:chgData name="Ivan Rubinov" userId="5a4744fe-eb10-4d5d-85e2-0c367af3d7e8" providerId="ADAL" clId="{5C319BB6-5A6E-483B-9BF8-5785471A2581}" dt="2023-12-24T21:41:35.411" v="735" actId="1076"/>
+          <ac:cxnSpMkLst>
+            <pc:docMk/>
+            <pc:sldMk cId="3221126859" sldId="256"/>
+            <ac:cxnSpMk id="80" creationId="{93127509-344D-55A5-76C1-90EE205E1216}"/>
+          </ac:cxnSpMkLst>
+        </pc:cxnChg>
+        <pc:cxnChg chg="mod">
+          <ac:chgData name="Ivan Rubinov" userId="5a4744fe-eb10-4d5d-85e2-0c367af3d7e8" providerId="ADAL" clId="{5C319BB6-5A6E-483B-9BF8-5785471A2581}" dt="2023-12-24T21:40:24.087" v="727" actId="1076"/>
+          <ac:cxnSpMkLst>
+            <pc:docMk/>
+            <pc:sldMk cId="3221126859" sldId="256"/>
+            <ac:cxnSpMk id="81" creationId="{CAAB620C-3E37-A9CB-2216-B1F643A6C019}"/>
+          </ac:cxnSpMkLst>
+        </pc:cxnChg>
+        <pc:cxnChg chg="mod">
+          <ac:chgData name="Ivan Rubinov" userId="5a4744fe-eb10-4d5d-85e2-0c367af3d7e8" providerId="ADAL" clId="{5C319BB6-5A6E-483B-9BF8-5785471A2581}" dt="2023-12-24T21:40:24.087" v="727" actId="1076"/>
+          <ac:cxnSpMkLst>
+            <pc:docMk/>
+            <pc:sldMk cId="3221126859" sldId="256"/>
+            <ac:cxnSpMk id="82" creationId="{D77F81ED-2DFA-45E8-2754-77731205D2DA}"/>
+          </ac:cxnSpMkLst>
+        </pc:cxnChg>
+        <pc:cxnChg chg="mod">
+          <ac:chgData name="Ivan Rubinov" userId="5a4744fe-eb10-4d5d-85e2-0c367af3d7e8" providerId="ADAL" clId="{5C319BB6-5A6E-483B-9BF8-5785471A2581}" dt="2023-12-24T21:46:49.233" v="741" actId="1076"/>
+          <ac:cxnSpMkLst>
+            <pc:docMk/>
+            <pc:sldMk cId="3221126859" sldId="256"/>
+            <ac:cxnSpMk id="83" creationId="{4AF444CE-AAA3-A7A2-C212-77C4D6AC7C96}"/>
+          </ac:cxnSpMkLst>
+        </pc:cxnChg>
+        <pc:cxnChg chg="mod">
+          <ac:chgData name="Ivan Rubinov" userId="5a4744fe-eb10-4d5d-85e2-0c367af3d7e8" providerId="ADAL" clId="{5C319BB6-5A6E-483B-9BF8-5785471A2581}" dt="2023-12-24T21:46:49.233" v="741" actId="1076"/>
+          <ac:cxnSpMkLst>
+            <pc:docMk/>
+            <pc:sldMk cId="3221126859" sldId="256"/>
+            <ac:cxnSpMk id="84" creationId="{BF056AA4-70DC-A9C2-68D8-509D487A38D0}"/>
+          </ac:cxnSpMkLst>
+        </pc:cxnChg>
+        <pc:cxnChg chg="del mod">
+          <ac:chgData name="Ivan Rubinov" userId="5a4744fe-eb10-4d5d-85e2-0c367af3d7e8" providerId="ADAL" clId="{5C319BB6-5A6E-483B-9BF8-5785471A2581}" dt="2023-12-24T21:31:00.417" v="524" actId="478"/>
+          <ac:cxnSpMkLst>
+            <pc:docMk/>
+            <pc:sldMk cId="3221126859" sldId="256"/>
+            <ac:cxnSpMk id="85" creationId="{260D6A45-5101-0427-1ED6-C5F7909BE2CF}"/>
+          </ac:cxnSpMkLst>
+        </pc:cxnChg>
+        <pc:cxnChg chg="add del mod">
+          <ac:chgData name="Ivan Rubinov" userId="5a4744fe-eb10-4d5d-85e2-0c367af3d7e8" providerId="ADAL" clId="{5C319BB6-5A6E-483B-9BF8-5785471A2581}" dt="2023-12-24T21:36:11.211" v="688" actId="478"/>
+          <ac:cxnSpMkLst>
+            <pc:docMk/>
+            <pc:sldMk cId="3221126859" sldId="256"/>
+            <ac:cxnSpMk id="93" creationId="{EA3560F7-7B57-EE75-8C45-B45AB4ABF6E0}"/>
+          </ac:cxnSpMkLst>
+        </pc:cxnChg>
+        <pc:cxnChg chg="add del mod">
+          <ac:chgData name="Ivan Rubinov" userId="5a4744fe-eb10-4d5d-85e2-0c367af3d7e8" providerId="ADAL" clId="{5C319BB6-5A6E-483B-9BF8-5785471A2581}" dt="2023-12-24T21:36:18.214" v="690" actId="478"/>
+          <ac:cxnSpMkLst>
+            <pc:docMk/>
+            <pc:sldMk cId="3221126859" sldId="256"/>
+            <ac:cxnSpMk id="94" creationId="{A48746EA-36F8-CB14-B421-3FA1D9462B56}"/>
+          </ac:cxnSpMkLst>
+        </pc:cxnChg>
+        <pc:cxnChg chg="del">
+          <ac:chgData name="Ivan Rubinov" userId="5a4744fe-eb10-4d5d-85e2-0c367af3d7e8" providerId="ADAL" clId="{5C319BB6-5A6E-483B-9BF8-5785471A2581}" dt="2023-12-24T21:37:41.295" v="698" actId="478"/>
+          <ac:cxnSpMkLst>
+            <pc:docMk/>
+            <pc:sldMk cId="3221126859" sldId="256"/>
+            <ac:cxnSpMk id="95" creationId="{D6248599-2995-5D21-F28D-0B788F08F47D}"/>
+          </ac:cxnSpMkLst>
+        </pc:cxnChg>
+        <pc:cxnChg chg="del mod">
+          <ac:chgData name="Ivan Rubinov" userId="5a4744fe-eb10-4d5d-85e2-0c367af3d7e8" providerId="ADAL" clId="{5C319BB6-5A6E-483B-9BF8-5785471A2581}" dt="2023-12-24T21:37:44.198" v="699" actId="478"/>
+          <ac:cxnSpMkLst>
+            <pc:docMk/>
+            <pc:sldMk cId="3221126859" sldId="256"/>
+            <ac:cxnSpMk id="96" creationId="{6BBF0880-4268-CA59-D100-5765E8A91ADC}"/>
+          </ac:cxnSpMkLst>
+        </pc:cxnChg>
+        <pc:cxnChg chg="add mod">
+          <ac:chgData name="Ivan Rubinov" userId="5a4744fe-eb10-4d5d-85e2-0c367af3d7e8" providerId="ADAL" clId="{5C319BB6-5A6E-483B-9BF8-5785471A2581}" dt="2023-12-24T21:47:17.161" v="747" actId="1076"/>
+          <ac:cxnSpMkLst>
+            <pc:docMk/>
+            <pc:sldMk cId="3221126859" sldId="256"/>
+            <ac:cxnSpMk id="98" creationId="{8C934935-C4FA-C439-D7EF-3AEAD2A3E062}"/>
+          </ac:cxnSpMkLst>
+        </pc:cxnChg>
+        <pc:cxnChg chg="add del mod">
+          <ac:chgData name="Ivan Rubinov" userId="5a4744fe-eb10-4d5d-85e2-0c367af3d7e8" providerId="ADAL" clId="{5C319BB6-5A6E-483B-9BF8-5785471A2581}" dt="2023-12-24T21:36:12.092" v="689" actId="478"/>
+          <ac:cxnSpMkLst>
+            <pc:docMk/>
+            <pc:sldMk cId="3221126859" sldId="256"/>
+            <ac:cxnSpMk id="99" creationId="{D48ABF0F-3D6C-B7E4-5AB6-3562C77913A4}"/>
+          </ac:cxnSpMkLst>
+        </pc:cxnChg>
+        <pc:cxnChg chg="add del mod">
+          <ac:chgData name="Ivan Rubinov" userId="5a4744fe-eb10-4d5d-85e2-0c367af3d7e8" providerId="ADAL" clId="{5C319BB6-5A6E-483B-9BF8-5785471A2581}" dt="2023-12-24T21:37:41.295" v="698" actId="478"/>
+          <ac:cxnSpMkLst>
+            <pc:docMk/>
+            <pc:sldMk cId="3221126859" sldId="256"/>
+            <ac:cxnSpMk id="101" creationId="{21FA7CB8-6839-0321-73AB-03C9922DB86B}"/>
+          </ac:cxnSpMkLst>
+        </pc:cxnChg>
+        <pc:cxnChg chg="add del mod">
+          <ac:chgData name="Ivan Rubinov" userId="5a4744fe-eb10-4d5d-85e2-0c367af3d7e8" providerId="ADAL" clId="{5C319BB6-5A6E-483B-9BF8-5785471A2581}" dt="2023-12-24T21:37:20.385" v="694" actId="478"/>
+          <ac:cxnSpMkLst>
+            <pc:docMk/>
+            <pc:sldMk cId="3221126859" sldId="256"/>
+            <ac:cxnSpMk id="102" creationId="{D8F9FC1C-944A-4A84-9AC6-04ECCB32AD77}"/>
+          </ac:cxnSpMkLst>
+        </pc:cxnChg>
+        <pc:cxnChg chg="del mod">
+          <ac:chgData name="Ivan Rubinov" userId="5a4744fe-eb10-4d5d-85e2-0c367af3d7e8" providerId="ADAL" clId="{5C319BB6-5A6E-483B-9BF8-5785471A2581}" dt="2023-12-24T21:12:48.396" v="133" actId="478"/>
+          <ac:cxnSpMkLst>
+            <pc:docMk/>
+            <pc:sldMk cId="3221126859" sldId="256"/>
+            <ac:cxnSpMk id="103" creationId="{F4E2A83F-845F-2D8F-EB70-5957F0D24C57}"/>
+          </ac:cxnSpMkLst>
+        </pc:cxnChg>
+        <pc:cxnChg chg="del">
+          <ac:chgData name="Ivan Rubinov" userId="5a4744fe-eb10-4d5d-85e2-0c367af3d7e8" providerId="ADAL" clId="{5C319BB6-5A6E-483B-9BF8-5785471A2581}" dt="2023-12-24T21:03:17.027" v="32" actId="478"/>
+          <ac:cxnSpMkLst>
+            <pc:docMk/>
+            <pc:sldMk cId="3221126859" sldId="256"/>
+            <ac:cxnSpMk id="104" creationId="{121ECF99-522B-66AB-BF42-0970A68874FB}"/>
+          </ac:cxnSpMkLst>
+        </pc:cxnChg>
+        <pc:cxnChg chg="mod">
+          <ac:chgData name="Ivan Rubinov" userId="5a4744fe-eb10-4d5d-85e2-0c367af3d7e8" providerId="ADAL" clId="{5C319BB6-5A6E-483B-9BF8-5785471A2581}" dt="2023-12-24T21:46:30.509" v="738" actId="1076"/>
+          <ac:cxnSpMkLst>
+            <pc:docMk/>
+            <pc:sldMk cId="3221126859" sldId="256"/>
+            <ac:cxnSpMk id="107" creationId="{4FE541FF-3701-9FA3-57FC-3EB5277E9EA1}"/>
+          </ac:cxnSpMkLst>
+        </pc:cxnChg>
+        <pc:cxnChg chg="mod">
+          <ac:chgData name="Ivan Rubinov" userId="5a4744fe-eb10-4d5d-85e2-0c367af3d7e8" providerId="ADAL" clId="{5C319BB6-5A6E-483B-9BF8-5785471A2581}" dt="2023-12-24T21:48:25.530" v="754" actId="1076"/>
+          <ac:cxnSpMkLst>
+            <pc:docMk/>
+            <pc:sldMk cId="3221126859" sldId="256"/>
+            <ac:cxnSpMk id="108" creationId="{068230AB-9AD8-3724-868A-0B3C1A61E2D0}"/>
+          </ac:cxnSpMkLst>
+        </pc:cxnChg>
+        <pc:cxnChg chg="mod">
+          <ac:chgData name="Ivan Rubinov" userId="5a4744fe-eb10-4d5d-85e2-0c367af3d7e8" providerId="ADAL" clId="{5C319BB6-5A6E-483B-9BF8-5785471A2581}" dt="2023-12-24T21:46:49.233" v="741" actId="1076"/>
+          <ac:cxnSpMkLst>
+            <pc:docMk/>
+            <pc:sldMk cId="3221126859" sldId="256"/>
+            <ac:cxnSpMk id="110" creationId="{8630145C-DE18-88F8-ECD5-3AD59DC56671}"/>
+          </ac:cxnSpMkLst>
+        </pc:cxnChg>
+        <pc:cxnChg chg="mod">
+          <ac:chgData name="Ivan Rubinov" userId="5a4744fe-eb10-4d5d-85e2-0c367af3d7e8" providerId="ADAL" clId="{5C319BB6-5A6E-483B-9BF8-5785471A2581}" dt="2023-12-24T21:46:30.509" v="738" actId="1076"/>
+          <ac:cxnSpMkLst>
+            <pc:docMk/>
+            <pc:sldMk cId="3221126859" sldId="256"/>
+            <ac:cxnSpMk id="111" creationId="{CC774DCE-3D48-BEE8-24C1-59A7DB64C22D}"/>
+          </ac:cxnSpMkLst>
+        </pc:cxnChg>
+        <pc:cxnChg chg="add del mod">
+          <ac:chgData name="Ivan Rubinov" userId="5a4744fe-eb10-4d5d-85e2-0c367af3d7e8" providerId="ADAL" clId="{5C319BB6-5A6E-483B-9BF8-5785471A2581}" dt="2023-12-24T21:38:26.834" v="706" actId="478"/>
+          <ac:cxnSpMkLst>
+            <pc:docMk/>
+            <pc:sldMk cId="3221126859" sldId="256"/>
+            <ac:cxnSpMk id="112" creationId="{EF05BD88-2B59-DFBE-91A8-6352C941A015}"/>
+          </ac:cxnSpMkLst>
+        </pc:cxnChg>
+        <pc:cxnChg chg="add del mod">
+          <ac:chgData name="Ivan Rubinov" userId="5a4744fe-eb10-4d5d-85e2-0c367af3d7e8" providerId="ADAL" clId="{5C319BB6-5A6E-483B-9BF8-5785471A2581}" dt="2023-12-24T21:38:25.597" v="705" actId="478"/>
+          <ac:cxnSpMkLst>
+            <pc:docMk/>
+            <pc:sldMk cId="3221126859" sldId="256"/>
+            <ac:cxnSpMk id="113" creationId="{EA74FA35-9BFB-06AA-EE94-4F76B6D0F3EF}"/>
+          </ac:cxnSpMkLst>
+        </pc:cxnChg>
+        <pc:cxnChg chg="add del mod">
+          <ac:chgData name="Ivan Rubinov" userId="5a4744fe-eb10-4d5d-85e2-0c367af3d7e8" providerId="ADAL" clId="{5C319BB6-5A6E-483B-9BF8-5785471A2581}" dt="2023-12-24T21:38:47.081" v="709" actId="478"/>
+          <ac:cxnSpMkLst>
+            <pc:docMk/>
+            <pc:sldMk cId="3221126859" sldId="256"/>
+            <ac:cxnSpMk id="115" creationId="{31141374-584E-F255-4B07-AA4EE50DA0EF}"/>
+          </ac:cxnSpMkLst>
+        </pc:cxnChg>
+        <pc:cxnChg chg="add del mod">
+          <ac:chgData name="Ivan Rubinov" userId="5a4744fe-eb10-4d5d-85e2-0c367af3d7e8" providerId="ADAL" clId="{5C319BB6-5A6E-483B-9BF8-5785471A2581}" dt="2023-12-24T21:38:50.214" v="710" actId="478"/>
+          <ac:cxnSpMkLst>
+            <pc:docMk/>
+            <pc:sldMk cId="3221126859" sldId="256"/>
+            <ac:cxnSpMk id="116" creationId="{0E8C8BB3-8EE3-A1FD-F880-AB9E2097059D}"/>
+          </ac:cxnSpMkLst>
+        </pc:cxnChg>
+        <pc:cxnChg chg="add mod">
+          <ac:chgData name="Ivan Rubinov" userId="5a4744fe-eb10-4d5d-85e2-0c367af3d7e8" providerId="ADAL" clId="{5C319BB6-5A6E-483B-9BF8-5785471A2581}" dt="2023-12-24T21:38:12.628" v="702" actId="1076"/>
+          <ac:cxnSpMkLst>
+            <pc:docMk/>
+            <pc:sldMk cId="3221126859" sldId="256"/>
+            <ac:cxnSpMk id="117" creationId="{9BA12E8E-21A4-390E-6E78-57FF330EBDDE}"/>
+          </ac:cxnSpMkLst>
+        </pc:cxnChg>
+        <pc:cxnChg chg="add mod">
+          <ac:chgData name="Ivan Rubinov" userId="5a4744fe-eb10-4d5d-85e2-0c367af3d7e8" providerId="ADAL" clId="{5C319BB6-5A6E-483B-9BF8-5785471A2581}" dt="2023-12-24T21:39:22.879" v="715" actId="14100"/>
+          <ac:cxnSpMkLst>
+            <pc:docMk/>
+            <pc:sldMk cId="3221126859" sldId="256"/>
+            <ac:cxnSpMk id="118" creationId="{EAA7CD55-7370-6FC2-E72C-9042343CB92F}"/>
+          </ac:cxnSpMkLst>
+        </pc:cxnChg>
+        <pc:cxnChg chg="add mod">
+          <ac:chgData name="Ivan Rubinov" userId="5a4744fe-eb10-4d5d-85e2-0c367af3d7e8" providerId="ADAL" clId="{5C319BB6-5A6E-483B-9BF8-5785471A2581}" dt="2023-12-24T21:38:42.249" v="708" actId="1076"/>
+          <ac:cxnSpMkLst>
+            <pc:docMk/>
+            <pc:sldMk cId="3221126859" sldId="256"/>
+            <ac:cxnSpMk id="119" creationId="{411B36AC-BB7A-67DD-E8D9-4CF58E7AF75A}"/>
+          </ac:cxnSpMkLst>
+        </pc:cxnChg>
+        <pc:cxnChg chg="add mod">
+          <ac:chgData name="Ivan Rubinov" userId="5a4744fe-eb10-4d5d-85e2-0c367af3d7e8" providerId="ADAL" clId="{5C319BB6-5A6E-483B-9BF8-5785471A2581}" dt="2023-12-24T21:40:46.883" v="729" actId="1076"/>
+          <ac:cxnSpMkLst>
+            <pc:docMk/>
+            <pc:sldMk cId="3221126859" sldId="256"/>
+            <ac:cxnSpMk id="121" creationId="{9C94AF91-775E-C3C9-2400-15867AEA7450}"/>
+          </ac:cxnSpMkLst>
+        </pc:cxnChg>
+      </pc:sldChg>
+      <pc:sldChg chg="addSp delSp modSp add mod ord">
+        <pc:chgData name="Ivan Rubinov" userId="5a4744fe-eb10-4d5d-85e2-0c367af3d7e8" providerId="ADAL" clId="{5C319BB6-5A6E-483B-9BF8-5785471A2581}" dt="2024-01-02T19:33:37.869" v="807" actId="20577"/>
+        <pc:sldMkLst>
+          <pc:docMk/>
+          <pc:sldMk cId="1314853209" sldId="257"/>
+        </pc:sldMkLst>
+        <pc:spChg chg="add del mod">
+          <ac:chgData name="Ivan Rubinov" userId="5a4744fe-eb10-4d5d-85e2-0c367af3d7e8" providerId="ADAL" clId="{5C319BB6-5A6E-483B-9BF8-5785471A2581}" dt="2023-12-24T21:05:30.770" v="61" actId="478"/>
+          <ac:spMkLst>
+            <pc:docMk/>
+            <pc:sldMk cId="1314853209" sldId="257"/>
+            <ac:spMk id="2" creationId="{9B04A84E-F5C2-8A6F-BEB3-B0E43F25647C}"/>
+          </ac:spMkLst>
+        </pc:spChg>
+        <pc:spChg chg="add mod">
+          <ac:chgData name="Ivan Rubinov" userId="5a4744fe-eb10-4d5d-85e2-0c367af3d7e8" providerId="ADAL" clId="{5C319BB6-5A6E-483B-9BF8-5785471A2581}" dt="2024-01-02T19:32:32.395" v="782" actId="14100"/>
+          <ac:spMkLst>
+            <pc:docMk/>
+            <pc:sldMk cId="1314853209" sldId="257"/>
+            <ac:spMk id="4" creationId="{E84F1F57-B490-5C11-B9D5-E5032BC33CED}"/>
+          </ac:spMkLst>
+        </pc:spChg>
+        <pc:spChg chg="del">
+          <ac:chgData name="Ivan Rubinov" userId="5a4744fe-eb10-4d5d-85e2-0c367af3d7e8" providerId="ADAL" clId="{5C319BB6-5A6E-483B-9BF8-5785471A2581}" dt="2023-12-24T21:03:32.347" v="33" actId="478"/>
+          <ac:spMkLst>
+            <pc:docMk/>
+            <pc:sldMk cId="1314853209" sldId="257"/>
+            <ac:spMk id="5" creationId="{D81F9074-81A5-52B9-F636-520AAD24A069}"/>
+          </ac:spMkLst>
+        </pc:spChg>
+        <pc:spChg chg="del">
+          <ac:chgData name="Ivan Rubinov" userId="5a4744fe-eb10-4d5d-85e2-0c367af3d7e8" providerId="ADAL" clId="{5C319BB6-5A6E-483B-9BF8-5785471A2581}" dt="2023-12-24T21:03:36.611" v="35" actId="478"/>
+          <ac:spMkLst>
+            <pc:docMk/>
+            <pc:sldMk cId="1314853209" sldId="257"/>
+            <ac:spMk id="6" creationId="{54A02FD1-9314-8E51-F24B-C2953F11D52A}"/>
+          </ac:spMkLst>
+        </pc:spChg>
+        <pc:spChg chg="del">
+          <ac:chgData name="Ivan Rubinov" userId="5a4744fe-eb10-4d5d-85e2-0c367af3d7e8" providerId="ADAL" clId="{5C319BB6-5A6E-483B-9BF8-5785471A2581}" dt="2023-12-24T21:03:40.107" v="38" actId="478"/>
+          <ac:spMkLst>
+            <pc:docMk/>
+            <pc:sldMk cId="1314853209" sldId="257"/>
+            <ac:spMk id="7" creationId="{D7EA5122-7E94-5F9A-5A18-C3385050FF3E}"/>
+          </ac:spMkLst>
+        </pc:spChg>
+        <pc:spChg chg="add del mod">
+          <ac:chgData name="Ivan Rubinov" userId="5a4744fe-eb10-4d5d-85e2-0c367af3d7e8" providerId="ADAL" clId="{5C319BB6-5A6E-483B-9BF8-5785471A2581}" dt="2023-12-24T21:07:21.178" v="71" actId="478"/>
+          <ac:spMkLst>
+            <pc:docMk/>
+            <pc:sldMk cId="1314853209" sldId="257"/>
+            <ac:spMk id="8" creationId="{9840952A-2EC8-7E2F-8CC2-DC60458F67F6}"/>
+          </ac:spMkLst>
+        </pc:spChg>
+        <pc:spChg chg="mod">
+          <ac:chgData name="Ivan Rubinov" userId="5a4744fe-eb10-4d5d-85e2-0c367af3d7e8" providerId="ADAL" clId="{5C319BB6-5A6E-483B-9BF8-5785471A2581}" dt="2023-12-24T21:15:36.109" v="155" actId="20577"/>
+          <ac:spMkLst>
+            <pc:docMk/>
+            <pc:sldMk cId="1314853209" sldId="257"/>
+            <ac:spMk id="19" creationId="{A55994E1-2051-984A-40AB-1E720B16CC3D}"/>
+          </ac:spMkLst>
+        </pc:spChg>
+        <pc:spChg chg="mod">
+          <ac:chgData name="Ivan Rubinov" userId="5a4744fe-eb10-4d5d-85e2-0c367af3d7e8" providerId="ADAL" clId="{5C319BB6-5A6E-483B-9BF8-5785471A2581}" dt="2024-01-02T19:33:37.869" v="807" actId="20577"/>
+          <ac:spMkLst>
+            <pc:docMk/>
+            <pc:sldMk cId="1314853209" sldId="257"/>
+            <ac:spMk id="23" creationId="{CB9755AD-918D-89F3-AACB-3ACC824FF88A}"/>
+          </ac:spMkLst>
+        </pc:spChg>
+        <pc:spChg chg="mod">
+          <ac:chgData name="Ivan Rubinov" userId="5a4744fe-eb10-4d5d-85e2-0c367af3d7e8" providerId="ADAL" clId="{5C319BB6-5A6E-483B-9BF8-5785471A2581}" dt="2023-12-24T21:17:29.286" v="231" actId="14100"/>
+          <ac:spMkLst>
+            <pc:docMk/>
+            <pc:sldMk cId="1314853209" sldId="257"/>
+            <ac:spMk id="25" creationId="{D3C7AF69-DFE5-E76B-3F03-FC600DC3CF1C}"/>
+          </ac:spMkLst>
+        </pc:spChg>
+        <pc:spChg chg="mod">
+          <ac:chgData name="Ivan Rubinov" userId="5a4744fe-eb10-4d5d-85e2-0c367af3d7e8" providerId="ADAL" clId="{5C319BB6-5A6E-483B-9BF8-5785471A2581}" dt="2023-12-24T21:15:51.303" v="159" actId="20577"/>
+          <ac:spMkLst>
+            <pc:docMk/>
+            <pc:sldMk cId="1314853209" sldId="257"/>
+            <ac:spMk id="29" creationId="{A658F230-C21F-B9F8-98E5-235E3C56EAE5}"/>
+          </ac:spMkLst>
+        </pc:spChg>
+        <pc:spChg chg="del">
+          <ac:chgData name="Ivan Rubinov" userId="5a4744fe-eb10-4d5d-85e2-0c367af3d7e8" providerId="ADAL" clId="{5C319BB6-5A6E-483B-9BF8-5785471A2581}" dt="2023-12-24T21:04:53.615" v="52" actId="478"/>
+          <ac:spMkLst>
+            <pc:docMk/>
+            <pc:sldMk cId="1314853209" sldId="257"/>
+            <ac:spMk id="31" creationId="{855EB15A-702E-CEAF-5724-0EFA2249A6A2}"/>
+          </ac:spMkLst>
+        </pc:spChg>
+        <pc:spChg chg="mod">
+          <ac:chgData name="Ivan Rubinov" userId="5a4744fe-eb10-4d5d-85e2-0c367af3d7e8" providerId="ADAL" clId="{5C319BB6-5A6E-483B-9BF8-5785471A2581}" dt="2023-12-24T21:16:05.337" v="168" actId="20577"/>
+          <ac:spMkLst>
+            <pc:docMk/>
+            <pc:sldMk cId="1314853209" sldId="257"/>
+            <ac:spMk id="32" creationId="{D7CCBA19-BC96-BCB1-222E-839000CB4456}"/>
+          </ac:spMkLst>
+        </pc:spChg>
+        <pc:spChg chg="mod">
+          <ac:chgData name="Ivan Rubinov" userId="5a4744fe-eb10-4d5d-85e2-0c367af3d7e8" providerId="ADAL" clId="{5C319BB6-5A6E-483B-9BF8-5785471A2581}" dt="2024-01-02T19:33:01.700" v="790" actId="1076"/>
+          <ac:spMkLst>
+            <pc:docMk/>
+            <pc:sldMk cId="1314853209" sldId="257"/>
+            <ac:spMk id="33" creationId="{A9AFE7D0-D2D4-542C-114B-7357BE3754DD}"/>
+          </ac:spMkLst>
+        </pc:spChg>
+        <pc:spChg chg="mod">
+          <ac:chgData name="Ivan Rubinov" userId="5a4744fe-eb10-4d5d-85e2-0c367af3d7e8" providerId="ADAL" clId="{5C319BB6-5A6E-483B-9BF8-5785471A2581}" dt="2024-01-02T19:33:16.243" v="795" actId="14100"/>
+          <ac:spMkLst>
+            <pc:docMk/>
+            <pc:sldMk cId="1314853209" sldId="257"/>
+            <ac:spMk id="35" creationId="{658AB2DF-2A47-F5CF-DF84-5068DAA3DC55}"/>
+          </ac:spMkLst>
+        </pc:spChg>
+        <pc:spChg chg="mod">
+          <ac:chgData name="Ivan Rubinov" userId="5a4744fe-eb10-4d5d-85e2-0c367af3d7e8" providerId="ADAL" clId="{5C319BB6-5A6E-483B-9BF8-5785471A2581}" dt="2024-01-02T19:33:27.034" v="802" actId="14100"/>
+          <ac:spMkLst>
+            <pc:docMk/>
+            <pc:sldMk cId="1314853209" sldId="257"/>
+            <ac:spMk id="36" creationId="{D6BAF204-6365-8449-7E8E-577CCDBDE257}"/>
+          </ac:spMkLst>
+        </pc:spChg>
+        <pc:spChg chg="mod">
+          <ac:chgData name="Ivan Rubinov" userId="5a4744fe-eb10-4d5d-85e2-0c367af3d7e8" providerId="ADAL" clId="{5C319BB6-5A6E-483B-9BF8-5785471A2581}" dt="2024-01-02T19:32:57.168" v="789" actId="14100"/>
+          <ac:spMkLst>
+            <pc:docMk/>
+            <pc:sldMk cId="1314853209" sldId="257"/>
+            <ac:spMk id="38" creationId="{890282FE-20F1-4026-D063-0C2B108E828A}"/>
+          </ac:spMkLst>
+        </pc:spChg>
+        <pc:spChg chg="mod">
+          <ac:chgData name="Ivan Rubinov" userId="5a4744fe-eb10-4d5d-85e2-0c367af3d7e8" providerId="ADAL" clId="{5C319BB6-5A6E-483B-9BF8-5785471A2581}" dt="2023-12-24T21:05:06.131" v="58" actId="14100"/>
+          <ac:spMkLst>
+            <pc:docMk/>
+            <pc:sldMk cId="1314853209" sldId="257"/>
+            <ac:spMk id="40" creationId="{8168342E-DEFA-CEA8-13A3-E2F328567EB4}"/>
+          </ac:spMkLst>
+        </pc:spChg>
+        <pc:spChg chg="add mod">
+          <ac:chgData name="Ivan Rubinov" userId="5a4744fe-eb10-4d5d-85e2-0c367af3d7e8" providerId="ADAL" clId="{5C319BB6-5A6E-483B-9BF8-5785471A2581}" dt="2024-01-02T19:33:31.697" v="806" actId="20577"/>
+          <ac:spMkLst>
+            <pc:docMk/>
+            <pc:sldMk cId="1314853209" sldId="257"/>
+            <ac:spMk id="41" creationId="{A59139E2-D933-6216-A475-D954A7FF9071}"/>
+          </ac:spMkLst>
+        </pc:spChg>
+        <pc:spChg chg="del mod">
+          <ac:chgData name="Ivan Rubinov" userId="5a4744fe-eb10-4d5d-85e2-0c367af3d7e8" providerId="ADAL" clId="{5C319BB6-5A6E-483B-9BF8-5785471A2581}" dt="2023-12-24T21:04:58.378" v="55" actId="478"/>
+          <ac:spMkLst>
+            <pc:docMk/>
+            <pc:sldMk cId="1314853209" sldId="257"/>
+            <ac:spMk id="87" creationId="{F8564B36-ABDA-4F3F-28B9-BEB735B3E158}"/>
+          </ac:spMkLst>
+        </pc:spChg>
+        <pc:spChg chg="del">
+          <ac:chgData name="Ivan Rubinov" userId="5a4744fe-eb10-4d5d-85e2-0c367af3d7e8" providerId="ADAL" clId="{5C319BB6-5A6E-483B-9BF8-5785471A2581}" dt="2023-12-24T21:03:37.950" v="36" actId="478"/>
+          <ac:spMkLst>
+            <pc:docMk/>
+            <pc:sldMk cId="1314853209" sldId="257"/>
+            <ac:spMk id="88" creationId="{85CBA6EE-2D3A-A0D0-822E-10E3DB3C3458}"/>
+          </ac:spMkLst>
+        </pc:spChg>
+        <pc:spChg chg="del">
+          <ac:chgData name="Ivan Rubinov" userId="5a4744fe-eb10-4d5d-85e2-0c367af3d7e8" providerId="ADAL" clId="{5C319BB6-5A6E-483B-9BF8-5785471A2581}" dt="2023-12-24T21:03:39.085" v="37" actId="478"/>
+          <ac:spMkLst>
+            <pc:docMk/>
+            <pc:sldMk cId="1314853209" sldId="257"/>
+            <ac:spMk id="89" creationId="{5E3674EB-45FC-D668-1AB1-DAF803BBB5DB}"/>
+          </ac:spMkLst>
+        </pc:spChg>
+        <pc:spChg chg="del mod">
+          <ac:chgData name="Ivan Rubinov" userId="5a4744fe-eb10-4d5d-85e2-0c367af3d7e8" providerId="ADAL" clId="{5C319BB6-5A6E-483B-9BF8-5785471A2581}" dt="2023-12-24T21:03:45.362" v="41" actId="478"/>
+          <ac:spMkLst>
+            <pc:docMk/>
+            <pc:sldMk cId="1314853209" sldId="257"/>
+            <ac:spMk id="90" creationId="{E5CC1828-FDA4-1FA7-FB82-7A534B26203B}"/>
+          </ac:spMkLst>
+        </pc:spChg>
+        <pc:spChg chg="del">
+          <ac:chgData name="Ivan Rubinov" userId="5a4744fe-eb10-4d5d-85e2-0c367af3d7e8" providerId="ADAL" clId="{5C319BB6-5A6E-483B-9BF8-5785471A2581}" dt="2023-12-24T21:03:47.726" v="42" actId="478"/>
+          <ac:spMkLst>
+            <pc:docMk/>
+            <pc:sldMk cId="1314853209" sldId="257"/>
+            <ac:spMk id="106" creationId="{E4EAF0A8-4321-FDA8-D244-63AE91A0F821}"/>
+          </ac:spMkLst>
+        </pc:spChg>
+        <pc:spChg chg="del">
+          <ac:chgData name="Ivan Rubinov" userId="5a4744fe-eb10-4d5d-85e2-0c367af3d7e8" providerId="ADAL" clId="{5C319BB6-5A6E-483B-9BF8-5785471A2581}" dt="2023-12-24T21:03:48.987" v="43" actId="478"/>
+          <ac:spMkLst>
+            <pc:docMk/>
+            <pc:sldMk cId="1314853209" sldId="257"/>
+            <ac:spMk id="109" creationId="{2D4323F5-D160-E580-5B3E-C87996603365}"/>
+          </ac:spMkLst>
+        </pc:spChg>
+        <pc:cxnChg chg="add mod">
+          <ac:chgData name="Ivan Rubinov" userId="5a4744fe-eb10-4d5d-85e2-0c367af3d7e8" providerId="ADAL" clId="{5C319BB6-5A6E-483B-9BF8-5785471A2581}" dt="2023-12-24T21:09:26.802" v="105" actId="14100"/>
+          <ac:cxnSpMkLst>
+            <pc:docMk/>
+            <pc:sldMk cId="1314853209" sldId="257"/>
+            <ac:cxnSpMk id="10" creationId="{5496D0A4-02AA-4FB2-625B-FEBC73A3FA79}"/>
+          </ac:cxnSpMkLst>
+        </pc:cxnChg>
+        <pc:cxnChg chg="add del mod">
+          <ac:chgData name="Ivan Rubinov" userId="5a4744fe-eb10-4d5d-85e2-0c367af3d7e8" providerId="ADAL" clId="{5C319BB6-5A6E-483B-9BF8-5785471A2581}" dt="2023-12-24T21:07:22.920" v="72" actId="478"/>
+          <ac:cxnSpMkLst>
+            <pc:docMk/>
+            <pc:sldMk cId="1314853209" sldId="257"/>
+            <ac:cxnSpMk id="12" creationId="{78CF5256-5B85-D091-0908-EC9A786C8791}"/>
+          </ac:cxnSpMkLst>
+        </pc:cxnChg>
+        <pc:cxnChg chg="add mod">
+          <ac:chgData name="Ivan Rubinov" userId="5a4744fe-eb10-4d5d-85e2-0c367af3d7e8" providerId="ADAL" clId="{5C319BB6-5A6E-483B-9BF8-5785471A2581}" dt="2023-12-24T21:05:38.698" v="63" actId="1076"/>
+          <ac:cxnSpMkLst>
+            <pc:docMk/>
+            <pc:sldMk cId="1314853209" sldId="257"/>
+            <ac:cxnSpMk id="15" creationId="{D55CEA90-4E2D-E6B9-3B65-13098F2C233D}"/>
+          </ac:cxnSpMkLst>
+        </pc:cxnChg>
+        <pc:cxnChg chg="add mod">
+          <ac:chgData name="Ivan Rubinov" userId="5a4744fe-eb10-4d5d-85e2-0c367af3d7e8" providerId="ADAL" clId="{5C319BB6-5A6E-483B-9BF8-5785471A2581}" dt="2023-12-24T21:09:48.141" v="108" actId="692"/>
+          <ac:cxnSpMkLst>
+            <pc:docMk/>
+            <pc:sldMk cId="1314853209" sldId="257"/>
+            <ac:cxnSpMk id="34" creationId="{102E0E3D-37D2-1EF7-39C6-1567CA8D8288}"/>
+          </ac:cxnSpMkLst>
+        </pc:cxnChg>
+        <pc:cxnChg chg="add mod">
+          <ac:chgData name="Ivan Rubinov" userId="5a4744fe-eb10-4d5d-85e2-0c367af3d7e8" providerId="ADAL" clId="{5C319BB6-5A6E-483B-9BF8-5785471A2581}" dt="2023-12-24T21:19:22.515" v="253" actId="1076"/>
+          <ac:cxnSpMkLst>
+            <pc:docMk/>
+            <pc:sldMk cId="1314853209" sldId="257"/>
+            <ac:cxnSpMk id="42" creationId="{1EBE470B-839A-F29D-9B7D-02023EF59711}"/>
+          </ac:cxnSpMkLst>
+        </pc:cxnChg>
+        <pc:cxnChg chg="add mod">
+          <ac:chgData name="Ivan Rubinov" userId="5a4744fe-eb10-4d5d-85e2-0c367af3d7e8" providerId="ADAL" clId="{5C319BB6-5A6E-483B-9BF8-5785471A2581}" dt="2023-12-24T21:19:28.015" v="255" actId="1076"/>
+          <ac:cxnSpMkLst>
+            <pc:docMk/>
+            <pc:sldMk cId="1314853209" sldId="257"/>
+            <ac:cxnSpMk id="43" creationId="{4A424F24-9FC3-D19E-F06E-83EB267DA448}"/>
+          </ac:cxnSpMkLst>
+        </pc:cxnChg>
+        <pc:cxnChg chg="del">
+          <ac:chgData name="Ivan Rubinov" userId="5a4744fe-eb10-4d5d-85e2-0c367af3d7e8" providerId="ADAL" clId="{5C319BB6-5A6E-483B-9BF8-5785471A2581}" dt="2023-12-24T21:03:50.880" v="44" actId="478"/>
+          <ac:cxnSpMkLst>
+            <pc:docMk/>
+            <pc:sldMk cId="1314853209" sldId="257"/>
+            <ac:cxnSpMk id="74" creationId="{D05F1D6E-A7E2-270F-5C41-7EF5DE00A77A}"/>
+          </ac:cxnSpMkLst>
+        </pc:cxnChg>
+        <pc:cxnChg chg="del">
+          <ac:chgData name="Ivan Rubinov" userId="5a4744fe-eb10-4d5d-85e2-0c367af3d7e8" providerId="ADAL" clId="{5C319BB6-5A6E-483B-9BF8-5785471A2581}" dt="2023-12-24T21:04:57.284" v="54" actId="478"/>
+          <ac:cxnSpMkLst>
+            <pc:docMk/>
+            <pc:sldMk cId="1314853209" sldId="257"/>
+            <ac:cxnSpMk id="75" creationId="{4FC9EF2C-C611-89CF-5CA5-EE01528F06A2}"/>
+          </ac:cxnSpMkLst>
+        </pc:cxnChg>
+        <pc:cxnChg chg="del">
+          <ac:chgData name="Ivan Rubinov" userId="5a4744fe-eb10-4d5d-85e2-0c367af3d7e8" providerId="ADAL" clId="{5C319BB6-5A6E-483B-9BF8-5785471A2581}" dt="2023-12-24T21:03:53.700" v="45" actId="478"/>
+          <ac:cxnSpMkLst>
+            <pc:docMk/>
+            <pc:sldMk cId="1314853209" sldId="257"/>
+            <ac:cxnSpMk id="76" creationId="{B3CDB687-0419-214F-72B8-828304FA8A5A}"/>
+          </ac:cxnSpMkLst>
+        </pc:cxnChg>
+        <pc:cxnChg chg="del">
+          <ac:chgData name="Ivan Rubinov" userId="5a4744fe-eb10-4d5d-85e2-0c367af3d7e8" providerId="ADAL" clId="{5C319BB6-5A6E-483B-9BF8-5785471A2581}" dt="2023-12-24T21:03:55.414" v="46" actId="478"/>
+          <ac:cxnSpMkLst>
+            <pc:docMk/>
+            <pc:sldMk cId="1314853209" sldId="257"/>
+            <ac:cxnSpMk id="77" creationId="{2C979B31-2612-33B7-3F13-E013FD518BD7}"/>
+          </ac:cxnSpMkLst>
+        </pc:cxnChg>
+        <pc:cxnChg chg="del">
+          <ac:chgData name="Ivan Rubinov" userId="5a4744fe-eb10-4d5d-85e2-0c367af3d7e8" providerId="ADAL" clId="{5C319BB6-5A6E-483B-9BF8-5785471A2581}" dt="2023-12-24T21:04:59.525" v="56" actId="478"/>
+          <ac:cxnSpMkLst>
+            <pc:docMk/>
+            <pc:sldMk cId="1314853209" sldId="257"/>
+            <ac:cxnSpMk id="78" creationId="{45BB57D0-710F-71CB-3950-186D89C44C78}"/>
+          </ac:cxnSpMkLst>
+        </pc:cxnChg>
+        <pc:cxnChg chg="del">
+          <ac:chgData name="Ivan Rubinov" userId="5a4744fe-eb10-4d5d-85e2-0c367af3d7e8" providerId="ADAL" clId="{5C319BB6-5A6E-483B-9BF8-5785471A2581}" dt="2023-12-24T21:03:35.029" v="34" actId="478"/>
+          <ac:cxnSpMkLst>
+            <pc:docMk/>
+            <pc:sldMk cId="1314853209" sldId="257"/>
+            <ac:cxnSpMk id="79" creationId="{579152B3-7385-9F1D-EF5F-8AC894D3ADF9}"/>
+          </ac:cxnSpMkLst>
+        </pc:cxnChg>
+        <pc:cxnChg chg="del">
+          <ac:chgData name="Ivan Rubinov" userId="5a4744fe-eb10-4d5d-85e2-0c367af3d7e8" providerId="ADAL" clId="{5C319BB6-5A6E-483B-9BF8-5785471A2581}" dt="2023-12-24T21:03:35.029" v="34" actId="478"/>
+          <ac:cxnSpMkLst>
+            <pc:docMk/>
+            <pc:sldMk cId="1314853209" sldId="257"/>
+            <ac:cxnSpMk id="80" creationId="{93127509-344D-55A5-76C1-90EE205E1216}"/>
+          </ac:cxnSpMkLst>
+        </pc:cxnChg>
+        <pc:cxnChg chg="del">
+          <ac:chgData name="Ivan Rubinov" userId="5a4744fe-eb10-4d5d-85e2-0c367af3d7e8" providerId="ADAL" clId="{5C319BB6-5A6E-483B-9BF8-5785471A2581}" dt="2023-12-24T21:03:35.029" v="34" actId="478"/>
+          <ac:cxnSpMkLst>
+            <pc:docMk/>
+            <pc:sldMk cId="1314853209" sldId="257"/>
+            <ac:cxnSpMk id="81" creationId="{CAAB620C-3E37-A9CB-2216-B1F643A6C019}"/>
+          </ac:cxnSpMkLst>
+        </pc:cxnChg>
+        <pc:cxnChg chg="del">
+          <ac:chgData name="Ivan Rubinov" userId="5a4744fe-eb10-4d5d-85e2-0c367af3d7e8" providerId="ADAL" clId="{5C319BB6-5A6E-483B-9BF8-5785471A2581}" dt="2023-12-24T21:03:35.029" v="34" actId="478"/>
+          <ac:cxnSpMkLst>
+            <pc:docMk/>
+            <pc:sldMk cId="1314853209" sldId="257"/>
+            <ac:cxnSpMk id="82" creationId="{D77F81ED-2DFA-45E8-2754-77731205D2DA}"/>
+          </ac:cxnSpMkLst>
+        </pc:cxnChg>
+        <pc:cxnChg chg="del">
+          <ac:chgData name="Ivan Rubinov" userId="5a4744fe-eb10-4d5d-85e2-0c367af3d7e8" providerId="ADAL" clId="{5C319BB6-5A6E-483B-9BF8-5785471A2581}" dt="2023-12-24T21:03:35.029" v="34" actId="478"/>
+          <ac:cxnSpMkLst>
+            <pc:docMk/>
+            <pc:sldMk cId="1314853209" sldId="257"/>
+            <ac:cxnSpMk id="83" creationId="{4AF444CE-AAA3-A7A2-C212-77C4D6AC7C96}"/>
+          </ac:cxnSpMkLst>
+        </pc:cxnChg>
+        <pc:cxnChg chg="del">
+          <ac:chgData name="Ivan Rubinov" userId="5a4744fe-eb10-4d5d-85e2-0c367af3d7e8" providerId="ADAL" clId="{5C319BB6-5A6E-483B-9BF8-5785471A2581}" dt="2023-12-24T21:03:35.029" v="34" actId="478"/>
+          <ac:cxnSpMkLst>
+            <pc:docMk/>
+            <pc:sldMk cId="1314853209" sldId="257"/>
+            <ac:cxnSpMk id="84" creationId="{BF056AA4-70DC-A9C2-68D8-509D487A38D0}"/>
+          </ac:cxnSpMkLst>
+        </pc:cxnChg>
+        <pc:cxnChg chg="del">
+          <ac:chgData name="Ivan Rubinov" userId="5a4744fe-eb10-4d5d-85e2-0c367af3d7e8" providerId="ADAL" clId="{5C319BB6-5A6E-483B-9BF8-5785471A2581}" dt="2023-12-24T21:05:00.823" v="57" actId="478"/>
+          <ac:cxnSpMkLst>
+            <pc:docMk/>
+            <pc:sldMk cId="1314853209" sldId="257"/>
+            <ac:cxnSpMk id="85" creationId="{260D6A45-5101-0427-1ED6-C5F7909BE2CF}"/>
+          </ac:cxnSpMkLst>
+        </pc:cxnChg>
+        <pc:cxnChg chg="del">
+          <ac:chgData name="Ivan Rubinov" userId="5a4744fe-eb10-4d5d-85e2-0c367af3d7e8" providerId="ADAL" clId="{5C319BB6-5A6E-483B-9BF8-5785471A2581}" dt="2023-12-24T21:03:35.029" v="34" actId="478"/>
+          <ac:cxnSpMkLst>
+            <pc:docMk/>
+            <pc:sldMk cId="1314853209" sldId="257"/>
+            <ac:cxnSpMk id="107" creationId="{4FE541FF-3701-9FA3-57FC-3EB5277E9EA1}"/>
+          </ac:cxnSpMkLst>
+        </pc:cxnChg>
+        <pc:cxnChg chg="del">
+          <ac:chgData name="Ivan Rubinov" userId="5a4744fe-eb10-4d5d-85e2-0c367af3d7e8" providerId="ADAL" clId="{5C319BB6-5A6E-483B-9BF8-5785471A2581}" dt="2023-12-24T21:03:57.362" v="48" actId="478"/>
+          <ac:cxnSpMkLst>
+            <pc:docMk/>
+            <pc:sldMk cId="1314853209" sldId="257"/>
+            <ac:cxnSpMk id="108" creationId="{068230AB-9AD8-3724-868A-0B3C1A61E2D0}"/>
+          </ac:cxnSpMkLst>
+        </pc:cxnChg>
+        <pc:cxnChg chg="del">
+          <ac:chgData name="Ivan Rubinov" userId="5a4744fe-eb10-4d5d-85e2-0c367af3d7e8" providerId="ADAL" clId="{5C319BB6-5A6E-483B-9BF8-5785471A2581}" dt="2023-12-24T21:03:56.200" v="47" actId="478"/>
+          <ac:cxnSpMkLst>
+            <pc:docMk/>
+            <pc:sldMk cId="1314853209" sldId="257"/>
+            <ac:cxnSpMk id="110" creationId="{8630145C-DE18-88F8-ECD5-3AD59DC56671}"/>
+          </ac:cxnSpMkLst>
+        </pc:cxnChg>
+        <pc:cxnChg chg="del">
+          <ac:chgData name="Ivan Rubinov" userId="5a4744fe-eb10-4d5d-85e2-0c367af3d7e8" providerId="ADAL" clId="{5C319BB6-5A6E-483B-9BF8-5785471A2581}" dt="2023-12-24T21:03:35.029" v="34" actId="478"/>
+          <ac:cxnSpMkLst>
+            <pc:docMk/>
+            <pc:sldMk cId="1314853209" sldId="257"/>
+            <ac:cxnSpMk id="111" creationId="{CC774DCE-3D48-BEE8-24C1-59A7DB64C22D}"/>
+          </ac:cxnSpMkLst>
+        </pc:cxnChg>
+      </pc:sldChg>
+    </pc:docChg>
+  </pc:docChgLst>
+</pc:chgInfo>
+</file>
+
 <file path=ppt/slideLayouts/slideLayout1.xml><?xml version="1.0" encoding="utf-8"?>
 <p:sldLayout xmlns:a="http://schemas.openxmlformats.org/drawingml/2006/main" xmlns:r="http://schemas.openxmlformats.org/officeDocument/2006/relationships" xmlns:p="http://schemas.openxmlformats.org/presentationml/2006/main" type="title" preserve="1">
   <p:cSld name="Title Slide">
@@ -259,7 +1600,7 @@
           <a:p>
             <a:fld id="{A9DA4248-D91C-4DA0-8FBF-ED03DAA5BC98}" type="datetimeFigureOut">
               <a:rPr lang="en-US" smtClean="0"/>
-              <a:t>12/22/2023</a:t>
+              <a:t>1/2/2024</a:t>
             </a:fld>
             <a:endParaRPr lang="en-US"/>
           </a:p>
@@ -457,7 +1798,7 @@
           <a:p>
             <a:fld id="{A9DA4248-D91C-4DA0-8FBF-ED03DAA5BC98}" type="datetimeFigureOut">
               <a:rPr lang="en-US" smtClean="0"/>
-              <a:t>12/22/2023</a:t>
+              <a:t>1/2/2024</a:t>
             </a:fld>
             <a:endParaRPr lang="en-US"/>
           </a:p>
@@ -665,7 +2006,7 @@
           <a:p>
             <a:fld id="{A9DA4248-D91C-4DA0-8FBF-ED03DAA5BC98}" type="datetimeFigureOut">
               <a:rPr lang="en-US" smtClean="0"/>
-              <a:t>12/22/2023</a:t>
+              <a:t>1/2/2024</a:t>
             </a:fld>
             <a:endParaRPr lang="en-US"/>
           </a:p>
@@ -863,7 +2204,7 @@
           <a:p>
             <a:fld id="{A9DA4248-D91C-4DA0-8FBF-ED03DAA5BC98}" type="datetimeFigureOut">
               <a:rPr lang="en-US" smtClean="0"/>
-              <a:t>12/22/2023</a:t>
+              <a:t>1/2/2024</a:t>
             </a:fld>
             <a:endParaRPr lang="en-US"/>
           </a:p>
@@ -1138,7 +2479,7 @@
           <a:p>
             <a:fld id="{A9DA4248-D91C-4DA0-8FBF-ED03DAA5BC98}" type="datetimeFigureOut">
               <a:rPr lang="en-US" smtClean="0"/>
-              <a:t>12/22/2023</a:t>
+              <a:t>1/2/2024</a:t>
             </a:fld>
             <a:endParaRPr lang="en-US"/>
           </a:p>
@@ -1403,7 +2744,7 @@
           <a:p>
             <a:fld id="{A9DA4248-D91C-4DA0-8FBF-ED03DAA5BC98}" type="datetimeFigureOut">
               <a:rPr lang="en-US" smtClean="0"/>
-              <a:t>12/22/2023</a:t>
+              <a:t>1/2/2024</a:t>
             </a:fld>
             <a:endParaRPr lang="en-US"/>
           </a:p>
@@ -1815,7 +3156,7 @@
           <a:p>
             <a:fld id="{A9DA4248-D91C-4DA0-8FBF-ED03DAA5BC98}" type="datetimeFigureOut">
               <a:rPr lang="en-US" smtClean="0"/>
-              <a:t>12/22/2023</a:t>
+              <a:t>1/2/2024</a:t>
             </a:fld>
             <a:endParaRPr lang="en-US"/>
           </a:p>
@@ -1956,7 +3297,7 @@
           <a:p>
             <a:fld id="{A9DA4248-D91C-4DA0-8FBF-ED03DAA5BC98}" type="datetimeFigureOut">
               <a:rPr lang="en-US" smtClean="0"/>
-              <a:t>12/22/2023</a:t>
+              <a:t>1/2/2024</a:t>
             </a:fld>
             <a:endParaRPr lang="en-US"/>
           </a:p>
@@ -2069,7 +3410,7 @@
           <a:p>
             <a:fld id="{A9DA4248-D91C-4DA0-8FBF-ED03DAA5BC98}" type="datetimeFigureOut">
               <a:rPr lang="en-US" smtClean="0"/>
-              <a:t>12/22/2023</a:t>
+              <a:t>1/2/2024</a:t>
             </a:fld>
             <a:endParaRPr lang="en-US"/>
           </a:p>
@@ -2380,7 +3721,7 @@
           <a:p>
             <a:fld id="{A9DA4248-D91C-4DA0-8FBF-ED03DAA5BC98}" type="datetimeFigureOut">
               <a:rPr lang="en-US" smtClean="0"/>
-              <a:t>12/22/2023</a:t>
+              <a:t>1/2/2024</a:t>
             </a:fld>
             <a:endParaRPr lang="en-US"/>
           </a:p>
@@ -2668,7 +4009,7 @@
           <a:p>
             <a:fld id="{A9DA4248-D91C-4DA0-8FBF-ED03DAA5BC98}" type="datetimeFigureOut">
               <a:rPr lang="en-US" smtClean="0"/>
-              <a:t>12/22/2023</a:t>
+              <a:t>1/2/2024</a:t>
             </a:fld>
             <a:endParaRPr lang="en-US"/>
           </a:p>
@@ -2909,7 +4250,7 @@
           <a:p>
             <a:fld id="{A9DA4248-D91C-4DA0-8FBF-ED03DAA5BC98}" type="datetimeFigureOut">
               <a:rPr lang="en-US" smtClean="0"/>
-              <a:t>12/22/2023</a:t>
+              <a:t>1/2/2024</a:t>
             </a:fld>
             <a:endParaRPr lang="en-US"/>
           </a:p>
@@ -3630,7 +4971,7 @@
             <a:pPr algn="ctr"/>
             <a:r>
               <a:rPr lang="en-GB" sz="1200" dirty="0"/>
-              <a:t>Filter by keys module</a:t>
+              <a:t>Module to work with keys</a:t>
             </a:r>
           </a:p>
           <a:p>
@@ -3961,10 +5302,10 @@
       </p:sp>
       <p:sp>
         <p:nvSpPr>
-          <p:cNvPr id="31" name="Rectangle: Rounded Corners 30">
-            <a:extLst>
-              <a:ext uri="{FF2B5EF4-FFF2-40B4-BE49-F238E27FC236}">
-                <a16:creationId xmlns:a16="http://schemas.microsoft.com/office/drawing/2014/main" id="{855EB15A-702E-CEAF-5724-0EFA2249A6A2}"/>
+          <p:cNvPr id="3" name="Rectangle: Rounded Corners 2">
+            <a:extLst>
+              <a:ext uri="{FF2B5EF4-FFF2-40B4-BE49-F238E27FC236}">
+                <a16:creationId xmlns:a16="http://schemas.microsoft.com/office/drawing/2014/main" id="{6DA4EACE-B5A7-F6C1-F986-12CFF6920964}"/>
               </a:ext>
             </a:extLst>
           </p:cNvPr>
@@ -3973,8 +5314,8 @@
         </p:nvSpPr>
         <p:spPr>
           <a:xfrm>
-            <a:off x="9644773" y="1960556"/>
-            <a:ext cx="1514679" cy="432002"/>
+            <a:off x="4814000" y="118787"/>
+            <a:ext cx="2053143" cy="482119"/>
           </a:xfrm>
           <a:prstGeom prst="roundRect">
             <a:avLst/>
@@ -4001,6 +5342,69 @@
           <a:p>
             <a:pPr algn="ctr"/>
             <a:r>
+              <a:rPr lang="en-US" sz="1200" dirty="0"/>
+              <a:t>Main module entry point</a:t>
+            </a:r>
+          </a:p>
+          <a:p>
+            <a:pPr algn="ctr"/>
+            <a:r>
+              <a:rPr lang="en-US" sz="1200" dirty="0"/>
+              <a:t>(</a:t>
+            </a:r>
+            <a:r>
+              <a:rPr lang="en-US" sz="1200" dirty="0" err="1"/>
+              <a:t>main_file.ipynb</a:t>
+            </a:r>
+            <a:r>
+              <a:rPr lang="en-US" sz="1200" dirty="0"/>
+              <a:t>)</a:t>
+            </a:r>
+          </a:p>
+        </p:txBody>
+      </p:sp>
+      <p:sp>
+        <p:nvSpPr>
+          <p:cNvPr id="9" name="Rectangle: Rounded Corners 8">
+            <a:extLst>
+              <a:ext uri="{FF2B5EF4-FFF2-40B4-BE49-F238E27FC236}">
+                <a16:creationId xmlns:a16="http://schemas.microsoft.com/office/drawing/2014/main" id="{27C65C3D-2AE8-8303-E75F-A70F6A8263C3}"/>
+              </a:ext>
+            </a:extLst>
+          </p:cNvPr>
+          <p:cNvSpPr/>
+          <p:nvPr/>
+        </p:nvSpPr>
+        <p:spPr>
+          <a:xfrm>
+            <a:off x="6601329" y="2479978"/>
+            <a:ext cx="1190418" cy="432002"/>
+          </a:xfrm>
+          <a:prstGeom prst="roundRect">
+            <a:avLst/>
+          </a:prstGeom>
+          <a:ln/>
+        </p:spPr>
+        <p:style>
+          <a:lnRef idx="2">
+            <a:schemeClr val="dk1"/>
+          </a:lnRef>
+          <a:fillRef idx="1">
+            <a:schemeClr val="lt1"/>
+          </a:fillRef>
+          <a:effectRef idx="0">
+            <a:schemeClr val="dk1"/>
+          </a:effectRef>
+          <a:fontRef idx="minor">
+            <a:schemeClr val="dk1"/>
+          </a:fontRef>
+        </p:style>
+        <p:txBody>
+          <a:bodyPr rtlCol="0" anchor="ctr"/>
+          <a:lstStyle/>
+          <a:p>
+            <a:pPr algn="ctr"/>
+            <a:r>
               <a:rPr lang="en-GB" sz="1200" dirty="0"/>
               <a:t>Function</a:t>
             </a:r>
@@ -4009,7 +5413,7 @@
             <a:pPr algn="ctr"/>
             <a:r>
               <a:rPr lang="en-GB" sz="1200" dirty="0" err="1"/>
-              <a:t>analytics_visualize</a:t>
+              <a:t>find_by_key</a:t>
             </a:r>
             <a:r>
               <a:rPr lang="en-GB" sz="1200" dirty="0"/>
@@ -4025,10 +5429,10 @@
       </p:sp>
       <p:sp>
         <p:nvSpPr>
-          <p:cNvPr id="3" name="Rectangle: Rounded Corners 2">
-            <a:extLst>
-              <a:ext uri="{FF2B5EF4-FFF2-40B4-BE49-F238E27FC236}">
-                <a16:creationId xmlns:a16="http://schemas.microsoft.com/office/drawing/2014/main" id="{6DA4EACE-B5A7-F6C1-F986-12CFF6920964}"/>
+          <p:cNvPr id="11" name="Rectangle: Rounded Corners 10">
+            <a:extLst>
+              <a:ext uri="{FF2B5EF4-FFF2-40B4-BE49-F238E27FC236}">
+                <a16:creationId xmlns:a16="http://schemas.microsoft.com/office/drawing/2014/main" id="{DB441486-1ED7-8022-F6DC-50017442D7EB}"/>
               </a:ext>
             </a:extLst>
           </p:cNvPr>
@@ -4037,8 +5441,8 @@
         </p:nvSpPr>
         <p:spPr>
           <a:xfrm>
-            <a:off x="4814000" y="118787"/>
-            <a:ext cx="2053143" cy="482119"/>
+            <a:off x="6630236" y="3645382"/>
+            <a:ext cx="1501801" cy="432002"/>
           </a:xfrm>
           <a:prstGeom prst="roundRect">
             <a:avLst/>
@@ -4065,69 +5469,6 @@
           <a:p>
             <a:pPr algn="ctr"/>
             <a:r>
-              <a:rPr lang="en-US" sz="1200" dirty="0"/>
-              <a:t>Main module entry point</a:t>
-            </a:r>
-          </a:p>
-          <a:p>
-            <a:pPr algn="ctr"/>
-            <a:r>
-              <a:rPr lang="en-US" sz="1200" dirty="0"/>
-              <a:t>(</a:t>
-            </a:r>
-            <a:r>
-              <a:rPr lang="en-US" sz="1200" dirty="0" err="1"/>
-              <a:t>main_file.ipynb</a:t>
-            </a:r>
-            <a:r>
-              <a:rPr lang="en-US" sz="1200" dirty="0"/>
-              <a:t>)</a:t>
-            </a:r>
-          </a:p>
-        </p:txBody>
-      </p:sp>
-      <p:sp>
-        <p:nvSpPr>
-          <p:cNvPr id="5" name="Rectangle: Rounded Corners 4">
-            <a:extLst>
-              <a:ext uri="{FF2B5EF4-FFF2-40B4-BE49-F238E27FC236}">
-                <a16:creationId xmlns:a16="http://schemas.microsoft.com/office/drawing/2014/main" id="{D81F9074-81A5-52B9-F636-520AAD24A069}"/>
-              </a:ext>
-            </a:extLst>
-          </p:cNvPr>
-          <p:cNvSpPr/>
-          <p:nvPr/>
-        </p:nvSpPr>
-        <p:spPr>
-          <a:xfrm>
-            <a:off x="9655927" y="3127793"/>
-            <a:ext cx="1347044" cy="432002"/>
-          </a:xfrm>
-          <a:prstGeom prst="roundRect">
-            <a:avLst/>
-          </a:prstGeom>
-          <a:ln/>
-        </p:spPr>
-        <p:style>
-          <a:lnRef idx="2">
-            <a:schemeClr val="dk1"/>
-          </a:lnRef>
-          <a:fillRef idx="1">
-            <a:schemeClr val="lt1"/>
-          </a:fillRef>
-          <a:effectRef idx="0">
-            <a:schemeClr val="dk1"/>
-          </a:effectRef>
-          <a:fontRef idx="minor">
-            <a:schemeClr val="dk1"/>
-          </a:fontRef>
-        </p:style>
-        <p:txBody>
-          <a:bodyPr rtlCol="0" anchor="ctr"/>
-          <a:lstStyle/>
-          <a:p>
-            <a:pPr algn="ctr"/>
-            <a:r>
               <a:rPr lang="en-GB" sz="1200" dirty="0"/>
               <a:t>Function</a:t>
             </a:r>
@@ -4136,7 +5477,7 @@
             <a:pPr algn="ctr"/>
             <a:r>
               <a:rPr lang="en-GB" sz="1200" dirty="0" err="1"/>
-              <a:t>avg_group_two</a:t>
+              <a:t>find_by_key_range</a:t>
             </a:r>
             <a:r>
               <a:rPr lang="en-GB" sz="1200" dirty="0"/>
@@ -4150,262 +5491,6 @@
           </a:p>
         </p:txBody>
       </p:sp>
-      <p:sp>
-        <p:nvSpPr>
-          <p:cNvPr id="6" name="Rectangle: Rounded Corners 5">
-            <a:extLst>
-              <a:ext uri="{FF2B5EF4-FFF2-40B4-BE49-F238E27FC236}">
-                <a16:creationId xmlns:a16="http://schemas.microsoft.com/office/drawing/2014/main" id="{54A02FD1-9314-8E51-F24B-C2953F11D52A}"/>
-              </a:ext>
-            </a:extLst>
-          </p:cNvPr>
-          <p:cNvSpPr/>
-          <p:nvPr/>
-        </p:nvSpPr>
-        <p:spPr>
-          <a:xfrm>
-            <a:off x="9663975" y="4049826"/>
-            <a:ext cx="1347044" cy="432002"/>
-          </a:xfrm>
-          <a:prstGeom prst="roundRect">
-            <a:avLst/>
-          </a:prstGeom>
-          <a:ln/>
-        </p:spPr>
-        <p:style>
-          <a:lnRef idx="2">
-            <a:schemeClr val="dk1"/>
-          </a:lnRef>
-          <a:fillRef idx="1">
-            <a:schemeClr val="lt1"/>
-          </a:fillRef>
-          <a:effectRef idx="0">
-            <a:schemeClr val="dk1"/>
-          </a:effectRef>
-          <a:fontRef idx="minor">
-            <a:schemeClr val="dk1"/>
-          </a:fontRef>
-        </p:style>
-        <p:txBody>
-          <a:bodyPr rtlCol="0" anchor="ctr"/>
-          <a:lstStyle/>
-          <a:p>
-            <a:pPr algn="ctr"/>
-            <a:r>
-              <a:rPr lang="en-GB" sz="1200" dirty="0"/>
-              <a:t>Function</a:t>
-            </a:r>
-          </a:p>
-          <a:p>
-            <a:pPr algn="ctr"/>
-            <a:r>
-              <a:rPr lang="en-GB" sz="1200" dirty="0" err="1"/>
-              <a:t>avg_group_one</a:t>
-            </a:r>
-            <a:r>
-              <a:rPr lang="en-GB" sz="1200" dirty="0"/>
-              <a:t>()</a:t>
-            </a:r>
-            <a:endParaRPr lang="en-US" sz="1200" dirty="0">
-              <a:solidFill>
-                <a:schemeClr val="dk1"/>
-              </a:solidFill>
-            </a:endParaRPr>
-          </a:p>
-        </p:txBody>
-      </p:sp>
-      <p:sp>
-        <p:nvSpPr>
-          <p:cNvPr id="7" name="Rectangle: Rounded Corners 6">
-            <a:extLst>
-              <a:ext uri="{FF2B5EF4-FFF2-40B4-BE49-F238E27FC236}">
-                <a16:creationId xmlns:a16="http://schemas.microsoft.com/office/drawing/2014/main" id="{D7EA5122-7E94-5F9A-5A18-C3385050FF3E}"/>
-              </a:ext>
-            </a:extLst>
-          </p:cNvPr>
-          <p:cNvSpPr/>
-          <p:nvPr/>
-        </p:nvSpPr>
-        <p:spPr>
-          <a:xfrm>
-            <a:off x="9712855" y="4990375"/>
-            <a:ext cx="1514681" cy="432002"/>
-          </a:xfrm>
-          <a:prstGeom prst="roundRect">
-            <a:avLst/>
-          </a:prstGeom>
-          <a:ln/>
-        </p:spPr>
-        <p:style>
-          <a:lnRef idx="2">
-            <a:schemeClr val="dk1"/>
-          </a:lnRef>
-          <a:fillRef idx="1">
-            <a:schemeClr val="lt1"/>
-          </a:fillRef>
-          <a:effectRef idx="0">
-            <a:schemeClr val="dk1"/>
-          </a:effectRef>
-          <a:fontRef idx="minor">
-            <a:schemeClr val="dk1"/>
-          </a:fontRef>
-        </p:style>
-        <p:txBody>
-          <a:bodyPr rtlCol="0" anchor="ctr"/>
-          <a:lstStyle/>
-          <a:p>
-            <a:pPr algn="ctr"/>
-            <a:r>
-              <a:rPr lang="en-GB" sz="1200" dirty="0"/>
-              <a:t>Function</a:t>
-            </a:r>
-          </a:p>
-          <a:p>
-            <a:pPr algn="ctr"/>
-            <a:r>
-              <a:rPr lang="en-GB" sz="1200" dirty="0" err="1"/>
-              <a:t>count_annualy</a:t>
-            </a:r>
-            <a:r>
-              <a:rPr lang="en-GB" sz="1200" dirty="0"/>
-              <a:t>()</a:t>
-            </a:r>
-            <a:endParaRPr lang="en-US" sz="1200" dirty="0">
-              <a:solidFill>
-                <a:schemeClr val="dk1"/>
-              </a:solidFill>
-            </a:endParaRPr>
-          </a:p>
-        </p:txBody>
-      </p:sp>
-      <p:sp>
-        <p:nvSpPr>
-          <p:cNvPr id="9" name="Rectangle: Rounded Corners 8">
-            <a:extLst>
-              <a:ext uri="{FF2B5EF4-FFF2-40B4-BE49-F238E27FC236}">
-                <a16:creationId xmlns:a16="http://schemas.microsoft.com/office/drawing/2014/main" id="{27C65C3D-2AE8-8303-E75F-A70F6A8263C3}"/>
-              </a:ext>
-            </a:extLst>
-          </p:cNvPr>
-          <p:cNvSpPr/>
-          <p:nvPr/>
-        </p:nvSpPr>
-        <p:spPr>
-          <a:xfrm>
-            <a:off x="6601329" y="2479978"/>
-            <a:ext cx="1190418" cy="432002"/>
-          </a:xfrm>
-          <a:prstGeom prst="roundRect">
-            <a:avLst/>
-          </a:prstGeom>
-          <a:ln/>
-        </p:spPr>
-        <p:style>
-          <a:lnRef idx="2">
-            <a:schemeClr val="dk1"/>
-          </a:lnRef>
-          <a:fillRef idx="1">
-            <a:schemeClr val="lt1"/>
-          </a:fillRef>
-          <a:effectRef idx="0">
-            <a:schemeClr val="dk1"/>
-          </a:effectRef>
-          <a:fontRef idx="minor">
-            <a:schemeClr val="dk1"/>
-          </a:fontRef>
-        </p:style>
-        <p:txBody>
-          <a:bodyPr rtlCol="0" anchor="ctr"/>
-          <a:lstStyle/>
-          <a:p>
-            <a:pPr algn="ctr"/>
-            <a:r>
-              <a:rPr lang="en-GB" sz="1200" dirty="0"/>
-              <a:t>Function</a:t>
-            </a:r>
-          </a:p>
-          <a:p>
-            <a:pPr algn="ctr"/>
-            <a:r>
-              <a:rPr lang="en-GB" sz="1200" dirty="0" err="1"/>
-              <a:t>find_by_key</a:t>
-            </a:r>
-            <a:r>
-              <a:rPr lang="en-GB" sz="1200" dirty="0"/>
-              <a:t>()</a:t>
-            </a:r>
-            <a:endParaRPr lang="en-US" sz="1200" dirty="0">
-              <a:solidFill>
-                <a:schemeClr val="dk1"/>
-              </a:solidFill>
-            </a:endParaRPr>
-          </a:p>
-        </p:txBody>
-      </p:sp>
-      <p:sp>
-        <p:nvSpPr>
-          <p:cNvPr id="11" name="Rectangle: Rounded Corners 10">
-            <a:extLst>
-              <a:ext uri="{FF2B5EF4-FFF2-40B4-BE49-F238E27FC236}">
-                <a16:creationId xmlns:a16="http://schemas.microsoft.com/office/drawing/2014/main" id="{DB441486-1ED7-8022-F6DC-50017442D7EB}"/>
-              </a:ext>
-            </a:extLst>
-          </p:cNvPr>
-          <p:cNvSpPr/>
-          <p:nvPr/>
-        </p:nvSpPr>
-        <p:spPr>
-          <a:xfrm>
-            <a:off x="6630236" y="3645382"/>
-            <a:ext cx="1501801" cy="432002"/>
-          </a:xfrm>
-          <a:prstGeom prst="roundRect">
-            <a:avLst/>
-          </a:prstGeom>
-          <a:ln/>
-        </p:spPr>
-        <p:style>
-          <a:lnRef idx="2">
-            <a:schemeClr val="dk1"/>
-          </a:lnRef>
-          <a:fillRef idx="1">
-            <a:schemeClr val="lt1"/>
-          </a:fillRef>
-          <a:effectRef idx="0">
-            <a:schemeClr val="dk1"/>
-          </a:effectRef>
-          <a:fontRef idx="minor">
-            <a:schemeClr val="dk1"/>
-          </a:fontRef>
-        </p:style>
-        <p:txBody>
-          <a:bodyPr rtlCol="0" anchor="ctr"/>
-          <a:lstStyle/>
-          <a:p>
-            <a:pPr algn="ctr"/>
-            <a:r>
-              <a:rPr lang="en-GB" sz="1200" dirty="0"/>
-              <a:t>Function</a:t>
-            </a:r>
-          </a:p>
-          <a:p>
-            <a:pPr algn="ctr"/>
-            <a:r>
-              <a:rPr lang="en-GB" sz="1200" dirty="0" err="1"/>
-              <a:t>find_by_key_range</a:t>
-            </a:r>
-            <a:r>
-              <a:rPr lang="en-GB" sz="1200" dirty="0"/>
-              <a:t>()</a:t>
-            </a:r>
-            <a:endParaRPr lang="en-US" sz="1200" dirty="0">
-              <a:solidFill>
-                <a:schemeClr val="dk1"/>
-              </a:solidFill>
-            </a:endParaRPr>
-          </a:p>
-        </p:txBody>
-      </p:sp>
       <p:cxnSp>
         <p:nvCxnSpPr>
           <p:cNvPr id="13" name="Straight Connector 12">
@@ -4496,7 +5581,7 @@
             <a:pPr algn="ctr"/>
             <a:r>
               <a:rPr lang="en-GB" sz="1200" dirty="0"/>
-              <a:t>User prompts for a path</a:t>
+              <a:t>Provides a path for dataset</a:t>
             </a:r>
             <a:endParaRPr lang="en-US" sz="1200" dirty="0"/>
           </a:p>
@@ -4517,7 +5602,7 @@
         <p:spPr>
           <a:xfrm>
             <a:off x="1459889" y="3600874"/>
-            <a:ext cx="1233565" cy="392386"/>
+            <a:ext cx="1365013" cy="392386"/>
           </a:xfrm>
           <a:prstGeom prst="rect">
             <a:avLst/>
@@ -4549,7 +5634,7 @@
             <a:pPr algn="ctr"/>
             <a:r>
               <a:rPr lang="en-GB" sz="1200" dirty="0"/>
-              <a:t>User prompts  what to find</a:t>
+              <a:t>Provides a menu option (conditions)</a:t>
             </a:r>
             <a:endParaRPr lang="en-US" sz="1200" dirty="0"/>
           </a:p>
@@ -4602,7 +5687,7 @@
             <a:pPr algn="ctr"/>
             <a:r>
               <a:rPr lang="en-GB" sz="1200" dirty="0"/>
-              <a:t>User prompts for one value</a:t>
+              <a:t>Prompt for one value</a:t>
             </a:r>
             <a:endParaRPr lang="en-US" sz="1200" dirty="0"/>
           </a:p>
@@ -4655,7 +5740,7 @@
             <a:pPr algn="ctr"/>
             <a:r>
               <a:rPr lang="en-GB" sz="1200" dirty="0"/>
-              <a:t>User prompts for value range</a:t>
+              <a:t>Prompt for a value range</a:t>
             </a:r>
             <a:endParaRPr lang="en-US" sz="1200" dirty="0"/>
           </a:p>
@@ -4675,8 +5760,8 @@
         </p:nvSpPr>
         <p:spPr>
           <a:xfrm>
-            <a:off x="4509443" y="2489903"/>
-            <a:ext cx="1096300" cy="829682"/>
+            <a:off x="4514916" y="2493459"/>
+            <a:ext cx="1099669" cy="890708"/>
           </a:xfrm>
           <a:prstGeom prst="rect">
             <a:avLst/>
@@ -4708,7 +5793,7 @@
             <a:pPr algn="ctr"/>
             <a:r>
               <a:rPr lang="en-GB" sz="1200" dirty="0"/>
-              <a:t>Filter dataset by conditions prompted in Menu module</a:t>
+              <a:t>Filters the dataset by conditions provided from Menu module</a:t>
             </a:r>
             <a:endParaRPr lang="en-US" sz="1200" dirty="0"/>
           </a:p>
@@ -4729,7 +5814,7 @@
         <p:spPr>
           <a:xfrm>
             <a:off x="7099039" y="3056715"/>
-            <a:ext cx="1233565" cy="392386"/>
+            <a:ext cx="1307170" cy="392386"/>
           </a:xfrm>
           <a:prstGeom prst="rect">
             <a:avLst/>
@@ -4761,7 +5846,7 @@
             <a:pPr algn="ctr"/>
             <a:r>
               <a:rPr lang="en-GB" sz="1200" dirty="0"/>
-              <a:t>Filter dataset by one key</a:t>
+              <a:t>Filters the dataset by one key</a:t>
             </a:r>
             <a:endParaRPr lang="en-US" sz="1200" dirty="0"/>
           </a:p>
@@ -4782,7 +5867,7 @@
         <p:spPr>
           <a:xfrm>
             <a:off x="7154736" y="4183673"/>
-            <a:ext cx="1233565" cy="392386"/>
+            <a:ext cx="1307168" cy="392386"/>
           </a:xfrm>
           <a:prstGeom prst="rect">
             <a:avLst/>
@@ -4814,7 +5899,7 @@
             <a:pPr algn="ctr"/>
             <a:r>
               <a:rPr lang="en-US" sz="1200" dirty="0"/>
-              <a:t>Filter dataset by key range</a:t>
+              <a:t>Filters the dataset by a range</a:t>
             </a:r>
           </a:p>
         </p:txBody>
@@ -4889,7 +5974,7 @@
         <p:spPr>
           <a:xfrm>
             <a:off x="3452370" y="1223807"/>
-            <a:ext cx="2216136" cy="2136495"/>
+            <a:ext cx="2216136" cy="2541826"/>
           </a:xfrm>
           <a:prstGeom prst="rect">
             <a:avLst/>
@@ -4998,8 +6083,8 @@
         </p:nvSpPr>
         <p:spPr>
           <a:xfrm>
-            <a:off x="9077996" y="1257804"/>
-            <a:ext cx="2519002" cy="5522263"/>
+            <a:off x="9077996" y="1257805"/>
+            <a:ext cx="2519002" cy="2136496"/>
           </a:xfrm>
           <a:prstGeom prst="rect">
             <a:avLst/>
@@ -5987,734 +7072,6 @@
       </p:cxnSp>
       <p:cxnSp>
         <p:nvCxnSpPr>
-          <p:cNvPr id="74" name="Straight Connector 73">
-            <a:extLst>
-              <a:ext uri="{FF2B5EF4-FFF2-40B4-BE49-F238E27FC236}">
-                <a16:creationId xmlns:a16="http://schemas.microsoft.com/office/drawing/2014/main" id="{D05F1D6E-A7E2-270F-5C41-7EF5DE00A77A}"/>
-              </a:ext>
-            </a:extLst>
-          </p:cNvPr>
-          <p:cNvCxnSpPr>
-            <a:cxnSpLocks/>
-          </p:cNvCxnSpPr>
-          <p:nvPr/>
-        </p:nvCxnSpPr>
-        <p:spPr>
-          <a:xfrm>
-            <a:off x="9343393" y="1821804"/>
-            <a:ext cx="0" cy="4356000"/>
-          </a:xfrm>
-          <a:prstGeom prst="line">
-            <a:avLst/>
-          </a:prstGeom>
-          <a:ln w="12700">
-            <a:solidFill>
-              <a:schemeClr val="tx1"/>
-            </a:solidFill>
-          </a:ln>
-        </p:spPr>
-        <p:style>
-          <a:lnRef idx="1">
-            <a:schemeClr val="accent1"/>
-          </a:lnRef>
-          <a:fillRef idx="0">
-            <a:schemeClr val="accent1"/>
-          </a:fillRef>
-          <a:effectRef idx="0">
-            <a:schemeClr val="accent1"/>
-          </a:effectRef>
-          <a:fontRef idx="minor">
-            <a:schemeClr val="tx1"/>
-          </a:fontRef>
-        </p:style>
-      </p:cxnSp>
-      <p:cxnSp>
-        <p:nvCxnSpPr>
-          <p:cNvPr id="75" name="Straight Connector 74">
-            <a:extLst>
-              <a:ext uri="{FF2B5EF4-FFF2-40B4-BE49-F238E27FC236}">
-                <a16:creationId xmlns:a16="http://schemas.microsoft.com/office/drawing/2014/main" id="{4FC9EF2C-C611-89CF-5CA5-EE01528F06A2}"/>
-              </a:ext>
-            </a:extLst>
-          </p:cNvPr>
-          <p:cNvCxnSpPr>
-            <a:cxnSpLocks/>
-          </p:cNvCxnSpPr>
-          <p:nvPr/>
-        </p:nvCxnSpPr>
-        <p:spPr>
-          <a:xfrm>
-            <a:off x="9949332" y="2409137"/>
-            <a:ext cx="0" cy="321880"/>
-          </a:xfrm>
-          <a:prstGeom prst="line">
-            <a:avLst/>
-          </a:prstGeom>
-          <a:ln w="12700">
-            <a:solidFill>
-              <a:schemeClr val="tx1"/>
-            </a:solidFill>
-          </a:ln>
-        </p:spPr>
-        <p:style>
-          <a:lnRef idx="1">
-            <a:schemeClr val="accent1"/>
-          </a:lnRef>
-          <a:fillRef idx="0">
-            <a:schemeClr val="accent1"/>
-          </a:fillRef>
-          <a:effectRef idx="0">
-            <a:schemeClr val="accent1"/>
-          </a:effectRef>
-          <a:fontRef idx="minor">
-            <a:schemeClr val="tx1"/>
-          </a:fontRef>
-        </p:style>
-      </p:cxnSp>
-      <p:cxnSp>
-        <p:nvCxnSpPr>
-          <p:cNvPr id="76" name="Straight Connector 75">
-            <a:extLst>
-              <a:ext uri="{FF2B5EF4-FFF2-40B4-BE49-F238E27FC236}">
-                <a16:creationId xmlns:a16="http://schemas.microsoft.com/office/drawing/2014/main" id="{B3CDB687-0419-214F-72B8-828304FA8A5A}"/>
-              </a:ext>
-            </a:extLst>
-          </p:cNvPr>
-          <p:cNvCxnSpPr>
-            <a:cxnSpLocks/>
-          </p:cNvCxnSpPr>
-          <p:nvPr/>
-        </p:nvCxnSpPr>
-        <p:spPr>
-          <a:xfrm>
-            <a:off x="9340890" y="3360302"/>
-            <a:ext cx="286155" cy="0"/>
-          </a:xfrm>
-          <a:prstGeom prst="line">
-            <a:avLst/>
-          </a:prstGeom>
-          <a:ln w="12700">
-            <a:solidFill>
-              <a:schemeClr val="tx1"/>
-            </a:solidFill>
-          </a:ln>
-        </p:spPr>
-        <p:style>
-          <a:lnRef idx="1">
-            <a:schemeClr val="accent1"/>
-          </a:lnRef>
-          <a:fillRef idx="0">
-            <a:schemeClr val="accent1"/>
-          </a:fillRef>
-          <a:effectRef idx="0">
-            <a:schemeClr val="accent1"/>
-          </a:effectRef>
-          <a:fontRef idx="minor">
-            <a:schemeClr val="tx1"/>
-          </a:fontRef>
-        </p:style>
-      </p:cxnSp>
-      <p:cxnSp>
-        <p:nvCxnSpPr>
-          <p:cNvPr id="77" name="Straight Connector 76">
-            <a:extLst>
-              <a:ext uri="{FF2B5EF4-FFF2-40B4-BE49-F238E27FC236}">
-                <a16:creationId xmlns:a16="http://schemas.microsoft.com/office/drawing/2014/main" id="{2C979B31-2612-33B7-3F13-E013FD518BD7}"/>
-              </a:ext>
-            </a:extLst>
-          </p:cNvPr>
-          <p:cNvCxnSpPr>
-            <a:cxnSpLocks/>
-          </p:cNvCxnSpPr>
-          <p:nvPr/>
-        </p:nvCxnSpPr>
-        <p:spPr>
-          <a:xfrm>
-            <a:off x="9369772" y="4243439"/>
-            <a:ext cx="286155" cy="0"/>
-          </a:xfrm>
-          <a:prstGeom prst="line">
-            <a:avLst/>
-          </a:prstGeom>
-          <a:ln w="12700">
-            <a:solidFill>
-              <a:schemeClr val="tx1"/>
-            </a:solidFill>
-          </a:ln>
-        </p:spPr>
-        <p:style>
-          <a:lnRef idx="1">
-            <a:schemeClr val="accent1"/>
-          </a:lnRef>
-          <a:fillRef idx="0">
-            <a:schemeClr val="accent1"/>
-          </a:fillRef>
-          <a:effectRef idx="0">
-            <a:schemeClr val="accent1"/>
-          </a:effectRef>
-          <a:fontRef idx="minor">
-            <a:schemeClr val="tx1"/>
-          </a:fontRef>
-        </p:style>
-      </p:cxnSp>
-      <p:cxnSp>
-        <p:nvCxnSpPr>
-          <p:cNvPr id="78" name="Straight Connector 77">
-            <a:extLst>
-              <a:ext uri="{FF2B5EF4-FFF2-40B4-BE49-F238E27FC236}">
-                <a16:creationId xmlns:a16="http://schemas.microsoft.com/office/drawing/2014/main" id="{45BB57D0-710F-71CB-3950-186D89C44C78}"/>
-              </a:ext>
-            </a:extLst>
-          </p:cNvPr>
-          <p:cNvCxnSpPr>
-            <a:cxnSpLocks/>
-          </p:cNvCxnSpPr>
-          <p:nvPr/>
-        </p:nvCxnSpPr>
-        <p:spPr>
-          <a:xfrm>
-            <a:off x="9949332" y="2731017"/>
-            <a:ext cx="286155" cy="0"/>
-          </a:xfrm>
-          <a:prstGeom prst="line">
-            <a:avLst/>
-          </a:prstGeom>
-          <a:ln w="12700">
-            <a:solidFill>
-              <a:schemeClr val="tx1"/>
-            </a:solidFill>
-          </a:ln>
-        </p:spPr>
-        <p:style>
-          <a:lnRef idx="1">
-            <a:schemeClr val="accent1"/>
-          </a:lnRef>
-          <a:fillRef idx="0">
-            <a:schemeClr val="accent1"/>
-          </a:fillRef>
-          <a:effectRef idx="0">
-            <a:schemeClr val="accent1"/>
-          </a:effectRef>
-          <a:fontRef idx="minor">
-            <a:schemeClr val="tx1"/>
-          </a:fontRef>
-        </p:style>
-      </p:cxnSp>
-      <p:cxnSp>
-        <p:nvCxnSpPr>
-          <p:cNvPr id="79" name="Straight Connector 78">
-            <a:extLst>
-              <a:ext uri="{FF2B5EF4-FFF2-40B4-BE49-F238E27FC236}">
-                <a16:creationId xmlns:a16="http://schemas.microsoft.com/office/drawing/2014/main" id="{579152B3-7385-9F1D-EF5F-8AC894D3ADF9}"/>
-              </a:ext>
-            </a:extLst>
-          </p:cNvPr>
-          <p:cNvCxnSpPr>
-            <a:cxnSpLocks/>
-          </p:cNvCxnSpPr>
-          <p:nvPr/>
-        </p:nvCxnSpPr>
-        <p:spPr>
-          <a:xfrm>
-            <a:off x="9949332" y="3564427"/>
-            <a:ext cx="0" cy="321880"/>
-          </a:xfrm>
-          <a:prstGeom prst="line">
-            <a:avLst/>
-          </a:prstGeom>
-          <a:ln w="12700">
-            <a:solidFill>
-              <a:schemeClr val="tx1"/>
-            </a:solidFill>
-          </a:ln>
-        </p:spPr>
-        <p:style>
-          <a:lnRef idx="1">
-            <a:schemeClr val="accent1"/>
-          </a:lnRef>
-          <a:fillRef idx="0">
-            <a:schemeClr val="accent1"/>
-          </a:fillRef>
-          <a:effectRef idx="0">
-            <a:schemeClr val="accent1"/>
-          </a:effectRef>
-          <a:fontRef idx="minor">
-            <a:schemeClr val="tx1"/>
-          </a:fontRef>
-        </p:style>
-      </p:cxnSp>
-      <p:cxnSp>
-        <p:nvCxnSpPr>
-          <p:cNvPr id="80" name="Straight Connector 79">
-            <a:extLst>
-              <a:ext uri="{FF2B5EF4-FFF2-40B4-BE49-F238E27FC236}">
-                <a16:creationId xmlns:a16="http://schemas.microsoft.com/office/drawing/2014/main" id="{93127509-344D-55A5-76C1-90EE205E1216}"/>
-              </a:ext>
-            </a:extLst>
-          </p:cNvPr>
-          <p:cNvCxnSpPr>
-            <a:cxnSpLocks/>
-          </p:cNvCxnSpPr>
-          <p:nvPr/>
-        </p:nvCxnSpPr>
-        <p:spPr>
-          <a:xfrm>
-            <a:off x="9949332" y="3886307"/>
-            <a:ext cx="286155" cy="0"/>
-          </a:xfrm>
-          <a:prstGeom prst="line">
-            <a:avLst/>
-          </a:prstGeom>
-          <a:ln w="12700">
-            <a:solidFill>
-              <a:schemeClr val="tx1"/>
-            </a:solidFill>
-          </a:ln>
-        </p:spPr>
-        <p:style>
-          <a:lnRef idx="1">
-            <a:schemeClr val="accent1"/>
-          </a:lnRef>
-          <a:fillRef idx="0">
-            <a:schemeClr val="accent1"/>
-          </a:fillRef>
-          <a:effectRef idx="0">
-            <a:schemeClr val="accent1"/>
-          </a:effectRef>
-          <a:fontRef idx="minor">
-            <a:schemeClr val="tx1"/>
-          </a:fontRef>
-        </p:style>
-      </p:cxnSp>
-      <p:cxnSp>
-        <p:nvCxnSpPr>
-          <p:cNvPr id="81" name="Straight Connector 80">
-            <a:extLst>
-              <a:ext uri="{FF2B5EF4-FFF2-40B4-BE49-F238E27FC236}">
-                <a16:creationId xmlns:a16="http://schemas.microsoft.com/office/drawing/2014/main" id="{CAAB620C-3E37-A9CB-2216-B1F643A6C019}"/>
-              </a:ext>
-            </a:extLst>
-          </p:cNvPr>
-          <p:cNvCxnSpPr>
-            <a:cxnSpLocks/>
-          </p:cNvCxnSpPr>
-          <p:nvPr/>
-        </p:nvCxnSpPr>
-        <p:spPr>
-          <a:xfrm>
-            <a:off x="9967755" y="4488956"/>
-            <a:ext cx="0" cy="321880"/>
-          </a:xfrm>
-          <a:prstGeom prst="line">
-            <a:avLst/>
-          </a:prstGeom>
-          <a:ln w="12700">
-            <a:solidFill>
-              <a:schemeClr val="tx1"/>
-            </a:solidFill>
-          </a:ln>
-        </p:spPr>
-        <p:style>
-          <a:lnRef idx="1">
-            <a:schemeClr val="accent1"/>
-          </a:lnRef>
-          <a:fillRef idx="0">
-            <a:schemeClr val="accent1"/>
-          </a:fillRef>
-          <a:effectRef idx="0">
-            <a:schemeClr val="accent1"/>
-          </a:effectRef>
-          <a:fontRef idx="minor">
-            <a:schemeClr val="tx1"/>
-          </a:fontRef>
-        </p:style>
-      </p:cxnSp>
-      <p:cxnSp>
-        <p:nvCxnSpPr>
-          <p:cNvPr id="82" name="Straight Connector 81">
-            <a:extLst>
-              <a:ext uri="{FF2B5EF4-FFF2-40B4-BE49-F238E27FC236}">
-                <a16:creationId xmlns:a16="http://schemas.microsoft.com/office/drawing/2014/main" id="{D77F81ED-2DFA-45E8-2754-77731205D2DA}"/>
-              </a:ext>
-            </a:extLst>
-          </p:cNvPr>
-          <p:cNvCxnSpPr>
-            <a:cxnSpLocks/>
-          </p:cNvCxnSpPr>
-          <p:nvPr/>
-        </p:nvCxnSpPr>
-        <p:spPr>
-          <a:xfrm>
-            <a:off x="9967755" y="4810836"/>
-            <a:ext cx="286155" cy="0"/>
-          </a:xfrm>
-          <a:prstGeom prst="line">
-            <a:avLst/>
-          </a:prstGeom>
-          <a:ln w="12700">
-            <a:solidFill>
-              <a:schemeClr val="tx1"/>
-            </a:solidFill>
-          </a:ln>
-        </p:spPr>
-        <p:style>
-          <a:lnRef idx="1">
-            <a:schemeClr val="accent1"/>
-          </a:lnRef>
-          <a:fillRef idx="0">
-            <a:schemeClr val="accent1"/>
-          </a:fillRef>
-          <a:effectRef idx="0">
-            <a:schemeClr val="accent1"/>
-          </a:effectRef>
-          <a:fontRef idx="minor">
-            <a:schemeClr val="tx1"/>
-          </a:fontRef>
-        </p:style>
-      </p:cxnSp>
-      <p:cxnSp>
-        <p:nvCxnSpPr>
-          <p:cNvPr id="83" name="Straight Connector 82">
-            <a:extLst>
-              <a:ext uri="{FF2B5EF4-FFF2-40B4-BE49-F238E27FC236}">
-                <a16:creationId xmlns:a16="http://schemas.microsoft.com/office/drawing/2014/main" id="{4AF444CE-AAA3-A7A2-C212-77C4D6AC7C96}"/>
-              </a:ext>
-            </a:extLst>
-          </p:cNvPr>
-          <p:cNvCxnSpPr>
-            <a:cxnSpLocks/>
-          </p:cNvCxnSpPr>
-          <p:nvPr/>
-        </p:nvCxnSpPr>
-        <p:spPr>
-          <a:xfrm>
-            <a:off x="9967755" y="5422377"/>
-            <a:ext cx="0" cy="321880"/>
-          </a:xfrm>
-          <a:prstGeom prst="line">
-            <a:avLst/>
-          </a:prstGeom>
-          <a:ln w="12700">
-            <a:solidFill>
-              <a:schemeClr val="tx1"/>
-            </a:solidFill>
-          </a:ln>
-        </p:spPr>
-        <p:style>
-          <a:lnRef idx="1">
-            <a:schemeClr val="accent1"/>
-          </a:lnRef>
-          <a:fillRef idx="0">
-            <a:schemeClr val="accent1"/>
-          </a:fillRef>
-          <a:effectRef idx="0">
-            <a:schemeClr val="accent1"/>
-          </a:effectRef>
-          <a:fontRef idx="minor">
-            <a:schemeClr val="tx1"/>
-          </a:fontRef>
-        </p:style>
-      </p:cxnSp>
-      <p:cxnSp>
-        <p:nvCxnSpPr>
-          <p:cNvPr id="84" name="Straight Connector 83">
-            <a:extLst>
-              <a:ext uri="{FF2B5EF4-FFF2-40B4-BE49-F238E27FC236}">
-                <a16:creationId xmlns:a16="http://schemas.microsoft.com/office/drawing/2014/main" id="{BF056AA4-70DC-A9C2-68D8-509D487A38D0}"/>
-              </a:ext>
-            </a:extLst>
-          </p:cNvPr>
-          <p:cNvCxnSpPr>
-            <a:cxnSpLocks/>
-          </p:cNvCxnSpPr>
-          <p:nvPr/>
-        </p:nvCxnSpPr>
-        <p:spPr>
-          <a:xfrm>
-            <a:off x="9967754" y="5750435"/>
-            <a:ext cx="286155" cy="0"/>
-          </a:xfrm>
-          <a:prstGeom prst="line">
-            <a:avLst/>
-          </a:prstGeom>
-          <a:ln w="12700">
-            <a:solidFill>
-              <a:schemeClr val="tx1"/>
-            </a:solidFill>
-          </a:ln>
-        </p:spPr>
-        <p:style>
-          <a:lnRef idx="1">
-            <a:schemeClr val="accent1"/>
-          </a:lnRef>
-          <a:fillRef idx="0">
-            <a:schemeClr val="accent1"/>
-          </a:fillRef>
-          <a:effectRef idx="0">
-            <a:schemeClr val="accent1"/>
-          </a:effectRef>
-          <a:fontRef idx="minor">
-            <a:schemeClr val="tx1"/>
-          </a:fontRef>
-        </p:style>
-      </p:cxnSp>
-      <p:cxnSp>
-        <p:nvCxnSpPr>
-          <p:cNvPr id="85" name="Straight Connector 84">
-            <a:extLst>
-              <a:ext uri="{FF2B5EF4-FFF2-40B4-BE49-F238E27FC236}">
-                <a16:creationId xmlns:a16="http://schemas.microsoft.com/office/drawing/2014/main" id="{260D6A45-5101-0427-1ED6-C5F7909BE2CF}"/>
-              </a:ext>
-            </a:extLst>
-          </p:cNvPr>
-          <p:cNvCxnSpPr>
-            <a:cxnSpLocks/>
-          </p:cNvCxnSpPr>
-          <p:nvPr/>
-        </p:nvCxnSpPr>
-        <p:spPr>
-          <a:xfrm>
-            <a:off x="9338914" y="2210082"/>
-            <a:ext cx="286155" cy="0"/>
-          </a:xfrm>
-          <a:prstGeom prst="line">
-            <a:avLst/>
-          </a:prstGeom>
-          <a:ln w="12700">
-            <a:solidFill>
-              <a:schemeClr val="tx1"/>
-            </a:solidFill>
-          </a:ln>
-        </p:spPr>
-        <p:style>
-          <a:lnRef idx="1">
-            <a:schemeClr val="accent1"/>
-          </a:lnRef>
-          <a:fillRef idx="0">
-            <a:schemeClr val="accent1"/>
-          </a:fillRef>
-          <a:effectRef idx="0">
-            <a:schemeClr val="accent1"/>
-          </a:effectRef>
-          <a:fontRef idx="minor">
-            <a:schemeClr val="tx1"/>
-          </a:fontRef>
-        </p:style>
-      </p:cxnSp>
-      <p:sp>
-        <p:nvSpPr>
-          <p:cNvPr id="87" name="Rectangle 86">
-            <a:extLst>
-              <a:ext uri="{FF2B5EF4-FFF2-40B4-BE49-F238E27FC236}">
-                <a16:creationId xmlns:a16="http://schemas.microsoft.com/office/drawing/2014/main" id="{F8564B36-ABDA-4F3F-28B9-BEB735B3E158}"/>
-              </a:ext>
-            </a:extLst>
-          </p:cNvPr>
-          <p:cNvSpPr/>
-          <p:nvPr/>
-        </p:nvSpPr>
-        <p:spPr>
-          <a:xfrm>
-            <a:off x="10240852" y="2496515"/>
-            <a:ext cx="1233565" cy="507951"/>
-          </a:xfrm>
-          <a:prstGeom prst="rect">
-            <a:avLst/>
-          </a:prstGeom>
-          <a:ln>
-            <a:solidFill>
-              <a:schemeClr val="accent1"/>
-            </a:solidFill>
-          </a:ln>
-        </p:spPr>
-        <p:style>
-          <a:lnRef idx="2">
-            <a:schemeClr val="dk1"/>
-          </a:lnRef>
-          <a:fillRef idx="1">
-            <a:schemeClr val="lt1"/>
-          </a:fillRef>
-          <a:effectRef idx="0">
-            <a:schemeClr val="dk1"/>
-          </a:effectRef>
-          <a:fontRef idx="minor">
-            <a:schemeClr val="dk1"/>
-          </a:fontRef>
-        </p:style>
-        <p:txBody>
-          <a:bodyPr rtlCol="0" anchor="ctr"/>
-          <a:lstStyle/>
-          <a:p>
-            <a:pPr algn="ctr"/>
-            <a:r>
-              <a:rPr lang="en-GB" sz="1200" dirty="0"/>
-              <a:t>Main function calling other functions </a:t>
-            </a:r>
-            <a:endParaRPr lang="en-US" sz="1200" dirty="0"/>
-          </a:p>
-        </p:txBody>
-      </p:sp>
-      <p:sp>
-        <p:nvSpPr>
-          <p:cNvPr id="88" name="Rectangle 87">
-            <a:extLst>
-              <a:ext uri="{FF2B5EF4-FFF2-40B4-BE49-F238E27FC236}">
-                <a16:creationId xmlns:a16="http://schemas.microsoft.com/office/drawing/2014/main" id="{85CBA6EE-2D3A-A0D0-822E-10E3DB3C3458}"/>
-              </a:ext>
-            </a:extLst>
-          </p:cNvPr>
-          <p:cNvSpPr/>
-          <p:nvPr/>
-        </p:nvSpPr>
-        <p:spPr>
-          <a:xfrm>
-            <a:off x="10221250" y="3606575"/>
-            <a:ext cx="1233565" cy="392386"/>
-          </a:xfrm>
-          <a:prstGeom prst="rect">
-            <a:avLst/>
-          </a:prstGeom>
-          <a:ln>
-            <a:solidFill>
-              <a:schemeClr val="accent1"/>
-            </a:solidFill>
-          </a:ln>
-        </p:spPr>
-        <p:style>
-          <a:lnRef idx="2">
-            <a:schemeClr val="dk1"/>
-          </a:lnRef>
-          <a:fillRef idx="1">
-            <a:schemeClr val="lt1"/>
-          </a:fillRef>
-          <a:effectRef idx="0">
-            <a:schemeClr val="dk1"/>
-          </a:effectRef>
-          <a:fontRef idx="minor">
-            <a:schemeClr val="dk1"/>
-          </a:fontRef>
-        </p:style>
-        <p:txBody>
-          <a:bodyPr rtlCol="0" anchor="ctr"/>
-          <a:lstStyle/>
-          <a:p>
-            <a:pPr algn="ctr"/>
-            <a:r>
-              <a:rPr lang="en-GB" sz="1200" dirty="0"/>
-              <a:t>Group by two features</a:t>
-            </a:r>
-            <a:endParaRPr lang="en-US" sz="1200" dirty="0"/>
-          </a:p>
-        </p:txBody>
-      </p:sp>
-      <p:sp>
-        <p:nvSpPr>
-          <p:cNvPr id="89" name="Rectangle 88">
-            <a:extLst>
-              <a:ext uri="{FF2B5EF4-FFF2-40B4-BE49-F238E27FC236}">
-                <a16:creationId xmlns:a16="http://schemas.microsoft.com/office/drawing/2014/main" id="{5E3674EB-45FC-D668-1AB1-DAF803BBB5DB}"/>
-              </a:ext>
-            </a:extLst>
-          </p:cNvPr>
-          <p:cNvSpPr/>
-          <p:nvPr/>
-        </p:nvSpPr>
-        <p:spPr>
-          <a:xfrm>
-            <a:off x="10229683" y="4532538"/>
-            <a:ext cx="1233565" cy="392386"/>
-          </a:xfrm>
-          <a:prstGeom prst="rect">
-            <a:avLst/>
-          </a:prstGeom>
-          <a:ln>
-            <a:solidFill>
-              <a:schemeClr val="accent1"/>
-            </a:solidFill>
-          </a:ln>
-        </p:spPr>
-        <p:style>
-          <a:lnRef idx="2">
-            <a:schemeClr val="dk1"/>
-          </a:lnRef>
-          <a:fillRef idx="1">
-            <a:schemeClr val="lt1"/>
-          </a:fillRef>
-          <a:effectRef idx="0">
-            <a:schemeClr val="dk1"/>
-          </a:effectRef>
-          <a:fontRef idx="minor">
-            <a:schemeClr val="dk1"/>
-          </a:fontRef>
-        </p:style>
-        <p:txBody>
-          <a:bodyPr rtlCol="0" anchor="ctr"/>
-          <a:lstStyle/>
-          <a:p>
-            <a:pPr algn="ctr"/>
-            <a:r>
-              <a:rPr lang="en-GB" sz="1200" dirty="0"/>
-              <a:t>Group by one features</a:t>
-            </a:r>
-            <a:endParaRPr lang="en-US" sz="1200" dirty="0"/>
-          </a:p>
-        </p:txBody>
-      </p:sp>
-      <p:sp>
-        <p:nvSpPr>
-          <p:cNvPr id="90" name="Rectangle 89">
-            <a:extLst>
-              <a:ext uri="{FF2B5EF4-FFF2-40B4-BE49-F238E27FC236}">
-                <a16:creationId xmlns:a16="http://schemas.microsoft.com/office/drawing/2014/main" id="{E5CC1828-FDA4-1FA7-FB82-7A534B26203B}"/>
-              </a:ext>
-            </a:extLst>
-          </p:cNvPr>
-          <p:cNvSpPr/>
-          <p:nvPr/>
-        </p:nvSpPr>
-        <p:spPr>
-          <a:xfrm>
-            <a:off x="10261487" y="5461769"/>
-            <a:ext cx="1233565" cy="392386"/>
-          </a:xfrm>
-          <a:prstGeom prst="rect">
-            <a:avLst/>
-          </a:prstGeom>
-          <a:ln>
-            <a:solidFill>
-              <a:schemeClr val="accent1"/>
-            </a:solidFill>
-          </a:ln>
-        </p:spPr>
-        <p:style>
-          <a:lnRef idx="2">
-            <a:schemeClr val="dk1"/>
-          </a:lnRef>
-          <a:fillRef idx="1">
-            <a:schemeClr val="lt1"/>
-          </a:fillRef>
-          <a:effectRef idx="0">
-            <a:schemeClr val="dk1"/>
-          </a:effectRef>
-          <a:fontRef idx="minor">
-            <a:schemeClr val="dk1"/>
-          </a:fontRef>
-        </p:style>
-        <p:txBody>
-          <a:bodyPr rtlCol="0" anchor="ctr"/>
-          <a:lstStyle/>
-          <a:p>
-            <a:pPr algn="ctr"/>
-            <a:r>
-              <a:rPr lang="en-GB" sz="1200" dirty="0"/>
-              <a:t>Count devices by feature and year </a:t>
-            </a:r>
-            <a:endParaRPr lang="en-US" sz="1200" dirty="0"/>
-          </a:p>
-        </p:txBody>
-      </p:sp>
-      <p:cxnSp>
-        <p:nvCxnSpPr>
           <p:cNvPr id="95" name="Connector: Elbow 94">
             <a:extLst>
               <a:ext uri="{FF2B5EF4-FFF2-40B4-BE49-F238E27FC236}">
@@ -6895,10 +7252,10 @@
       </p:cxnSp>
       <p:sp>
         <p:nvSpPr>
-          <p:cNvPr id="106" name="Rectangle: Rounded Corners 105">
-            <a:extLst>
-              <a:ext uri="{FF2B5EF4-FFF2-40B4-BE49-F238E27FC236}">
-                <a16:creationId xmlns:a16="http://schemas.microsoft.com/office/drawing/2014/main" id="{E4EAF0A8-4321-FDA8-D244-63AE91A0F821}"/>
+          <p:cNvPr id="4" name="Rectangle: Rounded Corners 3">
+            <a:extLst>
+              <a:ext uri="{FF2B5EF4-FFF2-40B4-BE49-F238E27FC236}">
+                <a16:creationId xmlns:a16="http://schemas.microsoft.com/office/drawing/2014/main" id="{E84F1F57-B490-5C11-B9D5-E5032BC33CED}"/>
               </a:ext>
             </a:extLst>
           </p:cNvPr>
@@ -6907,8 +7264,8 @@
         </p:nvSpPr>
         <p:spPr>
           <a:xfrm>
-            <a:off x="9660793" y="5901617"/>
-            <a:ext cx="1153624" cy="432002"/>
+            <a:off x="9709596" y="1996875"/>
+            <a:ext cx="1461612" cy="432002"/>
           </a:xfrm>
           <a:prstGeom prst="roundRect">
             <a:avLst/>
@@ -6936,18 +7293,14 @@
             <a:pPr algn="ctr"/>
             <a:r>
               <a:rPr lang="en-GB" sz="1200" dirty="0"/>
-              <a:t>Function</a:t>
+              <a:t>9 functions:</a:t>
             </a:r>
           </a:p>
           <a:p>
             <a:pPr algn="ctr"/>
             <a:r>
-              <a:rPr lang="en-GB" sz="1200" dirty="0" err="1"/>
-              <a:t>top_features</a:t>
-            </a:r>
-            <a:r>
               <a:rPr lang="en-GB" sz="1200" dirty="0"/>
-              <a:t>()</a:t>
+              <a:t>See the next chart</a:t>
             </a:r>
             <a:endParaRPr lang="en-US" sz="1200" dirty="0">
               <a:solidFill>
@@ -6959,10 +7312,10 @@
       </p:sp>
       <p:cxnSp>
         <p:nvCxnSpPr>
-          <p:cNvPr id="107" name="Straight Connector 106">
-            <a:extLst>
-              <a:ext uri="{FF2B5EF4-FFF2-40B4-BE49-F238E27FC236}">
-                <a16:creationId xmlns:a16="http://schemas.microsoft.com/office/drawing/2014/main" id="{4FE541FF-3701-9FA3-57FC-3EB5277E9EA1}"/>
+          <p:cNvPr id="10" name="Straight Connector 9">
+            <a:extLst>
+              <a:ext uri="{FF2B5EF4-FFF2-40B4-BE49-F238E27FC236}">
+                <a16:creationId xmlns:a16="http://schemas.microsoft.com/office/drawing/2014/main" id="{5496D0A4-02AA-4FB2-625B-FEBC73A3FA79}"/>
               </a:ext>
             </a:extLst>
           </p:cNvPr>
@@ -6973,8 +7326,8 @@
         </p:nvCxnSpPr>
         <p:spPr>
           <a:xfrm>
-            <a:off x="9975332" y="6573634"/>
-            <a:ext cx="286155" cy="0"/>
+            <a:off x="9408372" y="1821935"/>
+            <a:ext cx="0" cy="533524"/>
           </a:xfrm>
           <a:prstGeom prst="line">
             <a:avLst/>
@@ -7002,10 +7355,10 @@
       </p:cxnSp>
       <p:cxnSp>
         <p:nvCxnSpPr>
-          <p:cNvPr id="108" name="Straight Connector 107">
-            <a:extLst>
-              <a:ext uri="{FF2B5EF4-FFF2-40B4-BE49-F238E27FC236}">
-                <a16:creationId xmlns:a16="http://schemas.microsoft.com/office/drawing/2014/main" id="{068230AB-9AD8-3724-868A-0B3C1A61E2D0}"/>
+          <p:cNvPr id="15" name="Straight Connector 14">
+            <a:extLst>
+              <a:ext uri="{FF2B5EF4-FFF2-40B4-BE49-F238E27FC236}">
+                <a16:creationId xmlns:a16="http://schemas.microsoft.com/office/drawing/2014/main" id="{D55CEA90-4E2D-E6B9-3B65-13098F2C233D}"/>
               </a:ext>
             </a:extLst>
           </p:cNvPr>
@@ -7016,7 +7369,7 @@
         </p:nvCxnSpPr>
         <p:spPr>
           <a:xfrm>
-            <a:off x="9338913" y="6177804"/>
+            <a:off x="9403893" y="2210213"/>
             <a:ext cx="286155" cy="0"/>
           </a:xfrm>
           <a:prstGeom prst="line">
@@ -7043,12 +7396,56 @@
           </a:fontRef>
         </p:style>
       </p:cxnSp>
-      <p:sp>
-        <p:nvSpPr>
-          <p:cNvPr id="109" name="Rectangle 108">
-            <a:extLst>
-              <a:ext uri="{FF2B5EF4-FFF2-40B4-BE49-F238E27FC236}">
-                <a16:creationId xmlns:a16="http://schemas.microsoft.com/office/drawing/2014/main" id="{2D4323F5-D160-E580-5B3E-C87996603365}"/>
+      <p:cxnSp>
+        <p:nvCxnSpPr>
+          <p:cNvPr id="34" name="Straight Connector 33">
+            <a:extLst>
+              <a:ext uri="{FF2B5EF4-FFF2-40B4-BE49-F238E27FC236}">
+                <a16:creationId xmlns:a16="http://schemas.microsoft.com/office/drawing/2014/main" id="{102E0E3D-37D2-1EF7-39C6-1567CA8D8288}"/>
+              </a:ext>
+            </a:extLst>
+          </p:cNvPr>
+          <p:cNvCxnSpPr>
+            <a:cxnSpLocks/>
+          </p:cNvCxnSpPr>
+          <p:nvPr/>
+        </p:nvCxnSpPr>
+        <p:spPr>
+          <a:xfrm>
+            <a:off x="9403893" y="2779556"/>
+            <a:ext cx="0" cy="533524"/>
+          </a:xfrm>
+          <a:prstGeom prst="line">
+            <a:avLst/>
+          </a:prstGeom>
+          <a:ln w="12700">
+            <a:solidFill>
+              <a:schemeClr val="tx1"/>
+            </a:solidFill>
+            <a:prstDash val="dashDot"/>
+          </a:ln>
+        </p:spPr>
+        <p:style>
+          <a:lnRef idx="1">
+            <a:schemeClr val="accent1"/>
+          </a:lnRef>
+          <a:fillRef idx="0">
+            <a:schemeClr val="accent1"/>
+          </a:fillRef>
+          <a:effectRef idx="0">
+            <a:schemeClr val="accent1"/>
+          </a:effectRef>
+          <a:fontRef idx="minor">
+            <a:schemeClr val="tx1"/>
+          </a:fontRef>
+        </p:style>
+      </p:cxnSp>
+      <p:sp>
+        <p:nvSpPr>
+          <p:cNvPr id="41" name="Rectangle 40">
+            <a:extLst>
+              <a:ext uri="{FF2B5EF4-FFF2-40B4-BE49-F238E27FC236}">
+                <a16:creationId xmlns:a16="http://schemas.microsoft.com/office/drawing/2014/main" id="{A59139E2-D933-6216-A475-D954A7FF9071}"/>
               </a:ext>
             </a:extLst>
           </p:cNvPr>
@@ -7057,8 +7454,8 @@
         </p:nvSpPr>
         <p:spPr>
           <a:xfrm>
-            <a:off x="10261487" y="6377441"/>
-            <a:ext cx="1233565" cy="392386"/>
+            <a:off x="10276434" y="2610342"/>
+            <a:ext cx="1233565" cy="557601"/>
           </a:xfrm>
           <a:prstGeom prst="rect">
             <a:avLst/>
@@ -7090,7 +7487,7 @@
             <a:pPr algn="ctr"/>
             <a:r>
               <a:rPr lang="en-GB" sz="1200" dirty="0"/>
-              <a:t>Find top list by feature</a:t>
+              <a:t>Aggregates and visualises the dataset </a:t>
             </a:r>
             <a:endParaRPr lang="en-US" sz="1200" dirty="0"/>
           </a:p>
@@ -7098,10 +7495,10 @@
       </p:sp>
       <p:cxnSp>
         <p:nvCxnSpPr>
-          <p:cNvPr id="110" name="Straight Connector 109">
-            <a:extLst>
-              <a:ext uri="{FF2B5EF4-FFF2-40B4-BE49-F238E27FC236}">
-                <a16:creationId xmlns:a16="http://schemas.microsoft.com/office/drawing/2014/main" id="{8630145C-DE18-88F8-ECD5-3AD59DC56671}"/>
+          <p:cNvPr id="42" name="Straight Connector 41">
+            <a:extLst>
+              <a:ext uri="{FF2B5EF4-FFF2-40B4-BE49-F238E27FC236}">
+                <a16:creationId xmlns:a16="http://schemas.microsoft.com/office/drawing/2014/main" id="{1EBE470B-839A-F29D-9B7D-02023EF59711}"/>
               </a:ext>
             </a:extLst>
           </p:cNvPr>
@@ -7112,8 +7509,8 @@
         </p:nvCxnSpPr>
         <p:spPr>
           <a:xfrm>
-            <a:off x="9348609" y="5206376"/>
-            <a:ext cx="286155" cy="0"/>
+            <a:off x="9925937" y="2465522"/>
+            <a:ext cx="0" cy="321880"/>
           </a:xfrm>
           <a:prstGeom prst="line">
             <a:avLst/>
@@ -7141,10 +7538,10 @@
       </p:cxnSp>
       <p:cxnSp>
         <p:nvCxnSpPr>
-          <p:cNvPr id="111" name="Straight Connector 110">
-            <a:extLst>
-              <a:ext uri="{FF2B5EF4-FFF2-40B4-BE49-F238E27FC236}">
-                <a16:creationId xmlns:a16="http://schemas.microsoft.com/office/drawing/2014/main" id="{CC774DCE-3D48-BEE8-24C1-59A7DB64C22D}"/>
+          <p:cNvPr id="43" name="Straight Connector 42">
+            <a:extLst>
+              <a:ext uri="{FF2B5EF4-FFF2-40B4-BE49-F238E27FC236}">
+                <a16:creationId xmlns:a16="http://schemas.microsoft.com/office/drawing/2014/main" id="{4A424F24-9FC3-D19E-F06E-83EB267DA448}"/>
               </a:ext>
             </a:extLst>
           </p:cNvPr>
@@ -7155,8 +7552,8 @@
         </p:nvCxnSpPr>
         <p:spPr>
           <a:xfrm>
-            <a:off x="9944173" y="6357858"/>
-            <a:ext cx="0" cy="216000"/>
+            <a:off x="9925937" y="2787402"/>
+            <a:ext cx="286155" cy="0"/>
           </a:xfrm>
           <a:prstGeom prst="line">
             <a:avLst/>
@@ -7182,6 +7579,2581 @@
           </a:fontRef>
         </p:style>
       </p:cxnSp>
+    </p:spTree>
+    <p:extLst>
+      <p:ext uri="{BB962C8B-B14F-4D97-AF65-F5344CB8AC3E}">
+        <p14:creationId xmlns:p14="http://schemas.microsoft.com/office/powerpoint/2010/main" val="1314853209"/>
+      </p:ext>
+    </p:extLst>
+  </p:cSld>
+  <p:clrMapOvr>
+    <a:masterClrMapping/>
+  </p:clrMapOvr>
+</p:sld>
+</file>
+
+<file path=ppt/slides/slide2.xml><?xml version="1.0" encoding="utf-8"?>
+<p:sld xmlns:a="http://schemas.openxmlformats.org/drawingml/2006/main" xmlns:r="http://schemas.openxmlformats.org/officeDocument/2006/relationships" xmlns:p="http://schemas.openxmlformats.org/presentationml/2006/main">
+  <p:cSld>
+    <p:spTree>
+      <p:nvGrpSpPr>
+        <p:cNvPr id="1" name=""/>
+        <p:cNvGrpSpPr/>
+        <p:nvPr/>
+      </p:nvGrpSpPr>
+      <p:grpSpPr>
+        <a:xfrm>
+          <a:off x="0" y="0"/>
+          <a:ext cx="0" cy="0"/>
+          <a:chOff x="0" y="0"/>
+          <a:chExt cx="0" cy="0"/>
+        </a:xfrm>
+      </p:grpSpPr>
+      <p:sp>
+        <p:nvSpPr>
+          <p:cNvPr id="31" name="Rectangle: Rounded Corners 30">
+            <a:extLst>
+              <a:ext uri="{FF2B5EF4-FFF2-40B4-BE49-F238E27FC236}">
+                <a16:creationId xmlns:a16="http://schemas.microsoft.com/office/drawing/2014/main" id="{855EB15A-702E-CEAF-5724-0EFA2249A6A2}"/>
+              </a:ext>
+            </a:extLst>
+          </p:cNvPr>
+          <p:cNvSpPr/>
+          <p:nvPr/>
+        </p:nvSpPr>
+        <p:spPr>
+          <a:xfrm>
+            <a:off x="358076" y="1235571"/>
+            <a:ext cx="1514679" cy="432002"/>
+          </a:xfrm>
+          <a:prstGeom prst="roundRect">
+            <a:avLst/>
+          </a:prstGeom>
+          <a:ln/>
+        </p:spPr>
+        <p:style>
+          <a:lnRef idx="2">
+            <a:schemeClr val="dk1"/>
+          </a:lnRef>
+          <a:fillRef idx="1">
+            <a:schemeClr val="lt1"/>
+          </a:fillRef>
+          <a:effectRef idx="0">
+            <a:schemeClr val="dk1"/>
+          </a:effectRef>
+          <a:fontRef idx="minor">
+            <a:schemeClr val="dk1"/>
+          </a:fontRef>
+        </p:style>
+        <p:txBody>
+          <a:bodyPr rtlCol="0" anchor="ctr"/>
+          <a:lstStyle/>
+          <a:p>
+            <a:pPr algn="ctr"/>
+            <a:r>
+              <a:rPr lang="en-GB" sz="1200" dirty="0"/>
+              <a:t>Function</a:t>
+            </a:r>
+          </a:p>
+          <a:p>
+            <a:pPr algn="ctr"/>
+            <a:r>
+              <a:rPr lang="en-GB" sz="1200" dirty="0" err="1"/>
+              <a:t>analytics_visualize</a:t>
+            </a:r>
+            <a:r>
+              <a:rPr lang="en-GB" sz="1200" dirty="0"/>
+              <a:t>()</a:t>
+            </a:r>
+            <a:endParaRPr lang="en-US" sz="1200" dirty="0">
+              <a:solidFill>
+                <a:schemeClr val="dk1"/>
+              </a:solidFill>
+            </a:endParaRPr>
+          </a:p>
+        </p:txBody>
+      </p:sp>
+      <p:sp>
+        <p:nvSpPr>
+          <p:cNvPr id="3" name="Rectangle: Rounded Corners 2">
+            <a:extLst>
+              <a:ext uri="{FF2B5EF4-FFF2-40B4-BE49-F238E27FC236}">
+                <a16:creationId xmlns:a16="http://schemas.microsoft.com/office/drawing/2014/main" id="{6DA4EACE-B5A7-F6C1-F986-12CFF6920964}"/>
+              </a:ext>
+            </a:extLst>
+          </p:cNvPr>
+          <p:cNvSpPr/>
+          <p:nvPr/>
+        </p:nvSpPr>
+        <p:spPr>
+          <a:xfrm>
+            <a:off x="4721420" y="80072"/>
+            <a:ext cx="2053143" cy="482119"/>
+          </a:xfrm>
+          <a:prstGeom prst="roundRect">
+            <a:avLst/>
+          </a:prstGeom>
+          <a:ln/>
+        </p:spPr>
+        <p:style>
+          <a:lnRef idx="2">
+            <a:schemeClr val="dk1"/>
+          </a:lnRef>
+          <a:fillRef idx="1">
+            <a:schemeClr val="lt1"/>
+          </a:fillRef>
+          <a:effectRef idx="0">
+            <a:schemeClr val="dk1"/>
+          </a:effectRef>
+          <a:fontRef idx="minor">
+            <a:schemeClr val="dk1"/>
+          </a:fontRef>
+        </p:style>
+        <p:txBody>
+          <a:bodyPr rtlCol="0" anchor="ctr"/>
+          <a:lstStyle/>
+          <a:p>
+            <a:pPr algn="ctr"/>
+            <a:r>
+              <a:rPr lang="en-GB" sz="1200" dirty="0"/>
+              <a:t>Analytics module</a:t>
+            </a:r>
+          </a:p>
+          <a:p>
+            <a:pPr algn="ctr"/>
+            <a:r>
+              <a:rPr lang="en-GB" sz="1200" dirty="0"/>
+              <a:t>(analytics_module.py)</a:t>
+            </a:r>
+            <a:endParaRPr lang="en-US" sz="1200" dirty="0"/>
+          </a:p>
+        </p:txBody>
+      </p:sp>
+      <p:sp>
+        <p:nvSpPr>
+          <p:cNvPr id="5" name="Rectangle: Rounded Corners 4">
+            <a:extLst>
+              <a:ext uri="{FF2B5EF4-FFF2-40B4-BE49-F238E27FC236}">
+                <a16:creationId xmlns:a16="http://schemas.microsoft.com/office/drawing/2014/main" id="{D81F9074-81A5-52B9-F636-520AAD24A069}"/>
+              </a:ext>
+            </a:extLst>
+          </p:cNvPr>
+          <p:cNvSpPr/>
+          <p:nvPr/>
+        </p:nvSpPr>
+        <p:spPr>
+          <a:xfrm>
+            <a:off x="3983390" y="1915368"/>
+            <a:ext cx="1347044" cy="432002"/>
+          </a:xfrm>
+          <a:prstGeom prst="roundRect">
+            <a:avLst/>
+          </a:prstGeom>
+          <a:ln/>
+        </p:spPr>
+        <p:style>
+          <a:lnRef idx="2">
+            <a:schemeClr val="dk1"/>
+          </a:lnRef>
+          <a:fillRef idx="1">
+            <a:schemeClr val="lt1"/>
+          </a:fillRef>
+          <a:effectRef idx="0">
+            <a:schemeClr val="dk1"/>
+          </a:effectRef>
+          <a:fontRef idx="minor">
+            <a:schemeClr val="dk1"/>
+          </a:fontRef>
+        </p:style>
+        <p:txBody>
+          <a:bodyPr rtlCol="0" anchor="ctr"/>
+          <a:lstStyle/>
+          <a:p>
+            <a:pPr algn="ctr"/>
+            <a:r>
+              <a:rPr lang="en-GB" sz="1200" dirty="0"/>
+              <a:t>Function</a:t>
+            </a:r>
+          </a:p>
+          <a:p>
+            <a:pPr algn="ctr"/>
+            <a:r>
+              <a:rPr lang="en-GB" sz="1200" dirty="0" err="1"/>
+              <a:t>avg_group</a:t>
+            </a:r>
+            <a:r>
+              <a:rPr lang="en-GB" sz="1200" dirty="0"/>
+              <a:t>()</a:t>
+            </a:r>
+            <a:endParaRPr lang="en-US" sz="1200" dirty="0">
+              <a:solidFill>
+                <a:schemeClr val="dk1"/>
+              </a:solidFill>
+            </a:endParaRPr>
+          </a:p>
+        </p:txBody>
+      </p:sp>
+      <p:sp>
+        <p:nvSpPr>
+          <p:cNvPr id="6" name="Rectangle: Rounded Corners 5">
+            <a:extLst>
+              <a:ext uri="{FF2B5EF4-FFF2-40B4-BE49-F238E27FC236}">
+                <a16:creationId xmlns:a16="http://schemas.microsoft.com/office/drawing/2014/main" id="{54A02FD1-9314-8E51-F24B-C2953F11D52A}"/>
+              </a:ext>
+            </a:extLst>
+          </p:cNvPr>
+          <p:cNvSpPr/>
+          <p:nvPr/>
+        </p:nvSpPr>
+        <p:spPr>
+          <a:xfrm>
+            <a:off x="3989680" y="3153050"/>
+            <a:ext cx="1347044" cy="432002"/>
+          </a:xfrm>
+          <a:prstGeom prst="roundRect">
+            <a:avLst/>
+          </a:prstGeom>
+          <a:ln/>
+        </p:spPr>
+        <p:style>
+          <a:lnRef idx="2">
+            <a:schemeClr val="dk1"/>
+          </a:lnRef>
+          <a:fillRef idx="1">
+            <a:schemeClr val="lt1"/>
+          </a:fillRef>
+          <a:effectRef idx="0">
+            <a:schemeClr val="dk1"/>
+          </a:effectRef>
+          <a:fontRef idx="minor">
+            <a:schemeClr val="dk1"/>
+          </a:fontRef>
+        </p:style>
+        <p:txBody>
+          <a:bodyPr rtlCol="0" anchor="ctr"/>
+          <a:lstStyle/>
+          <a:p>
+            <a:pPr algn="ctr"/>
+            <a:r>
+              <a:rPr lang="en-GB" sz="1200" dirty="0"/>
+              <a:t>Function</a:t>
+            </a:r>
+          </a:p>
+          <a:p>
+            <a:pPr algn="ctr"/>
+            <a:r>
+              <a:rPr lang="en-GB" sz="1200" dirty="0" err="1"/>
+              <a:t>avg_group_filter</a:t>
+            </a:r>
+            <a:r>
+              <a:rPr lang="en-GB" sz="1200" dirty="0"/>
+              <a:t>()</a:t>
+            </a:r>
+            <a:endParaRPr lang="en-US" sz="1200" dirty="0">
+              <a:solidFill>
+                <a:schemeClr val="dk1"/>
+              </a:solidFill>
+            </a:endParaRPr>
+          </a:p>
+        </p:txBody>
+      </p:sp>
+      <p:sp>
+        <p:nvSpPr>
+          <p:cNvPr id="7" name="Rectangle: Rounded Corners 6">
+            <a:extLst>
+              <a:ext uri="{FF2B5EF4-FFF2-40B4-BE49-F238E27FC236}">
+                <a16:creationId xmlns:a16="http://schemas.microsoft.com/office/drawing/2014/main" id="{D7EA5122-7E94-5F9A-5A18-C3385050FF3E}"/>
+              </a:ext>
+            </a:extLst>
+          </p:cNvPr>
+          <p:cNvSpPr/>
+          <p:nvPr/>
+        </p:nvSpPr>
+        <p:spPr>
+          <a:xfrm>
+            <a:off x="4046964" y="4476231"/>
+            <a:ext cx="1514681" cy="432002"/>
+          </a:xfrm>
+          <a:prstGeom prst="roundRect">
+            <a:avLst/>
+          </a:prstGeom>
+          <a:ln/>
+        </p:spPr>
+        <p:style>
+          <a:lnRef idx="2">
+            <a:schemeClr val="dk1"/>
+          </a:lnRef>
+          <a:fillRef idx="1">
+            <a:schemeClr val="lt1"/>
+          </a:fillRef>
+          <a:effectRef idx="0">
+            <a:schemeClr val="dk1"/>
+          </a:effectRef>
+          <a:fontRef idx="minor">
+            <a:schemeClr val="dk1"/>
+          </a:fontRef>
+        </p:style>
+        <p:txBody>
+          <a:bodyPr rtlCol="0" anchor="ctr"/>
+          <a:lstStyle/>
+          <a:p>
+            <a:pPr algn="ctr"/>
+            <a:r>
+              <a:rPr lang="en-GB" sz="1200" dirty="0"/>
+              <a:t>Function</a:t>
+            </a:r>
+          </a:p>
+          <a:p>
+            <a:pPr algn="ctr"/>
+            <a:r>
+              <a:rPr lang="en-GB" sz="1200" dirty="0" err="1"/>
+              <a:t>count_group_two</a:t>
+            </a:r>
+            <a:r>
+              <a:rPr lang="en-GB" sz="1200" dirty="0"/>
+              <a:t>()</a:t>
+            </a:r>
+            <a:endParaRPr lang="en-US" sz="1200" dirty="0">
+              <a:solidFill>
+                <a:schemeClr val="dk1"/>
+              </a:solidFill>
+            </a:endParaRPr>
+          </a:p>
+        </p:txBody>
+      </p:sp>
+      <p:cxnSp>
+        <p:nvCxnSpPr>
+          <p:cNvPr id="74" name="Straight Connector 73">
+            <a:extLst>
+              <a:ext uri="{FF2B5EF4-FFF2-40B4-BE49-F238E27FC236}">
+                <a16:creationId xmlns:a16="http://schemas.microsoft.com/office/drawing/2014/main" id="{D05F1D6E-A7E2-270F-5C41-7EF5DE00A77A}"/>
+              </a:ext>
+            </a:extLst>
+          </p:cNvPr>
+          <p:cNvCxnSpPr>
+            <a:cxnSpLocks/>
+          </p:cNvCxnSpPr>
+          <p:nvPr/>
+        </p:nvCxnSpPr>
+        <p:spPr>
+          <a:xfrm>
+            <a:off x="3674314" y="1728362"/>
+            <a:ext cx="501" cy="4103847"/>
+          </a:xfrm>
+          <a:prstGeom prst="line">
+            <a:avLst/>
+          </a:prstGeom>
+          <a:ln w="12700">
+            <a:solidFill>
+              <a:schemeClr val="tx1"/>
+            </a:solidFill>
+          </a:ln>
+        </p:spPr>
+        <p:style>
+          <a:lnRef idx="1">
+            <a:schemeClr val="accent1"/>
+          </a:lnRef>
+          <a:fillRef idx="0">
+            <a:schemeClr val="accent1"/>
+          </a:fillRef>
+          <a:effectRef idx="0">
+            <a:schemeClr val="accent1"/>
+          </a:effectRef>
+          <a:fontRef idx="minor">
+            <a:schemeClr val="tx1"/>
+          </a:fontRef>
+        </p:style>
+      </p:cxnSp>
+      <p:cxnSp>
+        <p:nvCxnSpPr>
+          <p:cNvPr id="75" name="Straight Connector 74">
+            <a:extLst>
+              <a:ext uri="{FF2B5EF4-FFF2-40B4-BE49-F238E27FC236}">
+                <a16:creationId xmlns:a16="http://schemas.microsoft.com/office/drawing/2014/main" id="{4FC9EF2C-C611-89CF-5CA5-EE01528F06A2}"/>
+              </a:ext>
+            </a:extLst>
+          </p:cNvPr>
+          <p:cNvCxnSpPr>
+            <a:cxnSpLocks/>
+          </p:cNvCxnSpPr>
+          <p:nvPr/>
+        </p:nvCxnSpPr>
+        <p:spPr>
+          <a:xfrm>
+            <a:off x="931010" y="1688194"/>
+            <a:ext cx="0" cy="775332"/>
+          </a:xfrm>
+          <a:prstGeom prst="line">
+            <a:avLst/>
+          </a:prstGeom>
+          <a:ln w="12700">
+            <a:solidFill>
+              <a:schemeClr val="tx1"/>
+            </a:solidFill>
+          </a:ln>
+        </p:spPr>
+        <p:style>
+          <a:lnRef idx="1">
+            <a:schemeClr val="accent1"/>
+          </a:lnRef>
+          <a:fillRef idx="0">
+            <a:schemeClr val="accent1"/>
+          </a:fillRef>
+          <a:effectRef idx="0">
+            <a:schemeClr val="accent1"/>
+          </a:effectRef>
+          <a:fontRef idx="minor">
+            <a:schemeClr val="tx1"/>
+          </a:fontRef>
+        </p:style>
+      </p:cxnSp>
+      <p:cxnSp>
+        <p:nvCxnSpPr>
+          <p:cNvPr id="76" name="Straight Connector 75">
+            <a:extLst>
+              <a:ext uri="{FF2B5EF4-FFF2-40B4-BE49-F238E27FC236}">
+                <a16:creationId xmlns:a16="http://schemas.microsoft.com/office/drawing/2014/main" id="{B3CDB687-0419-214F-72B8-828304FA8A5A}"/>
+              </a:ext>
+            </a:extLst>
+          </p:cNvPr>
+          <p:cNvCxnSpPr>
+            <a:cxnSpLocks/>
+          </p:cNvCxnSpPr>
+          <p:nvPr/>
+        </p:nvCxnSpPr>
+        <p:spPr>
+          <a:xfrm>
+            <a:off x="3668353" y="2147877"/>
+            <a:ext cx="286155" cy="0"/>
+          </a:xfrm>
+          <a:prstGeom prst="line">
+            <a:avLst/>
+          </a:prstGeom>
+          <a:ln w="12700">
+            <a:solidFill>
+              <a:schemeClr val="tx1"/>
+            </a:solidFill>
+          </a:ln>
+        </p:spPr>
+        <p:style>
+          <a:lnRef idx="1">
+            <a:schemeClr val="accent1"/>
+          </a:lnRef>
+          <a:fillRef idx="0">
+            <a:schemeClr val="accent1"/>
+          </a:fillRef>
+          <a:effectRef idx="0">
+            <a:schemeClr val="accent1"/>
+          </a:effectRef>
+          <a:fontRef idx="minor">
+            <a:schemeClr val="tx1"/>
+          </a:fontRef>
+        </p:style>
+      </p:cxnSp>
+      <p:cxnSp>
+        <p:nvCxnSpPr>
+          <p:cNvPr id="77" name="Straight Connector 76">
+            <a:extLst>
+              <a:ext uri="{FF2B5EF4-FFF2-40B4-BE49-F238E27FC236}">
+                <a16:creationId xmlns:a16="http://schemas.microsoft.com/office/drawing/2014/main" id="{2C979B31-2612-33B7-3F13-E013FD518BD7}"/>
+              </a:ext>
+            </a:extLst>
+          </p:cNvPr>
+          <p:cNvCxnSpPr>
+            <a:cxnSpLocks/>
+          </p:cNvCxnSpPr>
+          <p:nvPr/>
+        </p:nvCxnSpPr>
+        <p:spPr>
+          <a:xfrm>
+            <a:off x="3695477" y="3346663"/>
+            <a:ext cx="286155" cy="0"/>
+          </a:xfrm>
+          <a:prstGeom prst="line">
+            <a:avLst/>
+          </a:prstGeom>
+          <a:ln w="12700">
+            <a:solidFill>
+              <a:schemeClr val="tx1"/>
+            </a:solidFill>
+          </a:ln>
+        </p:spPr>
+        <p:style>
+          <a:lnRef idx="1">
+            <a:schemeClr val="accent1"/>
+          </a:lnRef>
+          <a:fillRef idx="0">
+            <a:schemeClr val="accent1"/>
+          </a:fillRef>
+          <a:effectRef idx="0">
+            <a:schemeClr val="accent1"/>
+          </a:effectRef>
+          <a:fontRef idx="minor">
+            <a:schemeClr val="tx1"/>
+          </a:fontRef>
+        </p:style>
+      </p:cxnSp>
+      <p:cxnSp>
+        <p:nvCxnSpPr>
+          <p:cNvPr id="78" name="Straight Connector 77">
+            <a:extLst>
+              <a:ext uri="{FF2B5EF4-FFF2-40B4-BE49-F238E27FC236}">
+                <a16:creationId xmlns:a16="http://schemas.microsoft.com/office/drawing/2014/main" id="{45BB57D0-710F-71CB-3950-186D89C44C78}"/>
+              </a:ext>
+            </a:extLst>
+          </p:cNvPr>
+          <p:cNvCxnSpPr>
+            <a:cxnSpLocks/>
+          </p:cNvCxnSpPr>
+          <p:nvPr/>
+        </p:nvCxnSpPr>
+        <p:spPr>
+          <a:xfrm>
+            <a:off x="931010" y="2479949"/>
+            <a:ext cx="286155" cy="0"/>
+          </a:xfrm>
+          <a:prstGeom prst="line">
+            <a:avLst/>
+          </a:prstGeom>
+          <a:ln w="12700">
+            <a:solidFill>
+              <a:schemeClr val="tx1"/>
+            </a:solidFill>
+          </a:ln>
+        </p:spPr>
+        <p:style>
+          <a:lnRef idx="1">
+            <a:schemeClr val="accent1"/>
+          </a:lnRef>
+          <a:fillRef idx="0">
+            <a:schemeClr val="accent1"/>
+          </a:fillRef>
+          <a:effectRef idx="0">
+            <a:schemeClr val="accent1"/>
+          </a:effectRef>
+          <a:fontRef idx="minor">
+            <a:schemeClr val="tx1"/>
+          </a:fontRef>
+        </p:style>
+      </p:cxnSp>
+      <p:cxnSp>
+        <p:nvCxnSpPr>
+          <p:cNvPr id="79" name="Straight Connector 78">
+            <a:extLst>
+              <a:ext uri="{FF2B5EF4-FFF2-40B4-BE49-F238E27FC236}">
+                <a16:creationId xmlns:a16="http://schemas.microsoft.com/office/drawing/2014/main" id="{579152B3-7385-9F1D-EF5F-8AC894D3ADF9}"/>
+              </a:ext>
+            </a:extLst>
+          </p:cNvPr>
+          <p:cNvCxnSpPr>
+            <a:cxnSpLocks/>
+          </p:cNvCxnSpPr>
+          <p:nvPr/>
+        </p:nvCxnSpPr>
+        <p:spPr>
+          <a:xfrm>
+            <a:off x="4276795" y="2352002"/>
+            <a:ext cx="0" cy="321880"/>
+          </a:xfrm>
+          <a:prstGeom prst="line">
+            <a:avLst/>
+          </a:prstGeom>
+          <a:ln w="12700">
+            <a:solidFill>
+              <a:schemeClr val="tx1"/>
+            </a:solidFill>
+          </a:ln>
+        </p:spPr>
+        <p:style>
+          <a:lnRef idx="1">
+            <a:schemeClr val="accent1"/>
+          </a:lnRef>
+          <a:fillRef idx="0">
+            <a:schemeClr val="accent1"/>
+          </a:fillRef>
+          <a:effectRef idx="0">
+            <a:schemeClr val="accent1"/>
+          </a:effectRef>
+          <a:fontRef idx="minor">
+            <a:schemeClr val="tx1"/>
+          </a:fontRef>
+        </p:style>
+      </p:cxnSp>
+      <p:cxnSp>
+        <p:nvCxnSpPr>
+          <p:cNvPr id="80" name="Straight Connector 79">
+            <a:extLst>
+              <a:ext uri="{FF2B5EF4-FFF2-40B4-BE49-F238E27FC236}">
+                <a16:creationId xmlns:a16="http://schemas.microsoft.com/office/drawing/2014/main" id="{93127509-344D-55A5-76C1-90EE205E1216}"/>
+              </a:ext>
+            </a:extLst>
+          </p:cNvPr>
+          <p:cNvCxnSpPr>
+            <a:cxnSpLocks/>
+          </p:cNvCxnSpPr>
+          <p:nvPr/>
+        </p:nvCxnSpPr>
+        <p:spPr>
+          <a:xfrm>
+            <a:off x="4276795" y="2697512"/>
+            <a:ext cx="286155" cy="0"/>
+          </a:xfrm>
+          <a:prstGeom prst="line">
+            <a:avLst/>
+          </a:prstGeom>
+          <a:ln w="12700">
+            <a:solidFill>
+              <a:schemeClr val="tx1"/>
+            </a:solidFill>
+          </a:ln>
+        </p:spPr>
+        <p:style>
+          <a:lnRef idx="1">
+            <a:schemeClr val="accent1"/>
+          </a:lnRef>
+          <a:fillRef idx="0">
+            <a:schemeClr val="accent1"/>
+          </a:fillRef>
+          <a:effectRef idx="0">
+            <a:schemeClr val="accent1"/>
+          </a:effectRef>
+          <a:fontRef idx="minor">
+            <a:schemeClr val="tx1"/>
+          </a:fontRef>
+        </p:style>
+      </p:cxnSp>
+      <p:cxnSp>
+        <p:nvCxnSpPr>
+          <p:cNvPr id="81" name="Straight Connector 80">
+            <a:extLst>
+              <a:ext uri="{FF2B5EF4-FFF2-40B4-BE49-F238E27FC236}">
+                <a16:creationId xmlns:a16="http://schemas.microsoft.com/office/drawing/2014/main" id="{CAAB620C-3E37-A9CB-2216-B1F643A6C019}"/>
+              </a:ext>
+            </a:extLst>
+          </p:cNvPr>
+          <p:cNvCxnSpPr>
+            <a:cxnSpLocks/>
+          </p:cNvCxnSpPr>
+          <p:nvPr/>
+        </p:nvCxnSpPr>
+        <p:spPr>
+          <a:xfrm>
+            <a:off x="4293460" y="3592180"/>
+            <a:ext cx="0" cy="321880"/>
+          </a:xfrm>
+          <a:prstGeom prst="line">
+            <a:avLst/>
+          </a:prstGeom>
+          <a:ln w="12700">
+            <a:solidFill>
+              <a:schemeClr val="tx1"/>
+            </a:solidFill>
+          </a:ln>
+        </p:spPr>
+        <p:style>
+          <a:lnRef idx="1">
+            <a:schemeClr val="accent1"/>
+          </a:lnRef>
+          <a:fillRef idx="0">
+            <a:schemeClr val="accent1"/>
+          </a:fillRef>
+          <a:effectRef idx="0">
+            <a:schemeClr val="accent1"/>
+          </a:effectRef>
+          <a:fontRef idx="minor">
+            <a:schemeClr val="tx1"/>
+          </a:fontRef>
+        </p:style>
+      </p:cxnSp>
+      <p:cxnSp>
+        <p:nvCxnSpPr>
+          <p:cNvPr id="82" name="Straight Connector 81">
+            <a:extLst>
+              <a:ext uri="{FF2B5EF4-FFF2-40B4-BE49-F238E27FC236}">
+                <a16:creationId xmlns:a16="http://schemas.microsoft.com/office/drawing/2014/main" id="{D77F81ED-2DFA-45E8-2754-77731205D2DA}"/>
+              </a:ext>
+            </a:extLst>
+          </p:cNvPr>
+          <p:cNvCxnSpPr>
+            <a:cxnSpLocks/>
+          </p:cNvCxnSpPr>
+          <p:nvPr/>
+        </p:nvCxnSpPr>
+        <p:spPr>
+          <a:xfrm>
+            <a:off x="4293460" y="3914060"/>
+            <a:ext cx="286155" cy="0"/>
+          </a:xfrm>
+          <a:prstGeom prst="line">
+            <a:avLst/>
+          </a:prstGeom>
+          <a:ln w="12700">
+            <a:solidFill>
+              <a:schemeClr val="tx1"/>
+            </a:solidFill>
+          </a:ln>
+        </p:spPr>
+        <p:style>
+          <a:lnRef idx="1">
+            <a:schemeClr val="accent1"/>
+          </a:lnRef>
+          <a:fillRef idx="0">
+            <a:schemeClr val="accent1"/>
+          </a:fillRef>
+          <a:effectRef idx="0">
+            <a:schemeClr val="accent1"/>
+          </a:effectRef>
+          <a:fontRef idx="minor">
+            <a:schemeClr val="tx1"/>
+          </a:fontRef>
+        </p:style>
+      </p:cxnSp>
+      <p:cxnSp>
+        <p:nvCxnSpPr>
+          <p:cNvPr id="83" name="Straight Connector 82">
+            <a:extLst>
+              <a:ext uri="{FF2B5EF4-FFF2-40B4-BE49-F238E27FC236}">
+                <a16:creationId xmlns:a16="http://schemas.microsoft.com/office/drawing/2014/main" id="{4AF444CE-AAA3-A7A2-C212-77C4D6AC7C96}"/>
+              </a:ext>
+            </a:extLst>
+          </p:cNvPr>
+          <p:cNvCxnSpPr>
+            <a:cxnSpLocks/>
+          </p:cNvCxnSpPr>
+          <p:nvPr/>
+        </p:nvCxnSpPr>
+        <p:spPr>
+          <a:xfrm>
+            <a:off x="4301864" y="4908233"/>
+            <a:ext cx="0" cy="321880"/>
+          </a:xfrm>
+          <a:prstGeom prst="line">
+            <a:avLst/>
+          </a:prstGeom>
+          <a:ln w="12700">
+            <a:solidFill>
+              <a:schemeClr val="tx1"/>
+            </a:solidFill>
+          </a:ln>
+        </p:spPr>
+        <p:style>
+          <a:lnRef idx="1">
+            <a:schemeClr val="accent1"/>
+          </a:lnRef>
+          <a:fillRef idx="0">
+            <a:schemeClr val="accent1"/>
+          </a:fillRef>
+          <a:effectRef idx="0">
+            <a:schemeClr val="accent1"/>
+          </a:effectRef>
+          <a:fontRef idx="minor">
+            <a:schemeClr val="tx1"/>
+          </a:fontRef>
+        </p:style>
+      </p:cxnSp>
+      <p:cxnSp>
+        <p:nvCxnSpPr>
+          <p:cNvPr id="84" name="Straight Connector 83">
+            <a:extLst>
+              <a:ext uri="{FF2B5EF4-FFF2-40B4-BE49-F238E27FC236}">
+                <a16:creationId xmlns:a16="http://schemas.microsoft.com/office/drawing/2014/main" id="{BF056AA4-70DC-A9C2-68D8-509D487A38D0}"/>
+              </a:ext>
+            </a:extLst>
+          </p:cNvPr>
+          <p:cNvCxnSpPr>
+            <a:cxnSpLocks/>
+          </p:cNvCxnSpPr>
+          <p:nvPr/>
+        </p:nvCxnSpPr>
+        <p:spPr>
+          <a:xfrm>
+            <a:off x="4301863" y="5236291"/>
+            <a:ext cx="286155" cy="0"/>
+          </a:xfrm>
+          <a:prstGeom prst="line">
+            <a:avLst/>
+          </a:prstGeom>
+          <a:ln w="12700">
+            <a:solidFill>
+              <a:schemeClr val="tx1"/>
+            </a:solidFill>
+          </a:ln>
+        </p:spPr>
+        <p:style>
+          <a:lnRef idx="1">
+            <a:schemeClr val="accent1"/>
+          </a:lnRef>
+          <a:fillRef idx="0">
+            <a:schemeClr val="accent1"/>
+          </a:fillRef>
+          <a:effectRef idx="0">
+            <a:schemeClr val="accent1"/>
+          </a:effectRef>
+          <a:fontRef idx="minor">
+            <a:schemeClr val="tx1"/>
+          </a:fontRef>
+        </p:style>
+      </p:cxnSp>
+      <p:sp>
+        <p:nvSpPr>
+          <p:cNvPr id="87" name="Rectangle 86">
+            <a:extLst>
+              <a:ext uri="{FF2B5EF4-FFF2-40B4-BE49-F238E27FC236}">
+                <a16:creationId xmlns:a16="http://schemas.microsoft.com/office/drawing/2014/main" id="{F8564B36-ABDA-4F3F-28B9-BEB735B3E158}"/>
+              </a:ext>
+            </a:extLst>
+          </p:cNvPr>
+          <p:cNvSpPr/>
+          <p:nvPr/>
+        </p:nvSpPr>
+        <p:spPr>
+          <a:xfrm>
+            <a:off x="1239586" y="2258966"/>
+            <a:ext cx="1233565" cy="507951"/>
+          </a:xfrm>
+          <a:prstGeom prst="rect">
+            <a:avLst/>
+          </a:prstGeom>
+          <a:ln>
+            <a:solidFill>
+              <a:schemeClr val="accent1"/>
+            </a:solidFill>
+          </a:ln>
+        </p:spPr>
+        <p:style>
+          <a:lnRef idx="2">
+            <a:schemeClr val="dk1"/>
+          </a:lnRef>
+          <a:fillRef idx="1">
+            <a:schemeClr val="lt1"/>
+          </a:fillRef>
+          <a:effectRef idx="0">
+            <a:schemeClr val="dk1"/>
+          </a:effectRef>
+          <a:fontRef idx="minor">
+            <a:schemeClr val="dk1"/>
+          </a:fontRef>
+        </p:style>
+        <p:txBody>
+          <a:bodyPr rtlCol="0" anchor="ctr"/>
+          <a:lstStyle/>
+          <a:p>
+            <a:pPr algn="ctr"/>
+            <a:r>
+              <a:rPr lang="en-GB" sz="1200" dirty="0"/>
+              <a:t>Main function calling other functions </a:t>
+            </a:r>
+            <a:endParaRPr lang="en-US" sz="1200" dirty="0"/>
+          </a:p>
+        </p:txBody>
+      </p:sp>
+      <p:sp>
+        <p:nvSpPr>
+          <p:cNvPr id="88" name="Rectangle 87">
+            <a:extLst>
+              <a:ext uri="{FF2B5EF4-FFF2-40B4-BE49-F238E27FC236}">
+                <a16:creationId xmlns:a16="http://schemas.microsoft.com/office/drawing/2014/main" id="{85CBA6EE-2D3A-A0D0-822E-10E3DB3C3458}"/>
+              </a:ext>
+            </a:extLst>
+          </p:cNvPr>
+          <p:cNvSpPr/>
+          <p:nvPr/>
+        </p:nvSpPr>
+        <p:spPr>
+          <a:xfrm>
+            <a:off x="4577046" y="2496213"/>
+            <a:ext cx="1841071" cy="388301"/>
+          </a:xfrm>
+          <a:prstGeom prst="rect">
+            <a:avLst/>
+          </a:prstGeom>
+          <a:ln>
+            <a:solidFill>
+              <a:schemeClr val="accent1"/>
+            </a:solidFill>
+          </a:ln>
+        </p:spPr>
+        <p:style>
+          <a:lnRef idx="2">
+            <a:schemeClr val="dk1"/>
+          </a:lnRef>
+          <a:fillRef idx="1">
+            <a:schemeClr val="lt1"/>
+          </a:fillRef>
+          <a:effectRef idx="0">
+            <a:schemeClr val="dk1"/>
+          </a:effectRef>
+          <a:fontRef idx="minor">
+            <a:schemeClr val="dk1"/>
+          </a:fontRef>
+        </p:style>
+        <p:txBody>
+          <a:bodyPr rtlCol="0" anchor="ctr"/>
+          <a:lstStyle/>
+          <a:p>
+            <a:pPr algn="ctr"/>
+            <a:r>
+              <a:rPr lang="en-GB" sz="1200" dirty="0"/>
+              <a:t>Finds an average grouping by one feature</a:t>
+            </a:r>
+            <a:endParaRPr lang="en-US" sz="1200" dirty="0"/>
+          </a:p>
+        </p:txBody>
+      </p:sp>
+      <p:sp>
+        <p:nvSpPr>
+          <p:cNvPr id="89" name="Rectangle 88">
+            <a:extLst>
+              <a:ext uri="{FF2B5EF4-FFF2-40B4-BE49-F238E27FC236}">
+                <a16:creationId xmlns:a16="http://schemas.microsoft.com/office/drawing/2014/main" id="{5E3674EB-45FC-D668-1AB1-DAF803BBB5DB}"/>
+              </a:ext>
+            </a:extLst>
+          </p:cNvPr>
+          <p:cNvSpPr/>
+          <p:nvPr/>
+        </p:nvSpPr>
+        <p:spPr>
+          <a:xfrm>
+            <a:off x="4537438" y="3782831"/>
+            <a:ext cx="2513270" cy="499119"/>
+          </a:xfrm>
+          <a:prstGeom prst="rect">
+            <a:avLst/>
+          </a:prstGeom>
+          <a:ln>
+            <a:solidFill>
+              <a:schemeClr val="accent1"/>
+            </a:solidFill>
+          </a:ln>
+        </p:spPr>
+        <p:style>
+          <a:lnRef idx="2">
+            <a:schemeClr val="dk1"/>
+          </a:lnRef>
+          <a:fillRef idx="1">
+            <a:schemeClr val="lt1"/>
+          </a:fillRef>
+          <a:effectRef idx="0">
+            <a:schemeClr val="dk1"/>
+          </a:effectRef>
+          <a:fontRef idx="minor">
+            <a:schemeClr val="dk1"/>
+          </a:fontRef>
+        </p:style>
+        <p:txBody>
+          <a:bodyPr rtlCol="0" anchor="ctr"/>
+          <a:lstStyle/>
+          <a:p>
+            <a:pPr algn="ctr"/>
+            <a:r>
+              <a:rPr lang="en-GB" sz="1200" dirty="0"/>
+              <a:t>Finds an average filtering one feature and grouping by another feature</a:t>
+            </a:r>
+            <a:endParaRPr lang="en-US" sz="1200" dirty="0"/>
+          </a:p>
+        </p:txBody>
+      </p:sp>
+      <p:sp>
+        <p:nvSpPr>
+          <p:cNvPr id="90" name="Rectangle 89">
+            <a:extLst>
+              <a:ext uri="{FF2B5EF4-FFF2-40B4-BE49-F238E27FC236}">
+                <a16:creationId xmlns:a16="http://schemas.microsoft.com/office/drawing/2014/main" id="{E5CC1828-FDA4-1FA7-FB82-7A534B26203B}"/>
+              </a:ext>
+            </a:extLst>
+          </p:cNvPr>
+          <p:cNvSpPr/>
+          <p:nvPr/>
+        </p:nvSpPr>
+        <p:spPr>
+          <a:xfrm>
+            <a:off x="4595596" y="5078017"/>
+            <a:ext cx="2002121" cy="392386"/>
+          </a:xfrm>
+          <a:prstGeom prst="rect">
+            <a:avLst/>
+          </a:prstGeom>
+          <a:ln>
+            <a:solidFill>
+              <a:schemeClr val="accent1"/>
+            </a:solidFill>
+          </a:ln>
+        </p:spPr>
+        <p:style>
+          <a:lnRef idx="2">
+            <a:schemeClr val="dk1"/>
+          </a:lnRef>
+          <a:fillRef idx="1">
+            <a:schemeClr val="lt1"/>
+          </a:fillRef>
+          <a:effectRef idx="0">
+            <a:schemeClr val="dk1"/>
+          </a:effectRef>
+          <a:fontRef idx="minor">
+            <a:schemeClr val="dk1"/>
+          </a:fontRef>
+        </p:style>
+        <p:txBody>
+          <a:bodyPr rtlCol="0" anchor="ctr"/>
+          <a:lstStyle/>
+          <a:p>
+            <a:pPr algn="ctr"/>
+            <a:r>
+              <a:rPr lang="en-GB" sz="1200" dirty="0"/>
+              <a:t>Count devices grouping by two features</a:t>
+            </a:r>
+            <a:endParaRPr lang="en-US" sz="1200" dirty="0"/>
+          </a:p>
+        </p:txBody>
+      </p:sp>
+      <p:sp>
+        <p:nvSpPr>
+          <p:cNvPr id="106" name="Rectangle: Rounded Corners 105">
+            <a:extLst>
+              <a:ext uri="{FF2B5EF4-FFF2-40B4-BE49-F238E27FC236}">
+                <a16:creationId xmlns:a16="http://schemas.microsoft.com/office/drawing/2014/main" id="{E4EAF0A8-4321-FDA8-D244-63AE91A0F821}"/>
+              </a:ext>
+            </a:extLst>
+          </p:cNvPr>
+          <p:cNvSpPr/>
+          <p:nvPr/>
+        </p:nvSpPr>
+        <p:spPr>
+          <a:xfrm>
+            <a:off x="4010339" y="5630265"/>
+            <a:ext cx="1153624" cy="432002"/>
+          </a:xfrm>
+          <a:prstGeom prst="roundRect">
+            <a:avLst/>
+          </a:prstGeom>
+          <a:ln/>
+        </p:spPr>
+        <p:style>
+          <a:lnRef idx="2">
+            <a:schemeClr val="dk1"/>
+          </a:lnRef>
+          <a:fillRef idx="1">
+            <a:schemeClr val="lt1"/>
+          </a:fillRef>
+          <a:effectRef idx="0">
+            <a:schemeClr val="dk1"/>
+          </a:effectRef>
+          <a:fontRef idx="minor">
+            <a:schemeClr val="dk1"/>
+          </a:fontRef>
+        </p:style>
+        <p:txBody>
+          <a:bodyPr rtlCol="0" anchor="ctr"/>
+          <a:lstStyle/>
+          <a:p>
+            <a:pPr algn="ctr"/>
+            <a:r>
+              <a:rPr lang="en-GB" sz="1200" dirty="0"/>
+              <a:t>Function</a:t>
+            </a:r>
+          </a:p>
+          <a:p>
+            <a:pPr algn="ctr"/>
+            <a:r>
+              <a:rPr lang="en-GB" sz="1200" dirty="0" err="1"/>
+              <a:t>top_features</a:t>
+            </a:r>
+            <a:r>
+              <a:rPr lang="en-GB" sz="1200" dirty="0"/>
+              <a:t>()</a:t>
+            </a:r>
+            <a:endParaRPr lang="en-US" sz="1200" dirty="0">
+              <a:solidFill>
+                <a:schemeClr val="dk1"/>
+              </a:solidFill>
+            </a:endParaRPr>
+          </a:p>
+        </p:txBody>
+      </p:sp>
+      <p:cxnSp>
+        <p:nvCxnSpPr>
+          <p:cNvPr id="107" name="Straight Connector 106">
+            <a:extLst>
+              <a:ext uri="{FF2B5EF4-FFF2-40B4-BE49-F238E27FC236}">
+                <a16:creationId xmlns:a16="http://schemas.microsoft.com/office/drawing/2014/main" id="{4FE541FF-3701-9FA3-57FC-3EB5277E9EA1}"/>
+              </a:ext>
+            </a:extLst>
+          </p:cNvPr>
+          <p:cNvCxnSpPr>
+            <a:cxnSpLocks/>
+          </p:cNvCxnSpPr>
+          <p:nvPr/>
+        </p:nvCxnSpPr>
+        <p:spPr>
+          <a:xfrm>
+            <a:off x="4324878" y="6302282"/>
+            <a:ext cx="286155" cy="0"/>
+          </a:xfrm>
+          <a:prstGeom prst="line">
+            <a:avLst/>
+          </a:prstGeom>
+          <a:ln w="12700">
+            <a:solidFill>
+              <a:schemeClr val="tx1"/>
+            </a:solidFill>
+          </a:ln>
+        </p:spPr>
+        <p:style>
+          <a:lnRef idx="1">
+            <a:schemeClr val="accent1"/>
+          </a:lnRef>
+          <a:fillRef idx="0">
+            <a:schemeClr val="accent1"/>
+          </a:fillRef>
+          <a:effectRef idx="0">
+            <a:schemeClr val="accent1"/>
+          </a:effectRef>
+          <a:fontRef idx="minor">
+            <a:schemeClr val="tx1"/>
+          </a:fontRef>
+        </p:style>
+      </p:cxnSp>
+      <p:cxnSp>
+        <p:nvCxnSpPr>
+          <p:cNvPr id="108" name="Straight Connector 107">
+            <a:extLst>
+              <a:ext uri="{FF2B5EF4-FFF2-40B4-BE49-F238E27FC236}">
+                <a16:creationId xmlns:a16="http://schemas.microsoft.com/office/drawing/2014/main" id="{068230AB-9AD8-3724-868A-0B3C1A61E2D0}"/>
+              </a:ext>
+            </a:extLst>
+          </p:cNvPr>
+          <p:cNvCxnSpPr>
+            <a:cxnSpLocks/>
+          </p:cNvCxnSpPr>
+          <p:nvPr/>
+        </p:nvCxnSpPr>
+        <p:spPr>
+          <a:xfrm>
+            <a:off x="3703525" y="5832209"/>
+            <a:ext cx="286155" cy="0"/>
+          </a:xfrm>
+          <a:prstGeom prst="line">
+            <a:avLst/>
+          </a:prstGeom>
+          <a:ln w="12700">
+            <a:solidFill>
+              <a:schemeClr val="tx1"/>
+            </a:solidFill>
+          </a:ln>
+        </p:spPr>
+        <p:style>
+          <a:lnRef idx="1">
+            <a:schemeClr val="accent1"/>
+          </a:lnRef>
+          <a:fillRef idx="0">
+            <a:schemeClr val="accent1"/>
+          </a:fillRef>
+          <a:effectRef idx="0">
+            <a:schemeClr val="accent1"/>
+          </a:effectRef>
+          <a:fontRef idx="minor">
+            <a:schemeClr val="tx1"/>
+          </a:fontRef>
+        </p:style>
+      </p:cxnSp>
+      <p:sp>
+        <p:nvSpPr>
+          <p:cNvPr id="109" name="Rectangle 108">
+            <a:extLst>
+              <a:ext uri="{FF2B5EF4-FFF2-40B4-BE49-F238E27FC236}">
+                <a16:creationId xmlns:a16="http://schemas.microsoft.com/office/drawing/2014/main" id="{2D4323F5-D160-E580-5B3E-C87996603365}"/>
+              </a:ext>
+            </a:extLst>
+          </p:cNvPr>
+          <p:cNvSpPr/>
+          <p:nvPr/>
+        </p:nvSpPr>
+        <p:spPr>
+          <a:xfrm>
+            <a:off x="4595596" y="6178428"/>
+            <a:ext cx="1233565" cy="392386"/>
+          </a:xfrm>
+          <a:prstGeom prst="rect">
+            <a:avLst/>
+          </a:prstGeom>
+          <a:ln>
+            <a:solidFill>
+              <a:schemeClr val="accent1"/>
+            </a:solidFill>
+          </a:ln>
+        </p:spPr>
+        <p:style>
+          <a:lnRef idx="2">
+            <a:schemeClr val="dk1"/>
+          </a:lnRef>
+          <a:fillRef idx="1">
+            <a:schemeClr val="lt1"/>
+          </a:fillRef>
+          <a:effectRef idx="0">
+            <a:schemeClr val="dk1"/>
+          </a:effectRef>
+          <a:fontRef idx="minor">
+            <a:schemeClr val="dk1"/>
+          </a:fontRef>
+        </p:style>
+        <p:txBody>
+          <a:bodyPr rtlCol="0" anchor="ctr"/>
+          <a:lstStyle/>
+          <a:p>
+            <a:pPr algn="ctr"/>
+            <a:r>
+              <a:rPr lang="en-GB" sz="1200" dirty="0"/>
+              <a:t>Finds the most popular devices</a:t>
+            </a:r>
+            <a:endParaRPr lang="en-US" sz="1200" dirty="0"/>
+          </a:p>
+        </p:txBody>
+      </p:sp>
+      <p:cxnSp>
+        <p:nvCxnSpPr>
+          <p:cNvPr id="110" name="Straight Connector 109">
+            <a:extLst>
+              <a:ext uri="{FF2B5EF4-FFF2-40B4-BE49-F238E27FC236}">
+                <a16:creationId xmlns:a16="http://schemas.microsoft.com/office/drawing/2014/main" id="{8630145C-DE18-88F8-ECD5-3AD59DC56671}"/>
+              </a:ext>
+            </a:extLst>
+          </p:cNvPr>
+          <p:cNvCxnSpPr>
+            <a:cxnSpLocks/>
+          </p:cNvCxnSpPr>
+          <p:nvPr/>
+        </p:nvCxnSpPr>
+        <p:spPr>
+          <a:xfrm>
+            <a:off x="3682718" y="4692232"/>
+            <a:ext cx="286155" cy="0"/>
+          </a:xfrm>
+          <a:prstGeom prst="line">
+            <a:avLst/>
+          </a:prstGeom>
+          <a:ln w="12700">
+            <a:solidFill>
+              <a:schemeClr val="tx1"/>
+            </a:solidFill>
+          </a:ln>
+        </p:spPr>
+        <p:style>
+          <a:lnRef idx="1">
+            <a:schemeClr val="accent1"/>
+          </a:lnRef>
+          <a:fillRef idx="0">
+            <a:schemeClr val="accent1"/>
+          </a:fillRef>
+          <a:effectRef idx="0">
+            <a:schemeClr val="accent1"/>
+          </a:effectRef>
+          <a:fontRef idx="minor">
+            <a:schemeClr val="tx1"/>
+          </a:fontRef>
+        </p:style>
+      </p:cxnSp>
+      <p:cxnSp>
+        <p:nvCxnSpPr>
+          <p:cNvPr id="111" name="Straight Connector 110">
+            <a:extLst>
+              <a:ext uri="{FF2B5EF4-FFF2-40B4-BE49-F238E27FC236}">
+                <a16:creationId xmlns:a16="http://schemas.microsoft.com/office/drawing/2014/main" id="{CC774DCE-3D48-BEE8-24C1-59A7DB64C22D}"/>
+              </a:ext>
+            </a:extLst>
+          </p:cNvPr>
+          <p:cNvCxnSpPr>
+            <a:cxnSpLocks/>
+          </p:cNvCxnSpPr>
+          <p:nvPr/>
+        </p:nvCxnSpPr>
+        <p:spPr>
+          <a:xfrm>
+            <a:off x="4293719" y="6086506"/>
+            <a:ext cx="0" cy="216000"/>
+          </a:xfrm>
+          <a:prstGeom prst="line">
+            <a:avLst/>
+          </a:prstGeom>
+          <a:ln w="12700">
+            <a:solidFill>
+              <a:schemeClr val="tx1"/>
+            </a:solidFill>
+          </a:ln>
+        </p:spPr>
+        <p:style>
+          <a:lnRef idx="1">
+            <a:schemeClr val="accent1"/>
+          </a:lnRef>
+          <a:fillRef idx="0">
+            <a:schemeClr val="accent1"/>
+          </a:fillRef>
+          <a:effectRef idx="0">
+            <a:schemeClr val="accent1"/>
+          </a:effectRef>
+          <a:fontRef idx="minor">
+            <a:schemeClr val="tx1"/>
+          </a:fontRef>
+        </p:style>
+      </p:cxnSp>
+      <p:sp>
+        <p:nvSpPr>
+          <p:cNvPr id="4" name="Rectangle: Rounded Corners 3">
+            <a:extLst>
+              <a:ext uri="{FF2B5EF4-FFF2-40B4-BE49-F238E27FC236}">
+                <a16:creationId xmlns:a16="http://schemas.microsoft.com/office/drawing/2014/main" id="{A4DBCA25-B3F2-043A-259E-F87EA7D9DF7A}"/>
+              </a:ext>
+            </a:extLst>
+          </p:cNvPr>
+          <p:cNvSpPr/>
+          <p:nvPr/>
+        </p:nvSpPr>
+        <p:spPr>
+          <a:xfrm>
+            <a:off x="9017565" y="1843731"/>
+            <a:ext cx="1514679" cy="432002"/>
+          </a:xfrm>
+          <a:prstGeom prst="roundRect">
+            <a:avLst/>
+          </a:prstGeom>
+          <a:ln/>
+        </p:spPr>
+        <p:style>
+          <a:lnRef idx="2">
+            <a:schemeClr val="dk1"/>
+          </a:lnRef>
+          <a:fillRef idx="1">
+            <a:schemeClr val="lt1"/>
+          </a:fillRef>
+          <a:effectRef idx="0">
+            <a:schemeClr val="dk1"/>
+          </a:effectRef>
+          <a:fontRef idx="minor">
+            <a:schemeClr val="dk1"/>
+          </a:fontRef>
+        </p:style>
+        <p:txBody>
+          <a:bodyPr rtlCol="0" anchor="ctr"/>
+          <a:lstStyle/>
+          <a:p>
+            <a:pPr algn="ctr"/>
+            <a:r>
+              <a:rPr lang="en-GB" sz="1200" dirty="0"/>
+              <a:t>Function</a:t>
+            </a:r>
+          </a:p>
+          <a:p>
+            <a:pPr algn="ctr"/>
+            <a:r>
+              <a:rPr lang="en-GB" sz="1200" dirty="0" err="1"/>
+              <a:t>chart_counted</a:t>
+            </a:r>
+            <a:r>
+              <a:rPr lang="en-GB" sz="1200" dirty="0"/>
+              <a:t>()</a:t>
+            </a:r>
+            <a:endParaRPr lang="en-US" sz="1200" dirty="0">
+              <a:solidFill>
+                <a:schemeClr val="dk1"/>
+              </a:solidFill>
+            </a:endParaRPr>
+          </a:p>
+        </p:txBody>
+      </p:sp>
+      <p:sp>
+        <p:nvSpPr>
+          <p:cNvPr id="8" name="Rectangle: Rounded Corners 7">
+            <a:extLst>
+              <a:ext uri="{FF2B5EF4-FFF2-40B4-BE49-F238E27FC236}">
+                <a16:creationId xmlns:a16="http://schemas.microsoft.com/office/drawing/2014/main" id="{F7EB8CA5-E84C-E137-9A17-48513D55598D}"/>
+              </a:ext>
+            </a:extLst>
+          </p:cNvPr>
+          <p:cNvSpPr/>
+          <p:nvPr/>
+        </p:nvSpPr>
+        <p:spPr>
+          <a:xfrm>
+            <a:off x="9047870" y="3149028"/>
+            <a:ext cx="1571609" cy="432002"/>
+          </a:xfrm>
+          <a:prstGeom prst="roundRect">
+            <a:avLst/>
+          </a:prstGeom>
+          <a:ln/>
+        </p:spPr>
+        <p:style>
+          <a:lnRef idx="2">
+            <a:schemeClr val="dk1"/>
+          </a:lnRef>
+          <a:fillRef idx="1">
+            <a:schemeClr val="lt1"/>
+          </a:fillRef>
+          <a:effectRef idx="0">
+            <a:schemeClr val="dk1"/>
+          </a:effectRef>
+          <a:fontRef idx="minor">
+            <a:schemeClr val="dk1"/>
+          </a:fontRef>
+        </p:style>
+        <p:txBody>
+          <a:bodyPr rtlCol="0" anchor="ctr"/>
+          <a:lstStyle/>
+          <a:p>
+            <a:pPr algn="ctr"/>
+            <a:r>
+              <a:rPr lang="en-GB" sz="1200" dirty="0"/>
+              <a:t>Function</a:t>
+            </a:r>
+          </a:p>
+          <a:p>
+            <a:pPr algn="ctr"/>
+            <a:r>
+              <a:rPr lang="en-GB" sz="1200" dirty="0" err="1"/>
+              <a:t>pie_chart_filtered</a:t>
+            </a:r>
+            <a:r>
+              <a:rPr lang="en-GB" sz="1200" dirty="0"/>
+              <a:t>()</a:t>
+            </a:r>
+            <a:endParaRPr lang="en-US" sz="1200" dirty="0">
+              <a:solidFill>
+                <a:schemeClr val="dk1"/>
+              </a:solidFill>
+            </a:endParaRPr>
+          </a:p>
+        </p:txBody>
+      </p:sp>
+      <p:sp>
+        <p:nvSpPr>
+          <p:cNvPr id="10" name="Rectangle: Rounded Corners 9">
+            <a:extLst>
+              <a:ext uri="{FF2B5EF4-FFF2-40B4-BE49-F238E27FC236}">
+                <a16:creationId xmlns:a16="http://schemas.microsoft.com/office/drawing/2014/main" id="{70E5B98B-36CA-F4DC-5E12-AD57F08F18FB}"/>
+              </a:ext>
+            </a:extLst>
+          </p:cNvPr>
+          <p:cNvSpPr/>
+          <p:nvPr/>
+        </p:nvSpPr>
+        <p:spPr>
+          <a:xfrm>
+            <a:off x="9006986" y="4398799"/>
+            <a:ext cx="1799273" cy="432002"/>
+          </a:xfrm>
+          <a:prstGeom prst="roundRect">
+            <a:avLst/>
+          </a:prstGeom>
+          <a:ln/>
+        </p:spPr>
+        <p:style>
+          <a:lnRef idx="2">
+            <a:schemeClr val="dk1"/>
+          </a:lnRef>
+          <a:fillRef idx="1">
+            <a:schemeClr val="lt1"/>
+          </a:fillRef>
+          <a:effectRef idx="0">
+            <a:schemeClr val="dk1"/>
+          </a:effectRef>
+          <a:fontRef idx="minor">
+            <a:schemeClr val="dk1"/>
+          </a:fontRef>
+        </p:style>
+        <p:txBody>
+          <a:bodyPr rtlCol="0" anchor="ctr"/>
+          <a:lstStyle/>
+          <a:p>
+            <a:pPr algn="ctr"/>
+            <a:r>
+              <a:rPr lang="en-GB" sz="1200" dirty="0"/>
+              <a:t>Function</a:t>
+            </a:r>
+          </a:p>
+          <a:p>
+            <a:pPr algn="ctr"/>
+            <a:r>
+              <a:rPr lang="en-GB" sz="1200" dirty="0" err="1"/>
+              <a:t>chart_monthly_price</a:t>
+            </a:r>
+            <a:r>
+              <a:rPr lang="en-GB" sz="1200" dirty="0"/>
+              <a:t>()</a:t>
+            </a:r>
+            <a:endParaRPr lang="en-US" sz="1200" dirty="0">
+              <a:solidFill>
+                <a:schemeClr val="dk1"/>
+              </a:solidFill>
+            </a:endParaRPr>
+          </a:p>
+        </p:txBody>
+      </p:sp>
+      <p:sp>
+        <p:nvSpPr>
+          <p:cNvPr id="12" name="Rectangle: Rounded Corners 11">
+            <a:extLst>
+              <a:ext uri="{FF2B5EF4-FFF2-40B4-BE49-F238E27FC236}">
+                <a16:creationId xmlns:a16="http://schemas.microsoft.com/office/drawing/2014/main" id="{84A8CB01-804B-B60A-B6E3-3F536FD01210}"/>
+              </a:ext>
+            </a:extLst>
+          </p:cNvPr>
+          <p:cNvSpPr/>
+          <p:nvPr/>
+        </p:nvSpPr>
+        <p:spPr>
+          <a:xfrm>
+            <a:off x="9061421" y="5562745"/>
+            <a:ext cx="1761562" cy="432002"/>
+          </a:xfrm>
+          <a:prstGeom prst="roundRect">
+            <a:avLst/>
+          </a:prstGeom>
+          <a:ln/>
+        </p:spPr>
+        <p:style>
+          <a:lnRef idx="2">
+            <a:schemeClr val="dk1"/>
+          </a:lnRef>
+          <a:fillRef idx="1">
+            <a:schemeClr val="lt1"/>
+          </a:fillRef>
+          <a:effectRef idx="0">
+            <a:schemeClr val="dk1"/>
+          </a:effectRef>
+          <a:fontRef idx="minor">
+            <a:schemeClr val="dk1"/>
+          </a:fontRef>
+        </p:style>
+        <p:txBody>
+          <a:bodyPr rtlCol="0" anchor="ctr"/>
+          <a:lstStyle/>
+          <a:p>
+            <a:pPr algn="ctr"/>
+            <a:r>
+              <a:rPr lang="en-GB" sz="1200" dirty="0"/>
+              <a:t>Function</a:t>
+            </a:r>
+          </a:p>
+          <a:p>
+            <a:pPr algn="ctr"/>
+            <a:r>
+              <a:rPr lang="en-GB" sz="1200" dirty="0" err="1"/>
+              <a:t>chart_metrics_three</a:t>
+            </a:r>
+            <a:r>
+              <a:rPr lang="en-GB" sz="1200" dirty="0"/>
+              <a:t>()</a:t>
+            </a:r>
+            <a:endParaRPr lang="en-US" sz="1200" dirty="0">
+              <a:solidFill>
+                <a:schemeClr val="dk1"/>
+              </a:solidFill>
+            </a:endParaRPr>
+          </a:p>
+        </p:txBody>
+      </p:sp>
+      <p:cxnSp>
+        <p:nvCxnSpPr>
+          <p:cNvPr id="16" name="Straight Connector 15">
+            <a:extLst>
+              <a:ext uri="{FF2B5EF4-FFF2-40B4-BE49-F238E27FC236}">
+                <a16:creationId xmlns:a16="http://schemas.microsoft.com/office/drawing/2014/main" id="{EBC422D5-9FC9-4637-EEDA-4D6CB104F075}"/>
+              </a:ext>
+            </a:extLst>
+          </p:cNvPr>
+          <p:cNvCxnSpPr>
+            <a:cxnSpLocks/>
+          </p:cNvCxnSpPr>
+          <p:nvPr/>
+        </p:nvCxnSpPr>
+        <p:spPr>
+          <a:xfrm>
+            <a:off x="8716185" y="1704979"/>
+            <a:ext cx="3568" cy="4141287"/>
+          </a:xfrm>
+          <a:prstGeom prst="line">
+            <a:avLst/>
+          </a:prstGeom>
+          <a:ln w="12700">
+            <a:solidFill>
+              <a:schemeClr val="tx1"/>
+            </a:solidFill>
+          </a:ln>
+        </p:spPr>
+        <p:style>
+          <a:lnRef idx="1">
+            <a:schemeClr val="accent1"/>
+          </a:lnRef>
+          <a:fillRef idx="0">
+            <a:schemeClr val="accent1"/>
+          </a:fillRef>
+          <a:effectRef idx="0">
+            <a:schemeClr val="accent1"/>
+          </a:effectRef>
+          <a:fontRef idx="minor">
+            <a:schemeClr val="tx1"/>
+          </a:fontRef>
+        </p:style>
+      </p:cxnSp>
+      <p:cxnSp>
+        <p:nvCxnSpPr>
+          <p:cNvPr id="17" name="Straight Connector 16">
+            <a:extLst>
+              <a:ext uri="{FF2B5EF4-FFF2-40B4-BE49-F238E27FC236}">
+                <a16:creationId xmlns:a16="http://schemas.microsoft.com/office/drawing/2014/main" id="{88F46305-A2D9-0A72-E735-896AFCCABDDE}"/>
+              </a:ext>
+            </a:extLst>
+          </p:cNvPr>
+          <p:cNvCxnSpPr>
+            <a:cxnSpLocks/>
+          </p:cNvCxnSpPr>
+          <p:nvPr/>
+        </p:nvCxnSpPr>
+        <p:spPr>
+          <a:xfrm>
+            <a:off x="9322124" y="2292312"/>
+            <a:ext cx="0" cy="321880"/>
+          </a:xfrm>
+          <a:prstGeom prst="line">
+            <a:avLst/>
+          </a:prstGeom>
+          <a:ln w="12700">
+            <a:solidFill>
+              <a:schemeClr val="tx1"/>
+            </a:solidFill>
+          </a:ln>
+        </p:spPr>
+        <p:style>
+          <a:lnRef idx="1">
+            <a:schemeClr val="accent1"/>
+          </a:lnRef>
+          <a:fillRef idx="0">
+            <a:schemeClr val="accent1"/>
+          </a:fillRef>
+          <a:effectRef idx="0">
+            <a:schemeClr val="accent1"/>
+          </a:effectRef>
+          <a:fontRef idx="minor">
+            <a:schemeClr val="tx1"/>
+          </a:fontRef>
+        </p:style>
+      </p:cxnSp>
+      <p:cxnSp>
+        <p:nvCxnSpPr>
+          <p:cNvPr id="34" name="Straight Connector 33">
+            <a:extLst>
+              <a:ext uri="{FF2B5EF4-FFF2-40B4-BE49-F238E27FC236}">
+                <a16:creationId xmlns:a16="http://schemas.microsoft.com/office/drawing/2014/main" id="{A49DE91C-5F9C-111C-C89B-5782118F1C6E}"/>
+              </a:ext>
+            </a:extLst>
+          </p:cNvPr>
+          <p:cNvCxnSpPr>
+            <a:cxnSpLocks/>
+          </p:cNvCxnSpPr>
+          <p:nvPr/>
+        </p:nvCxnSpPr>
+        <p:spPr>
+          <a:xfrm>
+            <a:off x="8732834" y="3381537"/>
+            <a:ext cx="286155" cy="0"/>
+          </a:xfrm>
+          <a:prstGeom prst="line">
+            <a:avLst/>
+          </a:prstGeom>
+          <a:ln w="12700">
+            <a:solidFill>
+              <a:schemeClr val="tx1"/>
+            </a:solidFill>
+          </a:ln>
+        </p:spPr>
+        <p:style>
+          <a:lnRef idx="1">
+            <a:schemeClr val="accent1"/>
+          </a:lnRef>
+          <a:fillRef idx="0">
+            <a:schemeClr val="accent1"/>
+          </a:fillRef>
+          <a:effectRef idx="0">
+            <a:schemeClr val="accent1"/>
+          </a:effectRef>
+          <a:fontRef idx="minor">
+            <a:schemeClr val="tx1"/>
+          </a:fontRef>
+        </p:style>
+      </p:cxnSp>
+      <p:cxnSp>
+        <p:nvCxnSpPr>
+          <p:cNvPr id="41" name="Straight Connector 40">
+            <a:extLst>
+              <a:ext uri="{FF2B5EF4-FFF2-40B4-BE49-F238E27FC236}">
+                <a16:creationId xmlns:a16="http://schemas.microsoft.com/office/drawing/2014/main" id="{AF806F3E-1132-BCAF-C2F3-61E16AE5107E}"/>
+              </a:ext>
+            </a:extLst>
+          </p:cNvPr>
+          <p:cNvCxnSpPr>
+            <a:cxnSpLocks/>
+          </p:cNvCxnSpPr>
+          <p:nvPr/>
+        </p:nvCxnSpPr>
+        <p:spPr>
+          <a:xfrm>
+            <a:off x="8712784" y="4592412"/>
+            <a:ext cx="286155" cy="0"/>
+          </a:xfrm>
+          <a:prstGeom prst="line">
+            <a:avLst/>
+          </a:prstGeom>
+          <a:ln w="12700">
+            <a:solidFill>
+              <a:schemeClr val="tx1"/>
+            </a:solidFill>
+          </a:ln>
+        </p:spPr>
+        <p:style>
+          <a:lnRef idx="1">
+            <a:schemeClr val="accent1"/>
+          </a:lnRef>
+          <a:fillRef idx="0">
+            <a:schemeClr val="accent1"/>
+          </a:fillRef>
+          <a:effectRef idx="0">
+            <a:schemeClr val="accent1"/>
+          </a:effectRef>
+          <a:fontRef idx="minor">
+            <a:schemeClr val="tx1"/>
+          </a:fontRef>
+        </p:style>
+      </p:cxnSp>
+      <p:cxnSp>
+        <p:nvCxnSpPr>
+          <p:cNvPr id="42" name="Straight Connector 41">
+            <a:extLst>
+              <a:ext uri="{FF2B5EF4-FFF2-40B4-BE49-F238E27FC236}">
+                <a16:creationId xmlns:a16="http://schemas.microsoft.com/office/drawing/2014/main" id="{2EE20D2C-0FDB-8A8C-88F8-BE4EBBD19E96}"/>
+              </a:ext>
+            </a:extLst>
+          </p:cNvPr>
+          <p:cNvCxnSpPr>
+            <a:cxnSpLocks/>
+          </p:cNvCxnSpPr>
+          <p:nvPr/>
+        </p:nvCxnSpPr>
+        <p:spPr>
+          <a:xfrm>
+            <a:off x="9322124" y="2614192"/>
+            <a:ext cx="286155" cy="0"/>
+          </a:xfrm>
+          <a:prstGeom prst="line">
+            <a:avLst/>
+          </a:prstGeom>
+          <a:ln w="12700">
+            <a:solidFill>
+              <a:schemeClr val="tx1"/>
+            </a:solidFill>
+          </a:ln>
+        </p:spPr>
+        <p:style>
+          <a:lnRef idx="1">
+            <a:schemeClr val="accent1"/>
+          </a:lnRef>
+          <a:fillRef idx="0">
+            <a:schemeClr val="accent1"/>
+          </a:fillRef>
+          <a:effectRef idx="0">
+            <a:schemeClr val="accent1"/>
+          </a:effectRef>
+          <a:fontRef idx="minor">
+            <a:schemeClr val="tx1"/>
+          </a:fontRef>
+        </p:style>
+      </p:cxnSp>
+      <p:cxnSp>
+        <p:nvCxnSpPr>
+          <p:cNvPr id="43" name="Straight Connector 42">
+            <a:extLst>
+              <a:ext uri="{FF2B5EF4-FFF2-40B4-BE49-F238E27FC236}">
+                <a16:creationId xmlns:a16="http://schemas.microsoft.com/office/drawing/2014/main" id="{69C3266E-6BE3-E561-A962-8ED2F014111B}"/>
+              </a:ext>
+            </a:extLst>
+          </p:cNvPr>
+          <p:cNvCxnSpPr>
+            <a:cxnSpLocks/>
+          </p:cNvCxnSpPr>
+          <p:nvPr/>
+        </p:nvCxnSpPr>
+        <p:spPr>
+          <a:xfrm>
+            <a:off x="9341276" y="3585662"/>
+            <a:ext cx="0" cy="321880"/>
+          </a:xfrm>
+          <a:prstGeom prst="line">
+            <a:avLst/>
+          </a:prstGeom>
+          <a:ln w="12700">
+            <a:solidFill>
+              <a:schemeClr val="tx1"/>
+            </a:solidFill>
+          </a:ln>
+        </p:spPr>
+        <p:style>
+          <a:lnRef idx="1">
+            <a:schemeClr val="accent1"/>
+          </a:lnRef>
+          <a:fillRef idx="0">
+            <a:schemeClr val="accent1"/>
+          </a:fillRef>
+          <a:effectRef idx="0">
+            <a:schemeClr val="accent1"/>
+          </a:effectRef>
+          <a:fontRef idx="minor">
+            <a:schemeClr val="tx1"/>
+          </a:fontRef>
+        </p:style>
+      </p:cxnSp>
+      <p:cxnSp>
+        <p:nvCxnSpPr>
+          <p:cNvPr id="44" name="Straight Connector 43">
+            <a:extLst>
+              <a:ext uri="{FF2B5EF4-FFF2-40B4-BE49-F238E27FC236}">
+                <a16:creationId xmlns:a16="http://schemas.microsoft.com/office/drawing/2014/main" id="{5FAD715D-CD31-89FF-B1D5-476CA37F2048}"/>
+              </a:ext>
+            </a:extLst>
+          </p:cNvPr>
+          <p:cNvCxnSpPr>
+            <a:cxnSpLocks/>
+          </p:cNvCxnSpPr>
+          <p:nvPr/>
+        </p:nvCxnSpPr>
+        <p:spPr>
+          <a:xfrm>
+            <a:off x="9341276" y="3907542"/>
+            <a:ext cx="286155" cy="0"/>
+          </a:xfrm>
+          <a:prstGeom prst="line">
+            <a:avLst/>
+          </a:prstGeom>
+          <a:ln w="12700">
+            <a:solidFill>
+              <a:schemeClr val="tx1"/>
+            </a:solidFill>
+          </a:ln>
+        </p:spPr>
+        <p:style>
+          <a:lnRef idx="1">
+            <a:schemeClr val="accent1"/>
+          </a:lnRef>
+          <a:fillRef idx="0">
+            <a:schemeClr val="accent1"/>
+          </a:fillRef>
+          <a:effectRef idx="0">
+            <a:schemeClr val="accent1"/>
+          </a:effectRef>
+          <a:fontRef idx="minor">
+            <a:schemeClr val="tx1"/>
+          </a:fontRef>
+        </p:style>
+      </p:cxnSp>
+      <p:cxnSp>
+        <p:nvCxnSpPr>
+          <p:cNvPr id="45" name="Straight Connector 44">
+            <a:extLst>
+              <a:ext uri="{FF2B5EF4-FFF2-40B4-BE49-F238E27FC236}">
+                <a16:creationId xmlns:a16="http://schemas.microsoft.com/office/drawing/2014/main" id="{8C09FABC-79DC-B0BF-1DDB-99E6911F215F}"/>
+              </a:ext>
+            </a:extLst>
+          </p:cNvPr>
+          <p:cNvCxnSpPr>
+            <a:cxnSpLocks/>
+          </p:cNvCxnSpPr>
+          <p:nvPr/>
+        </p:nvCxnSpPr>
+        <p:spPr>
+          <a:xfrm>
+            <a:off x="9310767" y="4837929"/>
+            <a:ext cx="0" cy="321880"/>
+          </a:xfrm>
+          <a:prstGeom prst="line">
+            <a:avLst/>
+          </a:prstGeom>
+          <a:ln w="12700">
+            <a:solidFill>
+              <a:schemeClr val="tx1"/>
+            </a:solidFill>
+          </a:ln>
+        </p:spPr>
+        <p:style>
+          <a:lnRef idx="1">
+            <a:schemeClr val="accent1"/>
+          </a:lnRef>
+          <a:fillRef idx="0">
+            <a:schemeClr val="accent1"/>
+          </a:fillRef>
+          <a:effectRef idx="0">
+            <a:schemeClr val="accent1"/>
+          </a:effectRef>
+          <a:fontRef idx="minor">
+            <a:schemeClr val="tx1"/>
+          </a:fontRef>
+        </p:style>
+      </p:cxnSp>
+      <p:cxnSp>
+        <p:nvCxnSpPr>
+          <p:cNvPr id="46" name="Straight Connector 45">
+            <a:extLst>
+              <a:ext uri="{FF2B5EF4-FFF2-40B4-BE49-F238E27FC236}">
+                <a16:creationId xmlns:a16="http://schemas.microsoft.com/office/drawing/2014/main" id="{39015E14-3BA0-C844-8210-FA6D399CB979}"/>
+              </a:ext>
+            </a:extLst>
+          </p:cNvPr>
+          <p:cNvCxnSpPr>
+            <a:cxnSpLocks/>
+          </p:cNvCxnSpPr>
+          <p:nvPr/>
+        </p:nvCxnSpPr>
+        <p:spPr>
+          <a:xfrm>
+            <a:off x="9310767" y="5159809"/>
+            <a:ext cx="286155" cy="0"/>
+          </a:xfrm>
+          <a:prstGeom prst="line">
+            <a:avLst/>
+          </a:prstGeom>
+          <a:ln w="12700">
+            <a:solidFill>
+              <a:schemeClr val="tx1"/>
+            </a:solidFill>
+          </a:ln>
+        </p:spPr>
+        <p:style>
+          <a:lnRef idx="1">
+            <a:schemeClr val="accent1"/>
+          </a:lnRef>
+          <a:fillRef idx="0">
+            <a:schemeClr val="accent1"/>
+          </a:fillRef>
+          <a:effectRef idx="0">
+            <a:schemeClr val="accent1"/>
+          </a:effectRef>
+          <a:fontRef idx="minor">
+            <a:schemeClr val="tx1"/>
+          </a:fontRef>
+        </p:style>
+      </p:cxnSp>
+      <p:cxnSp>
+        <p:nvCxnSpPr>
+          <p:cNvPr id="50" name="Straight Connector 49">
+            <a:extLst>
+              <a:ext uri="{FF2B5EF4-FFF2-40B4-BE49-F238E27FC236}">
+                <a16:creationId xmlns:a16="http://schemas.microsoft.com/office/drawing/2014/main" id="{87F3B26F-112D-3D53-7BDF-C4D7DC5A1090}"/>
+              </a:ext>
+            </a:extLst>
+          </p:cNvPr>
+          <p:cNvCxnSpPr>
+            <a:cxnSpLocks/>
+          </p:cNvCxnSpPr>
+          <p:nvPr/>
+        </p:nvCxnSpPr>
+        <p:spPr>
+          <a:xfrm>
+            <a:off x="9316321" y="5994747"/>
+            <a:ext cx="0" cy="321880"/>
+          </a:xfrm>
+          <a:prstGeom prst="line">
+            <a:avLst/>
+          </a:prstGeom>
+          <a:ln w="12700">
+            <a:solidFill>
+              <a:schemeClr val="tx1"/>
+            </a:solidFill>
+          </a:ln>
+        </p:spPr>
+        <p:style>
+          <a:lnRef idx="1">
+            <a:schemeClr val="accent1"/>
+          </a:lnRef>
+          <a:fillRef idx="0">
+            <a:schemeClr val="accent1"/>
+          </a:fillRef>
+          <a:effectRef idx="0">
+            <a:schemeClr val="accent1"/>
+          </a:effectRef>
+          <a:fontRef idx="minor">
+            <a:schemeClr val="tx1"/>
+          </a:fontRef>
+        </p:style>
+      </p:cxnSp>
+      <p:cxnSp>
+        <p:nvCxnSpPr>
+          <p:cNvPr id="58" name="Straight Connector 57">
+            <a:extLst>
+              <a:ext uri="{FF2B5EF4-FFF2-40B4-BE49-F238E27FC236}">
+                <a16:creationId xmlns:a16="http://schemas.microsoft.com/office/drawing/2014/main" id="{E524B8DB-D54A-8716-E428-BAE47D279369}"/>
+              </a:ext>
+            </a:extLst>
+          </p:cNvPr>
+          <p:cNvCxnSpPr>
+            <a:cxnSpLocks/>
+          </p:cNvCxnSpPr>
+          <p:nvPr/>
+        </p:nvCxnSpPr>
+        <p:spPr>
+          <a:xfrm>
+            <a:off x="9316320" y="6322805"/>
+            <a:ext cx="286155" cy="0"/>
+          </a:xfrm>
+          <a:prstGeom prst="line">
+            <a:avLst/>
+          </a:prstGeom>
+          <a:ln w="12700">
+            <a:solidFill>
+              <a:schemeClr val="tx1"/>
+            </a:solidFill>
+          </a:ln>
+        </p:spPr>
+        <p:style>
+          <a:lnRef idx="1">
+            <a:schemeClr val="accent1"/>
+          </a:lnRef>
+          <a:fillRef idx="0">
+            <a:schemeClr val="accent1"/>
+          </a:fillRef>
+          <a:effectRef idx="0">
+            <a:schemeClr val="accent1"/>
+          </a:effectRef>
+          <a:fontRef idx="minor">
+            <a:schemeClr val="tx1"/>
+          </a:fontRef>
+        </p:style>
+      </p:cxnSp>
+      <p:cxnSp>
+        <p:nvCxnSpPr>
+          <p:cNvPr id="64" name="Straight Connector 63">
+            <a:extLst>
+              <a:ext uri="{FF2B5EF4-FFF2-40B4-BE49-F238E27FC236}">
+                <a16:creationId xmlns:a16="http://schemas.microsoft.com/office/drawing/2014/main" id="{4909F23C-3FF9-E200-AE47-CA5ED33D2D68}"/>
+              </a:ext>
+            </a:extLst>
+          </p:cNvPr>
+          <p:cNvCxnSpPr>
+            <a:cxnSpLocks/>
+          </p:cNvCxnSpPr>
+          <p:nvPr/>
+        </p:nvCxnSpPr>
+        <p:spPr>
+          <a:xfrm>
+            <a:off x="8711706" y="2093257"/>
+            <a:ext cx="286155" cy="0"/>
+          </a:xfrm>
+          <a:prstGeom prst="line">
+            <a:avLst/>
+          </a:prstGeom>
+          <a:ln w="12700">
+            <a:solidFill>
+              <a:schemeClr val="tx1"/>
+            </a:solidFill>
+          </a:ln>
+        </p:spPr>
+        <p:style>
+          <a:lnRef idx="1">
+            <a:schemeClr val="accent1"/>
+          </a:lnRef>
+          <a:fillRef idx="0">
+            <a:schemeClr val="accent1"/>
+          </a:fillRef>
+          <a:effectRef idx="0">
+            <a:schemeClr val="accent1"/>
+          </a:effectRef>
+          <a:fontRef idx="minor">
+            <a:schemeClr val="tx1"/>
+          </a:fontRef>
+        </p:style>
+      </p:cxnSp>
+      <p:sp>
+        <p:nvSpPr>
+          <p:cNvPr id="65" name="Rectangle 64">
+            <a:extLst>
+              <a:ext uri="{FF2B5EF4-FFF2-40B4-BE49-F238E27FC236}">
+                <a16:creationId xmlns:a16="http://schemas.microsoft.com/office/drawing/2014/main" id="{9D09AD06-FD1E-E1C5-DDE9-A3C31050D484}"/>
+              </a:ext>
+            </a:extLst>
+          </p:cNvPr>
+          <p:cNvSpPr/>
+          <p:nvPr/>
+        </p:nvSpPr>
+        <p:spPr>
+          <a:xfrm>
+            <a:off x="9613644" y="2379690"/>
+            <a:ext cx="1233565" cy="507951"/>
+          </a:xfrm>
+          <a:prstGeom prst="rect">
+            <a:avLst/>
+          </a:prstGeom>
+          <a:ln>
+            <a:solidFill>
+              <a:schemeClr val="accent1"/>
+            </a:solidFill>
+          </a:ln>
+        </p:spPr>
+        <p:style>
+          <a:lnRef idx="2">
+            <a:schemeClr val="dk1"/>
+          </a:lnRef>
+          <a:fillRef idx="1">
+            <a:schemeClr val="lt1"/>
+          </a:fillRef>
+          <a:effectRef idx="0">
+            <a:schemeClr val="dk1"/>
+          </a:effectRef>
+          <a:fontRef idx="minor">
+            <a:schemeClr val="dk1"/>
+          </a:fontRef>
+        </p:style>
+        <p:txBody>
+          <a:bodyPr rtlCol="0" anchor="ctr"/>
+          <a:lstStyle/>
+          <a:p>
+            <a:pPr algn="ctr"/>
+            <a:r>
+              <a:rPr lang="en-GB" sz="1200" dirty="0"/>
+              <a:t>Visualises devices counted</a:t>
+            </a:r>
+            <a:endParaRPr lang="en-US" sz="1200" dirty="0"/>
+          </a:p>
+        </p:txBody>
+      </p:sp>
+      <p:sp>
+        <p:nvSpPr>
+          <p:cNvPr id="70" name="Rectangle 69">
+            <a:extLst>
+              <a:ext uri="{FF2B5EF4-FFF2-40B4-BE49-F238E27FC236}">
+                <a16:creationId xmlns:a16="http://schemas.microsoft.com/office/drawing/2014/main" id="{F36C9B0E-30C6-BAF6-E549-6E59689EED12}"/>
+              </a:ext>
+            </a:extLst>
+          </p:cNvPr>
+          <p:cNvSpPr/>
+          <p:nvPr/>
+        </p:nvSpPr>
+        <p:spPr>
+          <a:xfrm>
+            <a:off x="9625678" y="3758405"/>
+            <a:ext cx="1571609" cy="392386"/>
+          </a:xfrm>
+          <a:prstGeom prst="rect">
+            <a:avLst/>
+          </a:prstGeom>
+          <a:ln>
+            <a:solidFill>
+              <a:schemeClr val="accent1"/>
+            </a:solidFill>
+          </a:ln>
+        </p:spPr>
+        <p:style>
+          <a:lnRef idx="2">
+            <a:schemeClr val="dk1"/>
+          </a:lnRef>
+          <a:fillRef idx="1">
+            <a:schemeClr val="lt1"/>
+          </a:fillRef>
+          <a:effectRef idx="0">
+            <a:schemeClr val="dk1"/>
+          </a:effectRef>
+          <a:fontRef idx="minor">
+            <a:schemeClr val="dk1"/>
+          </a:fontRef>
+        </p:style>
+        <p:txBody>
+          <a:bodyPr rtlCol="0" anchor="ctr"/>
+          <a:lstStyle/>
+          <a:p>
+            <a:pPr algn="ctr"/>
+            <a:r>
+              <a:rPr lang="en-GB" sz="1200" dirty="0"/>
+              <a:t>Visualises a proportion of devices</a:t>
+            </a:r>
+          </a:p>
+        </p:txBody>
+      </p:sp>
+      <p:sp>
+        <p:nvSpPr>
+          <p:cNvPr id="86" name="Rectangle 85">
+            <a:extLst>
+              <a:ext uri="{FF2B5EF4-FFF2-40B4-BE49-F238E27FC236}">
+                <a16:creationId xmlns:a16="http://schemas.microsoft.com/office/drawing/2014/main" id="{FC7F7532-FAD3-7E08-B077-705F28545591}"/>
+              </a:ext>
+            </a:extLst>
+          </p:cNvPr>
+          <p:cNvSpPr/>
+          <p:nvPr/>
+        </p:nvSpPr>
+        <p:spPr>
+          <a:xfrm>
+            <a:off x="9602475" y="4962666"/>
+            <a:ext cx="1233565" cy="392386"/>
+          </a:xfrm>
+          <a:prstGeom prst="rect">
+            <a:avLst/>
+          </a:prstGeom>
+          <a:ln>
+            <a:solidFill>
+              <a:schemeClr val="accent1"/>
+            </a:solidFill>
+          </a:ln>
+        </p:spPr>
+        <p:style>
+          <a:lnRef idx="2">
+            <a:schemeClr val="dk1"/>
+          </a:lnRef>
+          <a:fillRef idx="1">
+            <a:schemeClr val="lt1"/>
+          </a:fillRef>
+          <a:effectRef idx="0">
+            <a:schemeClr val="dk1"/>
+          </a:effectRef>
+          <a:fontRef idx="minor">
+            <a:schemeClr val="dk1"/>
+          </a:fontRef>
+        </p:style>
+        <p:txBody>
+          <a:bodyPr rtlCol="0" anchor="ctr"/>
+          <a:lstStyle/>
+          <a:p>
+            <a:pPr algn="ctr"/>
+            <a:r>
+              <a:rPr lang="en-GB" sz="1200" dirty="0"/>
+              <a:t>Visualises time series data</a:t>
+            </a:r>
+            <a:endParaRPr lang="en-US" sz="1200" dirty="0"/>
+          </a:p>
+        </p:txBody>
+      </p:sp>
+      <p:sp>
+        <p:nvSpPr>
+          <p:cNvPr id="91" name="Rectangle 90">
+            <a:extLst>
+              <a:ext uri="{FF2B5EF4-FFF2-40B4-BE49-F238E27FC236}">
+                <a16:creationId xmlns:a16="http://schemas.microsoft.com/office/drawing/2014/main" id="{99DD780D-A772-A11E-4041-BD907023CCA2}"/>
+              </a:ext>
+            </a:extLst>
+          </p:cNvPr>
+          <p:cNvSpPr/>
+          <p:nvPr/>
+        </p:nvSpPr>
+        <p:spPr>
+          <a:xfrm>
+            <a:off x="9602475" y="6178428"/>
+            <a:ext cx="1761561" cy="392386"/>
+          </a:xfrm>
+          <a:prstGeom prst="rect">
+            <a:avLst/>
+          </a:prstGeom>
+          <a:ln>
+            <a:solidFill>
+              <a:schemeClr val="accent1"/>
+            </a:solidFill>
+          </a:ln>
+        </p:spPr>
+        <p:style>
+          <a:lnRef idx="2">
+            <a:schemeClr val="dk1"/>
+          </a:lnRef>
+          <a:fillRef idx="1">
+            <a:schemeClr val="lt1"/>
+          </a:fillRef>
+          <a:effectRef idx="0">
+            <a:schemeClr val="dk1"/>
+          </a:effectRef>
+          <a:fontRef idx="minor">
+            <a:schemeClr val="dk1"/>
+          </a:fontRef>
+        </p:style>
+        <p:txBody>
+          <a:bodyPr rtlCol="0" anchor="ctr"/>
+          <a:lstStyle/>
+          <a:p>
+            <a:pPr algn="ctr"/>
+            <a:r>
+              <a:rPr lang="en-GB" sz="1200" dirty="0"/>
+              <a:t>Visualises a comparison by three metrics</a:t>
+            </a:r>
+            <a:endParaRPr lang="en-US" sz="1200" dirty="0"/>
+          </a:p>
+        </p:txBody>
+      </p:sp>
+      <p:cxnSp>
+        <p:nvCxnSpPr>
+          <p:cNvPr id="98" name="Straight Connector 97">
+            <a:extLst>
+              <a:ext uri="{FF2B5EF4-FFF2-40B4-BE49-F238E27FC236}">
+                <a16:creationId xmlns:a16="http://schemas.microsoft.com/office/drawing/2014/main" id="{8C934935-C4FA-C439-D7EF-3AEAD2A3E062}"/>
+              </a:ext>
+            </a:extLst>
+          </p:cNvPr>
+          <p:cNvCxnSpPr>
+            <a:cxnSpLocks/>
+          </p:cNvCxnSpPr>
+          <p:nvPr/>
+        </p:nvCxnSpPr>
+        <p:spPr>
+          <a:xfrm>
+            <a:off x="8750611" y="5809635"/>
+            <a:ext cx="286155" cy="0"/>
+          </a:xfrm>
+          <a:prstGeom prst="line">
+            <a:avLst/>
+          </a:prstGeom>
+          <a:ln w="12700">
+            <a:solidFill>
+              <a:schemeClr val="tx1"/>
+            </a:solidFill>
+          </a:ln>
+        </p:spPr>
+        <p:style>
+          <a:lnRef idx="1">
+            <a:schemeClr val="accent1"/>
+          </a:lnRef>
+          <a:fillRef idx="0">
+            <a:schemeClr val="accent1"/>
+          </a:fillRef>
+          <a:effectRef idx="0">
+            <a:schemeClr val="accent1"/>
+          </a:effectRef>
+          <a:fontRef idx="minor">
+            <a:schemeClr val="tx1"/>
+          </a:fontRef>
+        </p:style>
+      </p:cxnSp>
+      <p:cxnSp>
+        <p:nvCxnSpPr>
+          <p:cNvPr id="117" name="Connector: Elbow 116">
+            <a:extLst>
+              <a:ext uri="{FF2B5EF4-FFF2-40B4-BE49-F238E27FC236}">
+                <a16:creationId xmlns:a16="http://schemas.microsoft.com/office/drawing/2014/main" id="{9BA12E8E-21A4-390E-6E78-57FF330EBDDE}"/>
+              </a:ext>
+            </a:extLst>
+          </p:cNvPr>
+          <p:cNvCxnSpPr>
+            <a:cxnSpLocks/>
+          </p:cNvCxnSpPr>
+          <p:nvPr/>
+        </p:nvCxnSpPr>
+        <p:spPr>
+          <a:xfrm rot="5400000">
+            <a:off x="5531529" y="754309"/>
+            <a:ext cx="324000" cy="0"/>
+          </a:xfrm>
+          <a:prstGeom prst="bentConnector3">
+            <a:avLst>
+              <a:gd name="adj1" fmla="val 50000"/>
+            </a:avLst>
+          </a:prstGeom>
+          <a:ln>
+            <a:solidFill>
+              <a:schemeClr val="tx1"/>
+            </a:solidFill>
+            <a:tailEnd type="none"/>
+          </a:ln>
+        </p:spPr>
+        <p:style>
+          <a:lnRef idx="1">
+            <a:schemeClr val="accent1"/>
+          </a:lnRef>
+          <a:fillRef idx="0">
+            <a:schemeClr val="accent1"/>
+          </a:fillRef>
+          <a:effectRef idx="0">
+            <a:schemeClr val="accent1"/>
+          </a:effectRef>
+          <a:fontRef idx="minor">
+            <a:schemeClr val="tx1"/>
+          </a:fontRef>
+        </p:style>
+      </p:cxnSp>
+      <p:cxnSp>
+        <p:nvCxnSpPr>
+          <p:cNvPr id="118" name="Connector: Elbow 117">
+            <a:extLst>
+              <a:ext uri="{FF2B5EF4-FFF2-40B4-BE49-F238E27FC236}">
+                <a16:creationId xmlns:a16="http://schemas.microsoft.com/office/drawing/2014/main" id="{EAA7CD55-7370-6FC2-E72C-9042343CB92F}"/>
+              </a:ext>
+            </a:extLst>
+          </p:cNvPr>
+          <p:cNvCxnSpPr>
+            <a:cxnSpLocks/>
+          </p:cNvCxnSpPr>
+          <p:nvPr/>
+        </p:nvCxnSpPr>
+        <p:spPr>
+          <a:xfrm rot="10800000" flipV="1">
+            <a:off x="1012863" y="915825"/>
+            <a:ext cx="4680000" cy="288000"/>
+          </a:xfrm>
+          <a:prstGeom prst="bentConnector2">
+            <a:avLst/>
+          </a:prstGeom>
+          <a:ln>
+            <a:solidFill>
+              <a:schemeClr val="tx1"/>
+            </a:solidFill>
+            <a:tailEnd type="triangle"/>
+          </a:ln>
+        </p:spPr>
+        <p:style>
+          <a:lnRef idx="1">
+            <a:schemeClr val="accent1"/>
+          </a:lnRef>
+          <a:fillRef idx="0">
+            <a:schemeClr val="accent1"/>
+          </a:fillRef>
+          <a:effectRef idx="0">
+            <a:schemeClr val="accent1"/>
+          </a:effectRef>
+          <a:fontRef idx="minor">
+            <a:schemeClr val="tx1"/>
+          </a:fontRef>
+        </p:style>
+      </p:cxnSp>
+      <p:cxnSp>
+        <p:nvCxnSpPr>
+          <p:cNvPr id="119" name="Connector: Elbow 118">
+            <a:extLst>
+              <a:ext uri="{FF2B5EF4-FFF2-40B4-BE49-F238E27FC236}">
+                <a16:creationId xmlns:a16="http://schemas.microsoft.com/office/drawing/2014/main" id="{411B36AC-BB7A-67DD-E8D9-4CF58E7AF75A}"/>
+              </a:ext>
+            </a:extLst>
+          </p:cNvPr>
+          <p:cNvCxnSpPr>
+            <a:cxnSpLocks/>
+          </p:cNvCxnSpPr>
+          <p:nvPr/>
+        </p:nvCxnSpPr>
+        <p:spPr>
+          <a:xfrm rot="10800000" flipH="1" flipV="1">
+            <a:off x="1872755" y="1420374"/>
+            <a:ext cx="1800000" cy="288000"/>
+          </a:xfrm>
+          <a:prstGeom prst="bentConnector2">
+            <a:avLst/>
+          </a:prstGeom>
+          <a:ln>
+            <a:solidFill>
+              <a:schemeClr val="tx1"/>
+            </a:solidFill>
+            <a:tailEnd type="triangle"/>
+          </a:ln>
+        </p:spPr>
+        <p:style>
+          <a:lnRef idx="1">
+            <a:schemeClr val="accent1"/>
+          </a:lnRef>
+          <a:fillRef idx="0">
+            <a:schemeClr val="accent1"/>
+          </a:fillRef>
+          <a:effectRef idx="0">
+            <a:schemeClr val="accent1"/>
+          </a:effectRef>
+          <a:fontRef idx="minor">
+            <a:schemeClr val="tx1"/>
+          </a:fontRef>
+        </p:style>
+      </p:cxnSp>
+      <p:cxnSp>
+        <p:nvCxnSpPr>
+          <p:cNvPr id="121" name="Connector: Elbow 120">
+            <a:extLst>
+              <a:ext uri="{FF2B5EF4-FFF2-40B4-BE49-F238E27FC236}">
+                <a16:creationId xmlns:a16="http://schemas.microsoft.com/office/drawing/2014/main" id="{9C94AF91-775E-C3C9-2400-15867AEA7450}"/>
+              </a:ext>
+            </a:extLst>
+          </p:cNvPr>
+          <p:cNvCxnSpPr>
+            <a:cxnSpLocks/>
+          </p:cNvCxnSpPr>
+          <p:nvPr/>
+        </p:nvCxnSpPr>
+        <p:spPr>
+          <a:xfrm rot="10800000" flipH="1" flipV="1">
+            <a:off x="3671706" y="1424373"/>
+            <a:ext cx="5040000" cy="288000"/>
+          </a:xfrm>
+          <a:prstGeom prst="bentConnector2">
+            <a:avLst/>
+          </a:prstGeom>
+          <a:ln>
+            <a:solidFill>
+              <a:schemeClr val="tx1"/>
+            </a:solidFill>
+            <a:tailEnd type="triangle"/>
+          </a:ln>
+        </p:spPr>
+        <p:style>
+          <a:lnRef idx="1">
+            <a:schemeClr val="accent1"/>
+          </a:lnRef>
+          <a:fillRef idx="0">
+            <a:schemeClr val="accent1"/>
+          </a:fillRef>
+          <a:effectRef idx="0">
+            <a:schemeClr val="accent1"/>
+          </a:effectRef>
+          <a:fontRef idx="minor">
+            <a:schemeClr val="tx1"/>
+          </a:fontRef>
+        </p:style>
+      </p:cxnSp>
+      <p:sp>
+        <p:nvSpPr>
+          <p:cNvPr id="128" name="Rectangle 127">
+            <a:extLst>
+              <a:ext uri="{FF2B5EF4-FFF2-40B4-BE49-F238E27FC236}">
+                <a16:creationId xmlns:a16="http://schemas.microsoft.com/office/drawing/2014/main" id="{325D86B5-A822-FE8C-723F-7084CF5F547B}"/>
+              </a:ext>
+            </a:extLst>
+          </p:cNvPr>
+          <p:cNvSpPr/>
+          <p:nvPr/>
+        </p:nvSpPr>
+        <p:spPr>
+          <a:xfrm>
+            <a:off x="203200" y="80071"/>
+            <a:ext cx="11630724" cy="6560874"/>
+          </a:xfrm>
+          <a:prstGeom prst="rect">
+            <a:avLst/>
+          </a:prstGeom>
+          <a:noFill/>
+          <a:ln>
+            <a:solidFill>
+              <a:schemeClr val="bg1">
+                <a:lumMod val="75000"/>
+              </a:schemeClr>
+            </a:solidFill>
+            <a:prstDash val="dash"/>
+          </a:ln>
+        </p:spPr>
+        <p:style>
+          <a:lnRef idx="2">
+            <a:schemeClr val="accent1">
+              <a:shade val="15000"/>
+            </a:schemeClr>
+          </a:lnRef>
+          <a:fillRef idx="1">
+            <a:schemeClr val="accent1"/>
+          </a:fillRef>
+          <a:effectRef idx="0">
+            <a:schemeClr val="accent1"/>
+          </a:effectRef>
+          <a:fontRef idx="minor">
+            <a:schemeClr val="lt1"/>
+          </a:fontRef>
+        </p:style>
+        <p:txBody>
+          <a:bodyPr rtlCol="0" anchor="ctr"/>
+          <a:lstStyle/>
+          <a:p>
+            <a:pPr algn="ctr"/>
+            <a:endParaRPr lang="en-US"/>
+          </a:p>
+        </p:txBody>
+      </p:sp>
     </p:spTree>
     <p:extLst>
       <p:ext uri="{BB962C8B-B14F-4D97-AF65-F5344CB8AC3E}">
